--- a/软摸硬跑.pptx
+++ b/软摸硬跑.pptx
@@ -41,8 +41,8 @@
     <p:sldId id="304" r:id="rId32"/>
     <p:sldId id="305" r:id="rId33"/>
     <p:sldId id="301" r:id="rId34"/>
-    <p:sldId id="306" r:id="rId35"/>
-    <p:sldId id="307" r:id="rId36"/>
+    <p:sldId id="307" r:id="rId35"/>
+    <p:sldId id="306" r:id="rId36"/>
     <p:sldId id="278" r:id="rId37"/>
   </p:sldIdLst>
   <p:sldSz cx="9144000" cy="5143500" type="screen16x9"/>
@@ -283,7 +283,7 @@
           <a:p>
             <a:fld id="{7CC8D5C5-7F49-4FE3-AEB9-D980D14C035D}" type="datetimeFigureOut">
               <a:rPr lang="zh-CN" altLang="en-US" smtClean="0"/>
-              <a:t>2020/3/31</a:t>
+              <a:t>2020/4/1</a:t>
             </a:fld>
             <a:endParaRPr lang="zh-CN" altLang="en-US"/>
           </a:p>
@@ -826,7 +826,7 @@
             <a:fld id="{82C8065F-811E-4255-BC1F-A97EB48777D4}" type="datetimeFigureOut">
               <a:rPr lang="zh-CN" altLang="en-US"/>
               <a:pPr/>
-              <a:t>2020/3/31</a:t>
+              <a:t>2020/4/1</a:t>
             </a:fld>
             <a:endParaRPr lang="zh-CN" altLang="en-US"/>
           </a:p>
@@ -1011,7 +1011,7 @@
             <a:fld id="{01B6944E-2E34-42C2-A881-9CA0518673FB}" type="datetimeFigureOut">
               <a:rPr lang="zh-CN" altLang="en-US"/>
               <a:pPr/>
-              <a:t>2020/3/31</a:t>
+              <a:t>2020/4/1</a:t>
             </a:fld>
             <a:endParaRPr lang="zh-CN" altLang="en-US"/>
           </a:p>
@@ -1206,7 +1206,7 @@
             <a:fld id="{78FBE1D1-E914-435D-93D6-3BD8363301CE}" type="datetimeFigureOut">
               <a:rPr lang="zh-CN" altLang="en-US"/>
               <a:pPr/>
-              <a:t>2020/3/31</a:t>
+              <a:t>2020/4/1</a:t>
             </a:fld>
             <a:endParaRPr lang="zh-CN" altLang="en-US"/>
           </a:p>
@@ -2524,7 +2524,7 @@
             <a:fld id="{CA0CD226-0C66-4894-A629-92CD706AC45C}" type="datetimeFigureOut">
               <a:rPr lang="zh-CN" altLang="en-US"/>
               <a:pPr/>
-              <a:t>2020/3/31</a:t>
+              <a:t>2020/4/1</a:t>
             </a:fld>
             <a:endParaRPr lang="zh-CN" altLang="en-US"/>
           </a:p>
@@ -4064,7 +4064,7 @@
             <a:fld id="{A316597E-791C-4430-BE0E-30ECAE21F7C0}" type="datetimeFigureOut">
               <a:rPr lang="zh-CN" altLang="en-US"/>
               <a:pPr/>
-              <a:t>2020/3/31</a:t>
+              <a:t>2020/4/1</a:t>
             </a:fld>
             <a:endParaRPr lang="zh-CN" altLang="en-US"/>
           </a:p>
@@ -5822,7 +5822,7 @@
             <a:fld id="{1AB53A12-213F-4E2F-8455-65DF2151CC52}" type="datetimeFigureOut">
               <a:rPr lang="zh-CN" altLang="en-US"/>
               <a:pPr/>
-              <a:t>2020/3/31</a:t>
+              <a:t>2020/4/1</a:t>
             </a:fld>
             <a:endParaRPr lang="zh-CN" altLang="en-US"/>
           </a:p>
@@ -7693,7 +7693,7 @@
             <a:fld id="{EE7D2579-F209-4508-9BA8-E36EB73AC4F0}" type="datetimeFigureOut">
               <a:rPr lang="zh-CN" altLang="en-US"/>
               <a:pPr/>
-              <a:t>2020/3/31</a:t>
+              <a:t>2020/4/1</a:t>
             </a:fld>
             <a:endParaRPr lang="zh-CN" altLang="en-US"/>
           </a:p>
@@ -9070,7 +9070,7 @@
             <a:fld id="{23001106-38E5-4A70-A269-C599AB08227C}" type="datetimeFigureOut">
               <a:rPr lang="zh-CN" altLang="en-US"/>
               <a:pPr/>
-              <a:t>2020/3/31</a:t>
+              <a:t>2020/4/1</a:t>
             </a:fld>
             <a:endParaRPr lang="zh-CN" altLang="en-US"/>
           </a:p>
@@ -10560,7 +10560,7 @@
             <a:fld id="{647AE97B-BE66-4D31-9FF4-9A62E26CD0CA}" type="datetimeFigureOut">
               <a:rPr lang="zh-CN" altLang="en-US"/>
               <a:pPr/>
-              <a:t>2020/3/31</a:t>
+              <a:t>2020/4/1</a:t>
             </a:fld>
             <a:endParaRPr lang="zh-CN" altLang="en-US"/>
           </a:p>
@@ -12034,7 +12034,7 @@
             <a:fld id="{72106458-F38D-44E9-8DF8-83AEE3ACBF0B}" type="datetimeFigureOut">
               <a:rPr lang="zh-CN" altLang="en-US"/>
               <a:pPr/>
-              <a:t>2020/3/31</a:t>
+              <a:t>2020/4/1</a:t>
             </a:fld>
             <a:endParaRPr lang="zh-CN" altLang="en-US"/>
           </a:p>
@@ -12303,7 +12303,7 @@
             <a:fld id="{96BF3C7C-5FC9-41D2-BB57-8CF62D5089FC}" type="datetimeFigureOut">
               <a:rPr lang="zh-CN" altLang="en-US"/>
               <a:pPr/>
-              <a:t>2020/3/31</a:t>
+              <a:t>2020/4/1</a:t>
             </a:fld>
             <a:endParaRPr lang="zh-CN" altLang="en-US"/>
           </a:p>
@@ -12620,7 +12620,7 @@
             <a:fld id="{C438175A-3D9C-44EB-AC24-82BA365EEDB3}" type="datetimeFigureOut">
               <a:rPr lang="zh-CN" altLang="en-US"/>
               <a:pPr/>
-              <a:t>2020/3/31</a:t>
+              <a:t>2020/4/1</a:t>
             </a:fld>
             <a:endParaRPr lang="zh-CN" altLang="en-US"/>
           </a:p>
@@ -33056,241 +33056,6 @@
       </p:sp>
       <p:sp>
         <p:nvSpPr>
-          <p:cNvPr id="24579" name="文本框 20"/>
-          <p:cNvSpPr txBox="1">
-            <a:spLocks noChangeArrowheads="1"/>
-          </p:cNvSpPr>
-          <p:nvPr/>
-        </p:nvSpPr>
-        <p:spPr bwMode="auto">
-          <a:xfrm>
-            <a:off x="260382" y="230633"/>
-            <a:ext cx="2191626" cy="400110"/>
-          </a:xfrm>
-          <a:prstGeom prst="rect">
-            <a:avLst/>
-          </a:prstGeom>
-          <a:noFill/>
-          <a:ln>
-            <a:noFill/>
-          </a:ln>
-          <a:extLst>
-            <a:ext uri="{909E8E84-426E-40DD-AFC4-6F175D3DCCD1}">
-              <a14:hiddenFill xmlns:a14="http://schemas.microsoft.com/office/drawing/2010/main">
-                <a:solidFill>
-                  <a:srgbClr val="FFFFFF"/>
-                </a:solidFill>
-              </a14:hiddenFill>
-            </a:ext>
-            <a:ext uri="{91240B29-F687-4F45-9708-019B960494DF}">
-              <a14:hiddenLine xmlns:a14="http://schemas.microsoft.com/office/drawing/2010/main" w="9525">
-                <a:solidFill>
-                  <a:srgbClr val="000000"/>
-                </a:solidFill>
-                <a:miter lim="800000"/>
-                <a:headEnd/>
-                <a:tailEnd/>
-              </a14:hiddenLine>
-            </a:ext>
-          </a:extLst>
-        </p:spPr>
-        <p:txBody>
-          <a:bodyPr wrap="none">
-            <a:spAutoFit/>
-          </a:bodyPr>
-          <a:lstStyle>
-            <a:lvl1pPr>
-              <a:lnSpc>
-                <a:spcPct val="90000"/>
-              </a:lnSpc>
-              <a:spcBef>
-                <a:spcPts val="750"/>
-              </a:spcBef>
-              <a:buChar char="•"/>
-              <a:defRPr sz="2100">
-                <a:solidFill>
-                  <a:schemeClr val="tx1"/>
-                </a:solidFill>
-                <a:latin typeface="方正兰亭黑_GBK" pitchFamily="2" charset="-122"/>
-                <a:ea typeface="方正兰亭黑_GBK" pitchFamily="2" charset="-122"/>
-              </a:defRPr>
-            </a:lvl1pPr>
-            <a:lvl2pPr marL="742950" indent="-285750">
-              <a:lnSpc>
-                <a:spcPct val="90000"/>
-              </a:lnSpc>
-              <a:spcBef>
-                <a:spcPts val="375"/>
-              </a:spcBef>
-              <a:buChar char="•"/>
-              <a:defRPr>
-                <a:solidFill>
-                  <a:schemeClr val="tx1"/>
-                </a:solidFill>
-                <a:latin typeface="方正兰亭黑_GBK" pitchFamily="2" charset="-122"/>
-                <a:ea typeface="方正兰亭黑_GBK" pitchFamily="2" charset="-122"/>
-              </a:defRPr>
-            </a:lvl2pPr>
-            <a:lvl3pPr marL="1143000" indent="-228600">
-              <a:lnSpc>
-                <a:spcPct val="90000"/>
-              </a:lnSpc>
-              <a:spcBef>
-                <a:spcPts val="375"/>
-              </a:spcBef>
-              <a:buChar char="•"/>
-              <a:defRPr sz="1500">
-                <a:solidFill>
-                  <a:schemeClr val="tx1"/>
-                </a:solidFill>
-                <a:latin typeface="方正兰亭黑_GBK" pitchFamily="2" charset="-122"/>
-                <a:ea typeface="方正兰亭黑_GBK" pitchFamily="2" charset="-122"/>
-              </a:defRPr>
-            </a:lvl3pPr>
-            <a:lvl4pPr marL="1600200" indent="-228600">
-              <a:lnSpc>
-                <a:spcPct val="90000"/>
-              </a:lnSpc>
-              <a:spcBef>
-                <a:spcPts val="375"/>
-              </a:spcBef>
-              <a:buChar char="•"/>
-              <a:defRPr sz="1300">
-                <a:solidFill>
-                  <a:schemeClr val="tx1"/>
-                </a:solidFill>
-                <a:latin typeface="方正兰亭黑_GBK" pitchFamily="2" charset="-122"/>
-                <a:ea typeface="方正兰亭黑_GBK" pitchFamily="2" charset="-122"/>
-              </a:defRPr>
-            </a:lvl4pPr>
-            <a:lvl5pPr marL="2057400" indent="-228600">
-              <a:lnSpc>
-                <a:spcPct val="90000"/>
-              </a:lnSpc>
-              <a:spcBef>
-                <a:spcPts val="375"/>
-              </a:spcBef>
-              <a:buChar char="•"/>
-              <a:defRPr sz="1300">
-                <a:solidFill>
-                  <a:schemeClr val="tx1"/>
-                </a:solidFill>
-                <a:latin typeface="方正兰亭黑_GBK" pitchFamily="2" charset="-122"/>
-                <a:ea typeface="方正兰亭黑_GBK" pitchFamily="2" charset="-122"/>
-              </a:defRPr>
-            </a:lvl5pPr>
-            <a:lvl6pPr marL="2514600" indent="-228600" eaLnBrk="0" fontAlgn="base" hangingPunct="0">
-              <a:lnSpc>
-                <a:spcPct val="90000"/>
-              </a:lnSpc>
-              <a:spcBef>
-                <a:spcPts val="375"/>
-              </a:spcBef>
-              <a:spcAft>
-                <a:spcPct val="0"/>
-              </a:spcAft>
-              <a:buFont typeface="Arial" panose="020B0604020202020204" pitchFamily="34" charset="0"/>
-              <a:buChar char="•"/>
-              <a:defRPr sz="1300">
-                <a:solidFill>
-                  <a:schemeClr val="tx1"/>
-                </a:solidFill>
-                <a:latin typeface="方正兰亭黑_GBK" pitchFamily="2" charset="-122"/>
-                <a:ea typeface="方正兰亭黑_GBK" pitchFamily="2" charset="-122"/>
-              </a:defRPr>
-            </a:lvl6pPr>
-            <a:lvl7pPr marL="2971800" indent="-228600" eaLnBrk="0" fontAlgn="base" hangingPunct="0">
-              <a:lnSpc>
-                <a:spcPct val="90000"/>
-              </a:lnSpc>
-              <a:spcBef>
-                <a:spcPts val="375"/>
-              </a:spcBef>
-              <a:spcAft>
-                <a:spcPct val="0"/>
-              </a:spcAft>
-              <a:buFont typeface="Arial" panose="020B0604020202020204" pitchFamily="34" charset="0"/>
-              <a:buChar char="•"/>
-              <a:defRPr sz="1300">
-                <a:solidFill>
-                  <a:schemeClr val="tx1"/>
-                </a:solidFill>
-                <a:latin typeface="方正兰亭黑_GBK" pitchFamily="2" charset="-122"/>
-                <a:ea typeface="方正兰亭黑_GBK" pitchFamily="2" charset="-122"/>
-              </a:defRPr>
-            </a:lvl7pPr>
-            <a:lvl8pPr marL="3429000" indent="-228600" eaLnBrk="0" fontAlgn="base" hangingPunct="0">
-              <a:lnSpc>
-                <a:spcPct val="90000"/>
-              </a:lnSpc>
-              <a:spcBef>
-                <a:spcPts val="375"/>
-              </a:spcBef>
-              <a:spcAft>
-                <a:spcPct val="0"/>
-              </a:spcAft>
-              <a:buFont typeface="Arial" panose="020B0604020202020204" pitchFamily="34" charset="0"/>
-              <a:buChar char="•"/>
-              <a:defRPr sz="1300">
-                <a:solidFill>
-                  <a:schemeClr val="tx1"/>
-                </a:solidFill>
-                <a:latin typeface="方正兰亭黑_GBK" pitchFamily="2" charset="-122"/>
-                <a:ea typeface="方正兰亭黑_GBK" pitchFamily="2" charset="-122"/>
-              </a:defRPr>
-            </a:lvl8pPr>
-            <a:lvl9pPr marL="3886200" indent="-228600" eaLnBrk="0" fontAlgn="base" hangingPunct="0">
-              <a:lnSpc>
-                <a:spcPct val="90000"/>
-              </a:lnSpc>
-              <a:spcBef>
-                <a:spcPts val="375"/>
-              </a:spcBef>
-              <a:spcAft>
-                <a:spcPct val="0"/>
-              </a:spcAft>
-              <a:buFont typeface="Arial" panose="020B0604020202020204" pitchFamily="34" charset="0"/>
-              <a:buChar char="•"/>
-              <a:defRPr sz="1300">
-                <a:solidFill>
-                  <a:schemeClr val="tx1"/>
-                </a:solidFill>
-                <a:latin typeface="方正兰亭黑_GBK" pitchFamily="2" charset="-122"/>
-                <a:ea typeface="方正兰亭黑_GBK" pitchFamily="2" charset="-122"/>
-              </a:defRPr>
-            </a:lvl9pPr>
-          </a:lstStyle>
-          <a:p>
-            <a:pPr defTabSz="914400" eaLnBrk="1" hangingPunct="1">
-              <a:lnSpc>
-                <a:spcPct val="100000"/>
-              </a:lnSpc>
-              <a:spcBef>
-                <a:spcPct val="0"/>
-              </a:spcBef>
-              <a:buNone/>
-            </a:pPr>
-            <a:r>
-              <a:rPr lang="en-US" altLang="zh-CN" sz="2000" b="1" dirty="0">
-                <a:solidFill>
-                  <a:schemeClr val="bg1"/>
-                </a:solidFill>
-              </a:rPr>
-              <a:t>4.1 </a:t>
-            </a:r>
-            <a:r>
-              <a:rPr lang="zh-CN" altLang="en-US" sz="2000" b="1" dirty="0">
-                <a:solidFill>
-                  <a:schemeClr val="bg1"/>
-                </a:solidFill>
-              </a:rPr>
-              <a:t>验证验收标准</a:t>
-            </a:r>
-          </a:p>
-        </p:txBody>
-      </p:sp>
-      <p:sp>
-        <p:nvSpPr>
           <p:cNvPr id="24600" name="矩形 3"/>
           <p:cNvSpPr>
             <a:spLocks noChangeArrowheads="1"/>
@@ -33415,12 +33180,253 @@
           </a:p>
         </p:txBody>
       </p:sp>
+      <p:sp>
+        <p:nvSpPr>
+          <p:cNvPr id="6" name="文本框 20">
+            <a:extLst>
+              <a:ext uri="{FF2B5EF4-FFF2-40B4-BE49-F238E27FC236}">
+                <a16:creationId xmlns:a16="http://schemas.microsoft.com/office/drawing/2014/main" id="{995BA654-31BD-448B-A1D4-5F51E2A14DC1}"/>
+              </a:ext>
+            </a:extLst>
+          </p:cNvPr>
+          <p:cNvSpPr txBox="1">
+            <a:spLocks noChangeArrowheads="1"/>
+          </p:cNvSpPr>
+          <p:nvPr/>
+        </p:nvSpPr>
+        <p:spPr bwMode="auto">
+          <a:xfrm>
+            <a:off x="260382" y="230633"/>
+            <a:ext cx="2191626" cy="400110"/>
+          </a:xfrm>
+          <a:prstGeom prst="rect">
+            <a:avLst/>
+          </a:prstGeom>
+          <a:noFill/>
+          <a:ln>
+            <a:noFill/>
+          </a:ln>
+          <a:extLst>
+            <a:ext uri="{909E8E84-426E-40DD-AFC4-6F175D3DCCD1}">
+              <a14:hiddenFill xmlns:a14="http://schemas.microsoft.com/office/drawing/2010/main">
+                <a:solidFill>
+                  <a:srgbClr val="FFFFFF"/>
+                </a:solidFill>
+              </a14:hiddenFill>
+            </a:ext>
+            <a:ext uri="{91240B29-F687-4F45-9708-019B960494DF}">
+              <a14:hiddenLine xmlns:a14="http://schemas.microsoft.com/office/drawing/2010/main" w="9525">
+                <a:solidFill>
+                  <a:srgbClr val="000000"/>
+                </a:solidFill>
+                <a:miter lim="800000"/>
+                <a:headEnd/>
+                <a:tailEnd/>
+              </a14:hiddenLine>
+            </a:ext>
+          </a:extLst>
+        </p:spPr>
+        <p:txBody>
+          <a:bodyPr wrap="none">
+            <a:spAutoFit/>
+          </a:bodyPr>
+          <a:lstStyle>
+            <a:lvl1pPr>
+              <a:lnSpc>
+                <a:spcPct val="90000"/>
+              </a:lnSpc>
+              <a:spcBef>
+                <a:spcPts val="750"/>
+              </a:spcBef>
+              <a:buChar char="•"/>
+              <a:defRPr sz="2100">
+                <a:solidFill>
+                  <a:schemeClr val="tx1"/>
+                </a:solidFill>
+                <a:latin typeface="方正兰亭黑_GBK" pitchFamily="2" charset="-122"/>
+                <a:ea typeface="方正兰亭黑_GBK" pitchFamily="2" charset="-122"/>
+              </a:defRPr>
+            </a:lvl1pPr>
+            <a:lvl2pPr marL="742950" indent="-285750">
+              <a:lnSpc>
+                <a:spcPct val="90000"/>
+              </a:lnSpc>
+              <a:spcBef>
+                <a:spcPts val="375"/>
+              </a:spcBef>
+              <a:buChar char="•"/>
+              <a:defRPr>
+                <a:solidFill>
+                  <a:schemeClr val="tx1"/>
+                </a:solidFill>
+                <a:latin typeface="方正兰亭黑_GBK" pitchFamily="2" charset="-122"/>
+                <a:ea typeface="方正兰亭黑_GBK" pitchFamily="2" charset="-122"/>
+              </a:defRPr>
+            </a:lvl2pPr>
+            <a:lvl3pPr marL="1143000" indent="-228600">
+              <a:lnSpc>
+                <a:spcPct val="90000"/>
+              </a:lnSpc>
+              <a:spcBef>
+                <a:spcPts val="375"/>
+              </a:spcBef>
+              <a:buChar char="•"/>
+              <a:defRPr sz="1500">
+                <a:solidFill>
+                  <a:schemeClr val="tx1"/>
+                </a:solidFill>
+                <a:latin typeface="方正兰亭黑_GBK" pitchFamily="2" charset="-122"/>
+                <a:ea typeface="方正兰亭黑_GBK" pitchFamily="2" charset="-122"/>
+              </a:defRPr>
+            </a:lvl3pPr>
+            <a:lvl4pPr marL="1600200" indent="-228600">
+              <a:lnSpc>
+                <a:spcPct val="90000"/>
+              </a:lnSpc>
+              <a:spcBef>
+                <a:spcPts val="375"/>
+              </a:spcBef>
+              <a:buChar char="•"/>
+              <a:defRPr sz="1300">
+                <a:solidFill>
+                  <a:schemeClr val="tx1"/>
+                </a:solidFill>
+                <a:latin typeface="方正兰亭黑_GBK" pitchFamily="2" charset="-122"/>
+                <a:ea typeface="方正兰亭黑_GBK" pitchFamily="2" charset="-122"/>
+              </a:defRPr>
+            </a:lvl4pPr>
+            <a:lvl5pPr marL="2057400" indent="-228600">
+              <a:lnSpc>
+                <a:spcPct val="90000"/>
+              </a:lnSpc>
+              <a:spcBef>
+                <a:spcPts val="375"/>
+              </a:spcBef>
+              <a:buChar char="•"/>
+              <a:defRPr sz="1300">
+                <a:solidFill>
+                  <a:schemeClr val="tx1"/>
+                </a:solidFill>
+                <a:latin typeface="方正兰亭黑_GBK" pitchFamily="2" charset="-122"/>
+                <a:ea typeface="方正兰亭黑_GBK" pitchFamily="2" charset="-122"/>
+              </a:defRPr>
+            </a:lvl5pPr>
+            <a:lvl6pPr marL="2514600" indent="-228600" eaLnBrk="0" fontAlgn="base" hangingPunct="0">
+              <a:lnSpc>
+                <a:spcPct val="90000"/>
+              </a:lnSpc>
+              <a:spcBef>
+                <a:spcPts val="375"/>
+              </a:spcBef>
+              <a:spcAft>
+                <a:spcPct val="0"/>
+              </a:spcAft>
+              <a:buFont typeface="Arial" panose="020B0604020202020204" pitchFamily="34" charset="0"/>
+              <a:buChar char="•"/>
+              <a:defRPr sz="1300">
+                <a:solidFill>
+                  <a:schemeClr val="tx1"/>
+                </a:solidFill>
+                <a:latin typeface="方正兰亭黑_GBK" pitchFamily="2" charset="-122"/>
+                <a:ea typeface="方正兰亭黑_GBK" pitchFamily="2" charset="-122"/>
+              </a:defRPr>
+            </a:lvl6pPr>
+            <a:lvl7pPr marL="2971800" indent="-228600" eaLnBrk="0" fontAlgn="base" hangingPunct="0">
+              <a:lnSpc>
+                <a:spcPct val="90000"/>
+              </a:lnSpc>
+              <a:spcBef>
+                <a:spcPts val="375"/>
+              </a:spcBef>
+              <a:spcAft>
+                <a:spcPct val="0"/>
+              </a:spcAft>
+              <a:buFont typeface="Arial" panose="020B0604020202020204" pitchFamily="34" charset="0"/>
+              <a:buChar char="•"/>
+              <a:defRPr sz="1300">
+                <a:solidFill>
+                  <a:schemeClr val="tx1"/>
+                </a:solidFill>
+                <a:latin typeface="方正兰亭黑_GBK" pitchFamily="2" charset="-122"/>
+                <a:ea typeface="方正兰亭黑_GBK" pitchFamily="2" charset="-122"/>
+              </a:defRPr>
+            </a:lvl7pPr>
+            <a:lvl8pPr marL="3429000" indent="-228600" eaLnBrk="0" fontAlgn="base" hangingPunct="0">
+              <a:lnSpc>
+                <a:spcPct val="90000"/>
+              </a:lnSpc>
+              <a:spcBef>
+                <a:spcPts val="375"/>
+              </a:spcBef>
+              <a:spcAft>
+                <a:spcPct val="0"/>
+              </a:spcAft>
+              <a:buFont typeface="Arial" panose="020B0604020202020204" pitchFamily="34" charset="0"/>
+              <a:buChar char="•"/>
+              <a:defRPr sz="1300">
+                <a:solidFill>
+                  <a:schemeClr val="tx1"/>
+                </a:solidFill>
+                <a:latin typeface="方正兰亭黑_GBK" pitchFamily="2" charset="-122"/>
+                <a:ea typeface="方正兰亭黑_GBK" pitchFamily="2" charset="-122"/>
+              </a:defRPr>
+            </a:lvl8pPr>
+            <a:lvl9pPr marL="3886200" indent="-228600" eaLnBrk="0" fontAlgn="base" hangingPunct="0">
+              <a:lnSpc>
+                <a:spcPct val="90000"/>
+              </a:lnSpc>
+              <a:spcBef>
+                <a:spcPts val="375"/>
+              </a:spcBef>
+              <a:spcAft>
+                <a:spcPct val="0"/>
+              </a:spcAft>
+              <a:buFont typeface="Arial" panose="020B0604020202020204" pitchFamily="34" charset="0"/>
+              <a:buChar char="•"/>
+              <a:defRPr sz="1300">
+                <a:solidFill>
+                  <a:schemeClr val="tx1"/>
+                </a:solidFill>
+                <a:latin typeface="方正兰亭黑_GBK" pitchFamily="2" charset="-122"/>
+                <a:ea typeface="方正兰亭黑_GBK" pitchFamily="2" charset="-122"/>
+              </a:defRPr>
+            </a:lvl9pPr>
+          </a:lstStyle>
+          <a:p>
+            <a:pPr defTabSz="914400" eaLnBrk="1" hangingPunct="1">
+              <a:lnSpc>
+                <a:spcPct val="100000"/>
+              </a:lnSpc>
+              <a:spcBef>
+                <a:spcPct val="0"/>
+              </a:spcBef>
+              <a:buNone/>
+            </a:pPr>
+            <a:r>
+              <a:rPr lang="en-US" altLang="zh-CN" sz="2000" b="1" dirty="0">
+                <a:solidFill>
+                  <a:schemeClr val="bg1"/>
+                </a:solidFill>
+              </a:rPr>
+              <a:t>4.1 </a:t>
+            </a:r>
+            <a:r>
+              <a:rPr lang="zh-CN" altLang="en-US" sz="2000" b="1" dirty="0">
+                <a:solidFill>
+                  <a:schemeClr val="bg1"/>
+                </a:solidFill>
+              </a:rPr>
+              <a:t>验证验收标准</a:t>
+            </a:r>
+          </a:p>
+        </p:txBody>
+      </p:sp>
       <p:graphicFrame>
         <p:nvGraphicFramePr>
-          <p:cNvPr id="4" name="表格 3">
+          <p:cNvPr id="7" name="表格 6">
             <a:extLst>
               <a:ext uri="{FF2B5EF4-FFF2-40B4-BE49-F238E27FC236}">
-                <a16:creationId xmlns:a16="http://schemas.microsoft.com/office/drawing/2014/main" id="{82F5CA79-287A-400C-91A1-DFE6DD0BFF32}"/>
+                <a16:creationId xmlns:a16="http://schemas.microsoft.com/office/drawing/2014/main" id="{39C73A9A-18C9-4D9D-83C9-DCEDC7836524}"/>
               </a:ext>
             </a:extLst>
           </p:cNvPr>
@@ -33430,286 +33436,380 @@
           <p:nvPr>
             <p:extLst>
               <p:ext uri="{D42A27DB-BD31-4B8C-83A1-F6EECF244321}">
-                <p14:modId xmlns:p14="http://schemas.microsoft.com/office/powerpoint/2010/main" val="1392561302"/>
+                <p14:modId xmlns:p14="http://schemas.microsoft.com/office/powerpoint/2010/main" val="3136995794"/>
               </p:ext>
             </p:extLst>
           </p:nvPr>
         </p:nvGraphicFramePr>
         <p:xfrm>
-          <a:off x="0" y="806450"/>
-          <a:ext cx="9144001" cy="4337049"/>
+          <a:off x="1" y="806450"/>
+          <a:ext cx="9143999" cy="4337046"/>
         </p:xfrm>
         <a:graphic>
           <a:graphicData uri="http://schemas.openxmlformats.org/drawingml/2006/table">
             <a:tbl>
-              <a:tblPr firstRow="1" firstCol="1" bandRow="1">
+              <a:tblPr>
                 <a:tableStyleId>{5C22544A-7EE6-4342-B048-85BDC9FD1C3A}</a:tableStyleId>
               </a:tblPr>
               <a:tblGrid>
-                <a:gridCol w="2290813">
+                <a:gridCol w="1858807">
                   <a:extLst>
                     <a:ext uri="{9D8B030D-6E8A-4147-A177-3AD203B41FA5}">
-                      <a16:colId xmlns:a16="http://schemas.microsoft.com/office/drawing/2014/main" val="1865688224"/>
+                      <a16:colId xmlns:a16="http://schemas.microsoft.com/office/drawing/2014/main" val="913169879"/>
                     </a:ext>
                   </a:extLst>
                 </a:gridCol>
-                <a:gridCol w="2271562">
+                <a:gridCol w="1758783">
                   <a:extLst>
                     <a:ext uri="{9D8B030D-6E8A-4147-A177-3AD203B41FA5}">
-                      <a16:colId xmlns:a16="http://schemas.microsoft.com/office/drawing/2014/main" val="1139419574"/>
+                      <a16:colId xmlns:a16="http://schemas.microsoft.com/office/drawing/2014/main" val="1510693703"/>
                     </a:ext>
                   </a:extLst>
                 </a:gridCol>
-                <a:gridCol w="2290813">
+                <a:gridCol w="1858807">
                   <a:extLst>
                     <a:ext uri="{9D8B030D-6E8A-4147-A177-3AD203B41FA5}">
-                      <a16:colId xmlns:a16="http://schemas.microsoft.com/office/drawing/2014/main" val="673184000"/>
+                      <a16:colId xmlns:a16="http://schemas.microsoft.com/office/drawing/2014/main" val="1389519189"/>
                     </a:ext>
                   </a:extLst>
                 </a:gridCol>
-                <a:gridCol w="2290813">
+                <a:gridCol w="1858807">
                   <a:extLst>
                     <a:ext uri="{9D8B030D-6E8A-4147-A177-3AD203B41FA5}">
-                      <a16:colId xmlns:a16="http://schemas.microsoft.com/office/drawing/2014/main" val="1862380618"/>
+                      <a16:colId xmlns:a16="http://schemas.microsoft.com/office/drawing/2014/main" val="659785640"/>
+                    </a:ext>
+                  </a:extLst>
+                </a:gridCol>
+                <a:gridCol w="1442035">
+                  <a:extLst>
+                    <a:ext uri="{9D8B030D-6E8A-4147-A177-3AD203B41FA5}">
+                      <a16:colId xmlns:a16="http://schemas.microsoft.com/office/drawing/2014/main" val="2734772325"/>
+                    </a:ext>
+                  </a:extLst>
+                </a:gridCol>
+                <a:gridCol w="366760">
+                  <a:extLst>
+                    <a:ext uri="{9D8B030D-6E8A-4147-A177-3AD203B41FA5}">
+                      <a16:colId xmlns:a16="http://schemas.microsoft.com/office/drawing/2014/main" val="3070746214"/>
                     </a:ext>
                   </a:extLst>
                 </a:gridCol>
               </a:tblGrid>
-              <a:tr h="321263">
+              <a:tr h="265176">
                 <a:tc>
                   <a:txBody>
                     <a:bodyPr/>
                     <a:lstStyle/>
                     <a:p>
-                      <a:pPr algn="ctr">
-                        <a:spcAft>
-                          <a:spcPts val="0"/>
-                        </a:spcAft>
-                      </a:pPr>
+                      <a:pPr algn="ctr" fontAlgn="ctr"/>
                       <a:r>
-                        <a:rPr lang="zh-CN" sz="700" kern="0">
+                        <a:rPr lang="zh-CN" altLang="en-US" sz="600" u="none" strike="noStrike">
                           <a:effectLst/>
                         </a:rPr>
                         <a:t>测试功能</a:t>
                       </a:r>
-                      <a:endParaRPr lang="zh-CN" sz="700" kern="100">
+                      <a:endParaRPr lang="zh-CN" altLang="en-US" sz="600" b="0" i="0" u="none" strike="noStrike">
+                        <a:solidFill>
+                          <a:srgbClr val="000000"/>
+                        </a:solidFill>
                         <a:effectLst/>
-                        <a:latin typeface="等线" panose="02010600030101010101" pitchFamily="2" charset="-122"/>
-                        <a:ea typeface="等线" panose="02010600030101010101" pitchFamily="2" charset="-122"/>
-                        <a:cs typeface="Times New Roman" panose="02020603050405020304" pitchFamily="18" charset="0"/>
+                        <a:latin typeface="宋体" panose="02010600030101010101" pitchFamily="2" charset="-122"/>
+                        <a:ea typeface="宋体" panose="02010600030101010101" pitchFamily="2" charset="-122"/>
                       </a:endParaRPr>
                     </a:p>
                   </a:txBody>
-                  <a:tcPr marL="45310" marR="45310" marT="0" marB="0" anchor="ctr"/>
+                  <a:tcPr marL="4156" marR="4156" marT="4156" marB="0" anchor="ctr"/>
                 </a:tc>
                 <a:tc>
                   <a:txBody>
                     <a:bodyPr/>
                     <a:lstStyle/>
                     <a:p>
-                      <a:pPr algn="ctr">
-                        <a:spcAft>
-                          <a:spcPts val="0"/>
-                        </a:spcAft>
-                      </a:pPr>
+                      <a:pPr algn="ctr" fontAlgn="ctr"/>
                       <a:r>
-                        <a:rPr lang="zh-CN" sz="700" kern="0">
+                        <a:rPr lang="zh-CN" altLang="en-US" sz="600" u="none" strike="noStrike">
                           <a:effectLst/>
                         </a:rPr>
                         <a:t>测试项</a:t>
                       </a:r>
-                      <a:endParaRPr lang="zh-CN" sz="700" kern="100">
+                      <a:endParaRPr lang="zh-CN" altLang="en-US" sz="600" b="0" i="0" u="none" strike="noStrike">
+                        <a:solidFill>
+                          <a:srgbClr val="000000"/>
+                        </a:solidFill>
                         <a:effectLst/>
-                        <a:latin typeface="等线" panose="02010600030101010101" pitchFamily="2" charset="-122"/>
-                        <a:ea typeface="等线" panose="02010600030101010101" pitchFamily="2" charset="-122"/>
-                        <a:cs typeface="Times New Roman" panose="02020603050405020304" pitchFamily="18" charset="0"/>
+                        <a:latin typeface="宋体" panose="02010600030101010101" pitchFamily="2" charset="-122"/>
+                        <a:ea typeface="宋体" panose="02010600030101010101" pitchFamily="2" charset="-122"/>
                       </a:endParaRPr>
                     </a:p>
                   </a:txBody>
-                  <a:tcPr marL="45310" marR="45310" marT="0" marB="0" anchor="ctr"/>
+                  <a:tcPr marL="4156" marR="4156" marT="4156" marB="0" anchor="ctr"/>
                 </a:tc>
                 <a:tc>
                   <a:txBody>
                     <a:bodyPr/>
                     <a:lstStyle/>
                     <a:p>
-                      <a:pPr algn="ctr">
-                        <a:spcAft>
-                          <a:spcPts val="0"/>
-                        </a:spcAft>
-                      </a:pPr>
+                      <a:pPr algn="ctr" fontAlgn="ctr"/>
                       <a:r>
-                        <a:rPr lang="zh-CN" sz="700" kern="0">
+                        <a:rPr lang="zh-CN" altLang="en-US" sz="600" u="none" strike="noStrike">
                           <a:effectLst/>
                         </a:rPr>
                         <a:t>输入</a:t>
                       </a:r>
                       <a:r>
-                        <a:rPr lang="en-US" sz="700" kern="0">
+                        <a:rPr lang="en-US" altLang="zh-CN" sz="600" u="none" strike="noStrike">
                           <a:effectLst/>
                         </a:rPr>
                         <a:t>/</a:t>
                       </a:r>
                       <a:r>
-                        <a:rPr lang="zh-CN" sz="700" kern="0">
+                        <a:rPr lang="zh-CN" altLang="en-US" sz="600" u="none" strike="noStrike">
                           <a:effectLst/>
                         </a:rPr>
                         <a:t>操作</a:t>
                       </a:r>
-                      <a:endParaRPr lang="zh-CN" sz="700" kern="100">
+                      <a:endParaRPr lang="zh-CN" altLang="en-US" sz="600" b="0" i="0" u="none" strike="noStrike">
+                        <a:solidFill>
+                          <a:srgbClr val="000000"/>
+                        </a:solidFill>
                         <a:effectLst/>
-                        <a:latin typeface="等线" panose="02010600030101010101" pitchFamily="2" charset="-122"/>
-                        <a:ea typeface="等线" panose="02010600030101010101" pitchFamily="2" charset="-122"/>
-                        <a:cs typeface="Times New Roman" panose="02020603050405020304" pitchFamily="18" charset="0"/>
+                        <a:latin typeface="宋体" panose="02010600030101010101" pitchFamily="2" charset="-122"/>
+                        <a:ea typeface="宋体" panose="02010600030101010101" pitchFamily="2" charset="-122"/>
                       </a:endParaRPr>
                     </a:p>
                   </a:txBody>
-                  <a:tcPr marL="45310" marR="45310" marT="0" marB="0" anchor="ctr"/>
+                  <a:tcPr marL="4156" marR="4156" marT="4156" marB="0" anchor="ctr"/>
                 </a:tc>
                 <a:tc>
                   <a:txBody>
                     <a:bodyPr/>
                     <a:lstStyle/>
                     <a:p>
-                      <a:pPr algn="ctr">
-                        <a:spcAft>
-                          <a:spcPts val="0"/>
-                        </a:spcAft>
-                      </a:pPr>
+                      <a:pPr algn="ctr" fontAlgn="ctr"/>
                       <a:r>
-                        <a:rPr lang="zh-CN" sz="700" kern="0">
+                        <a:rPr lang="zh-CN" altLang="en-US" sz="600" u="none" strike="noStrike">
                           <a:effectLst/>
                         </a:rPr>
                         <a:t>检查点</a:t>
                       </a:r>
-                      <a:endParaRPr lang="zh-CN" sz="700" kern="100">
+                      <a:endParaRPr lang="zh-CN" altLang="en-US" sz="600" b="0" i="0" u="none" strike="noStrike">
+                        <a:solidFill>
+                          <a:srgbClr val="000000"/>
+                        </a:solidFill>
                         <a:effectLst/>
-                        <a:latin typeface="等线" panose="02010600030101010101" pitchFamily="2" charset="-122"/>
-                        <a:ea typeface="等线" panose="02010600030101010101" pitchFamily="2" charset="-122"/>
-                        <a:cs typeface="Times New Roman" panose="02020603050405020304" pitchFamily="18" charset="0"/>
+                        <a:latin typeface="宋体" panose="02010600030101010101" pitchFamily="2" charset="-122"/>
+                        <a:ea typeface="宋体" panose="02010600030101010101" pitchFamily="2" charset="-122"/>
                       </a:endParaRPr>
                     </a:p>
                   </a:txBody>
-                  <a:tcPr marL="45310" marR="45310" marT="0" marB="0" anchor="ctr"/>
+                  <a:tcPr marL="4156" marR="4156" marT="4156" marB="0" anchor="ctr"/>
+                </a:tc>
+                <a:tc>
+                  <a:txBody>
+                    <a:bodyPr/>
+                    <a:lstStyle/>
+                    <a:p>
+                      <a:pPr algn="ctr" fontAlgn="ctr"/>
+                      <a:r>
+                        <a:rPr lang="zh-CN" altLang="en-US" sz="600" u="none" strike="noStrike">
+                          <a:effectLst/>
+                        </a:rPr>
+                        <a:t>预取结果</a:t>
+                      </a:r>
+                      <a:endParaRPr lang="zh-CN" altLang="en-US" sz="600" b="0" i="0" u="none" strike="noStrike">
+                        <a:solidFill>
+                          <a:srgbClr val="000000"/>
+                        </a:solidFill>
+                        <a:effectLst/>
+                        <a:latin typeface="宋体" panose="02010600030101010101" pitchFamily="2" charset="-122"/>
+                        <a:ea typeface="宋体" panose="02010600030101010101" pitchFamily="2" charset="-122"/>
+                      </a:endParaRPr>
+                    </a:p>
+                  </a:txBody>
+                  <a:tcPr marL="4156" marR="4156" marT="4156" marB="0" anchor="ctr"/>
+                </a:tc>
+                <a:tc>
+                  <a:txBody>
+                    <a:bodyPr/>
+                    <a:lstStyle/>
+                    <a:p>
+                      <a:pPr algn="ctr" fontAlgn="ctr"/>
+                      <a:r>
+                        <a:rPr lang="zh-CN" altLang="en-US" sz="600" u="none" strike="noStrike">
+                          <a:effectLst/>
+                        </a:rPr>
+                        <a:t>验收结果</a:t>
+                      </a:r>
+                      <a:endParaRPr lang="zh-CN" altLang="en-US" sz="600" b="0" i="0" u="none" strike="noStrike">
+                        <a:solidFill>
+                          <a:srgbClr val="000000"/>
+                        </a:solidFill>
+                        <a:effectLst/>
+                        <a:latin typeface="宋体" panose="02010600030101010101" pitchFamily="2" charset="-122"/>
+                        <a:ea typeface="宋体" panose="02010600030101010101" pitchFamily="2" charset="-122"/>
+                      </a:endParaRPr>
+                    </a:p>
+                  </a:txBody>
+                  <a:tcPr marL="4156" marR="4156" marT="4156" marB="0" anchor="ctr"/>
                 </a:tc>
                 <a:extLst>
                   <a:ext uri="{0D108BD9-81ED-4DB2-BD59-A6C34878D82A}">
-                    <a16:rowId xmlns:a16="http://schemas.microsoft.com/office/drawing/2014/main" val="2071742490"/>
+                    <a16:rowId xmlns:a16="http://schemas.microsoft.com/office/drawing/2014/main" val="561232370"/>
                   </a:ext>
                 </a:extLst>
               </a:tr>
-              <a:tr h="160631">
+              <a:tr h="132587">
                 <a:tc rowSpan="10">
                   <a:txBody>
                     <a:bodyPr/>
                     <a:lstStyle/>
                     <a:p>
-                      <a:pPr algn="ctr">
-                        <a:spcAft>
-                          <a:spcPts val="0"/>
-                        </a:spcAft>
-                      </a:pPr>
+                      <a:pPr algn="ctr" fontAlgn="ctr"/>
                       <a:r>
-                        <a:rPr lang="zh-CN" sz="700" kern="0">
+                        <a:rPr lang="zh-CN" altLang="en-US" sz="600" u="none" strike="noStrike">
                           <a:effectLst/>
                         </a:rPr>
                         <a:t>登录功能</a:t>
                       </a:r>
-                      <a:endParaRPr lang="zh-CN" sz="700" kern="100">
+                      <a:endParaRPr lang="zh-CN" altLang="en-US" sz="600" b="0" i="0" u="none" strike="noStrike">
+                        <a:solidFill>
+                          <a:srgbClr val="000000"/>
+                        </a:solidFill>
                         <a:effectLst/>
-                        <a:latin typeface="等线" panose="02010600030101010101" pitchFamily="2" charset="-122"/>
-                        <a:ea typeface="等线" panose="02010600030101010101" pitchFamily="2" charset="-122"/>
-                        <a:cs typeface="Times New Roman" panose="02020603050405020304" pitchFamily="18" charset="0"/>
+                        <a:latin typeface="宋体" panose="02010600030101010101" pitchFamily="2" charset="-122"/>
+                        <a:ea typeface="宋体" panose="02010600030101010101" pitchFamily="2" charset="-122"/>
                       </a:endParaRPr>
                     </a:p>
                   </a:txBody>
-                  <a:tcPr marL="45310" marR="45310" marT="0" marB="0" anchor="ctr"/>
+                  <a:tcPr marL="4156" marR="4156" marT="4156" marB="0" anchor="ctr"/>
                 </a:tc>
                 <a:tc rowSpan="3">
                   <a:txBody>
                     <a:bodyPr/>
                     <a:lstStyle/>
                     <a:p>
-                      <a:pPr algn="ctr">
-                        <a:spcAft>
-                          <a:spcPts val="0"/>
-                        </a:spcAft>
-                      </a:pPr>
+                      <a:pPr algn="ctr" fontAlgn="ctr"/>
                       <a:r>
-                        <a:rPr lang="zh-CN" sz="700" kern="0">
+                        <a:rPr lang="zh-CN" altLang="en-US" sz="600" u="none" strike="noStrike">
                           <a:effectLst/>
                         </a:rPr>
                         <a:t>初始界面</a:t>
                       </a:r>
-                      <a:endParaRPr lang="zh-CN" sz="700" kern="100">
+                      <a:endParaRPr lang="zh-CN" altLang="en-US" sz="600" b="0" i="0" u="none" strike="noStrike">
+                        <a:solidFill>
+                          <a:srgbClr val="000000"/>
+                        </a:solidFill>
                         <a:effectLst/>
-                        <a:latin typeface="等线" panose="02010600030101010101" pitchFamily="2" charset="-122"/>
-                        <a:ea typeface="等线" panose="02010600030101010101" pitchFamily="2" charset="-122"/>
-                        <a:cs typeface="Times New Roman" panose="02020603050405020304" pitchFamily="18" charset="0"/>
+                        <a:latin typeface="宋体" panose="02010600030101010101" pitchFamily="2" charset="-122"/>
+                        <a:ea typeface="宋体" panose="02010600030101010101" pitchFamily="2" charset="-122"/>
                       </a:endParaRPr>
                     </a:p>
                   </a:txBody>
-                  <a:tcPr marL="45310" marR="45310" marT="0" marB="0" anchor="ctr"/>
+                  <a:tcPr marL="4156" marR="4156" marT="4156" marB="0" anchor="ctr"/>
                 </a:tc>
                 <a:tc rowSpan="3">
                   <a:txBody>
                     <a:bodyPr/>
                     <a:lstStyle/>
                     <a:p>
-                      <a:pPr algn="ctr">
-                        <a:spcAft>
-                          <a:spcPts val="0"/>
-                        </a:spcAft>
-                      </a:pPr>
+                      <a:pPr algn="ctr" fontAlgn="ctr"/>
                       <a:r>
-                        <a:rPr lang="zh-CN" sz="700" kern="0">
+                        <a:rPr lang="zh-CN" altLang="en-US" sz="600" u="none" strike="noStrike">
                           <a:effectLst/>
                         </a:rPr>
                         <a:t>　</a:t>
                       </a:r>
-                      <a:endParaRPr lang="zh-CN" sz="700" kern="100">
+                      <a:endParaRPr lang="zh-CN" altLang="en-US" sz="600" b="0" i="0" u="none" strike="noStrike">
+                        <a:solidFill>
+                          <a:srgbClr val="000000"/>
+                        </a:solidFill>
                         <a:effectLst/>
-                        <a:latin typeface="等线" panose="02010600030101010101" pitchFamily="2" charset="-122"/>
-                        <a:ea typeface="等线" panose="02010600030101010101" pitchFamily="2" charset="-122"/>
-                        <a:cs typeface="Times New Roman" panose="02020603050405020304" pitchFamily="18" charset="0"/>
+                        <a:latin typeface="宋体" panose="02010600030101010101" pitchFamily="2" charset="-122"/>
+                        <a:ea typeface="宋体" panose="02010600030101010101" pitchFamily="2" charset="-122"/>
                       </a:endParaRPr>
                     </a:p>
                   </a:txBody>
-                  <a:tcPr marL="45310" marR="45310" marT="0" marB="0" anchor="ctr"/>
+                  <a:tcPr marL="4156" marR="4156" marT="4156" marB="0" anchor="ctr"/>
                 </a:tc>
                 <a:tc>
                   <a:txBody>
                     <a:bodyPr/>
                     <a:lstStyle/>
                     <a:p>
-                      <a:pPr algn="ctr">
-                        <a:spcAft>
-                          <a:spcPts val="0"/>
-                        </a:spcAft>
-                      </a:pPr>
+                      <a:pPr algn="ctr" fontAlgn="ctr"/>
                       <a:r>
-                        <a:rPr lang="zh-CN" sz="700" kern="0">
+                        <a:rPr lang="zh-CN" altLang="en-US" sz="600" u="none" strike="noStrike">
                           <a:effectLst/>
                         </a:rPr>
                         <a:t>用户名、密码为空</a:t>
                       </a:r>
-                      <a:endParaRPr lang="zh-CN" sz="700" kern="100">
+                      <a:endParaRPr lang="zh-CN" altLang="en-US" sz="600" b="0" i="0" u="none" strike="noStrike">
+                        <a:solidFill>
+                          <a:srgbClr val="000000"/>
+                        </a:solidFill>
                         <a:effectLst/>
-                        <a:latin typeface="等线" panose="02010600030101010101" pitchFamily="2" charset="-122"/>
-                        <a:ea typeface="等线" panose="02010600030101010101" pitchFamily="2" charset="-122"/>
-                        <a:cs typeface="Times New Roman" panose="02020603050405020304" pitchFamily="18" charset="0"/>
+                        <a:latin typeface="宋体" panose="02010600030101010101" pitchFamily="2" charset="-122"/>
+                        <a:ea typeface="宋体" panose="02010600030101010101" pitchFamily="2" charset="-122"/>
                       </a:endParaRPr>
                     </a:p>
                   </a:txBody>
-                  <a:tcPr marL="45310" marR="45310" marT="0" marB="0" anchor="ctr"/>
+                  <a:tcPr marL="4156" marR="4156" marT="4156" marB="0" anchor="ctr"/>
+                </a:tc>
+                <a:tc>
+                  <a:txBody>
+                    <a:bodyPr/>
+                    <a:lstStyle/>
+                    <a:p>
+                      <a:pPr algn="ctr" fontAlgn="ctr"/>
+                      <a:r>
+                        <a:rPr lang="zh-CN" altLang="en-US" sz="600" u="none" strike="noStrike">
+                          <a:effectLst/>
+                        </a:rPr>
+                        <a:t>登录、重置按键完整</a:t>
+                      </a:r>
+                      <a:endParaRPr lang="zh-CN" altLang="en-US" sz="600" b="0" i="0" u="none" strike="noStrike">
+                        <a:solidFill>
+                          <a:srgbClr val="000000"/>
+                        </a:solidFill>
+                        <a:effectLst/>
+                        <a:latin typeface="宋体" panose="02010600030101010101" pitchFamily="2" charset="-122"/>
+                        <a:ea typeface="宋体" panose="02010600030101010101" pitchFamily="2" charset="-122"/>
+                      </a:endParaRPr>
+                    </a:p>
+                  </a:txBody>
+                  <a:tcPr marL="4156" marR="4156" marT="4156" marB="0" anchor="ctr"/>
+                </a:tc>
+                <a:tc>
+                  <a:txBody>
+                    <a:bodyPr/>
+                    <a:lstStyle/>
+                    <a:p>
+                      <a:pPr algn="l" fontAlgn="ctr"/>
+                      <a:r>
+                        <a:rPr lang="zh-CN" altLang="en-US" sz="600" u="none" strike="noStrike">
+                          <a:effectLst/>
+                        </a:rPr>
+                        <a:t>　</a:t>
+                      </a:r>
+                      <a:endParaRPr lang="zh-CN" altLang="en-US" sz="600" b="0" i="0" u="none" strike="noStrike">
+                        <a:solidFill>
+                          <a:srgbClr val="000000"/>
+                        </a:solidFill>
+                        <a:effectLst/>
+                        <a:latin typeface="宋体" panose="02010600030101010101" pitchFamily="2" charset="-122"/>
+                        <a:ea typeface="宋体" panose="02010600030101010101" pitchFamily="2" charset="-122"/>
+                      </a:endParaRPr>
+                    </a:p>
+                  </a:txBody>
+                  <a:tcPr marL="4156" marR="4156" marT="4156" marB="0" anchor="ctr"/>
                 </a:tc>
                 <a:extLst>
                   <a:ext uri="{0D108BD9-81ED-4DB2-BD59-A6C34878D82A}">
-                    <a16:rowId xmlns:a16="http://schemas.microsoft.com/office/drawing/2014/main" val="2551438733"/>
+                    <a16:rowId xmlns:a16="http://schemas.microsoft.com/office/drawing/2014/main" val="2411290577"/>
                   </a:ext>
                 </a:extLst>
               </a:tr>
-              <a:tr h="160631">
+              <a:tr h="248636">
                 <a:tc vMerge="1">
                   <a:txBody>
                     <a:bodyPr/>
@@ -33745,34 +33845,80 @@
                     <a:bodyPr/>
                     <a:lstStyle/>
                     <a:p>
-                      <a:pPr algn="ctr">
-                        <a:spcAft>
-                          <a:spcPts val="0"/>
-                        </a:spcAft>
-                      </a:pPr>
+                      <a:pPr algn="ctr" fontAlgn="ctr"/>
                       <a:r>
-                        <a:rPr lang="zh-CN" sz="700" kern="0">
+                        <a:rPr lang="zh-CN" altLang="en-US" sz="600" u="none" strike="noStrike">
                           <a:effectLst/>
                         </a:rPr>
                         <a:t>用户名为手机号码（限制输入边界）</a:t>
                       </a:r>
-                      <a:endParaRPr lang="zh-CN" sz="700" kern="100">
+                      <a:endParaRPr lang="zh-CN" altLang="en-US" sz="600" b="0" i="0" u="none" strike="noStrike">
+                        <a:solidFill>
+                          <a:srgbClr val="000000"/>
+                        </a:solidFill>
                         <a:effectLst/>
-                        <a:latin typeface="等线" panose="02010600030101010101" pitchFamily="2" charset="-122"/>
-                        <a:ea typeface="等线" panose="02010600030101010101" pitchFamily="2" charset="-122"/>
-                        <a:cs typeface="Times New Roman" panose="02020603050405020304" pitchFamily="18" charset="0"/>
+                        <a:latin typeface="宋体" panose="02010600030101010101" pitchFamily="2" charset="-122"/>
+                        <a:ea typeface="宋体" panose="02010600030101010101" pitchFamily="2" charset="-122"/>
                       </a:endParaRPr>
                     </a:p>
                   </a:txBody>
-                  <a:tcPr marL="45310" marR="45310" marT="0" marB="0" anchor="ctr"/>
+                  <a:tcPr marL="4156" marR="4156" marT="4156" marB="0" anchor="ctr"/>
+                </a:tc>
+                <a:tc>
+                  <a:txBody>
+                    <a:bodyPr/>
+                    <a:lstStyle/>
+                    <a:p>
+                      <a:pPr algn="ctr" fontAlgn="ctr"/>
+                      <a:r>
+                        <a:rPr lang="zh-CN" altLang="en-US" sz="600" u="none" strike="noStrike">
+                          <a:effectLst/>
+                        </a:rPr>
+                        <a:t>用户名输入框完整</a:t>
+                      </a:r>
+                      <a:endParaRPr lang="zh-CN" altLang="en-US" sz="600" b="0" i="0" u="none" strike="noStrike">
+                        <a:solidFill>
+                          <a:srgbClr val="000000"/>
+                        </a:solidFill>
+                        <a:effectLst/>
+                        <a:latin typeface="宋体" panose="02010600030101010101" pitchFamily="2" charset="-122"/>
+                        <a:ea typeface="宋体" panose="02010600030101010101" pitchFamily="2" charset="-122"/>
+                      </a:endParaRPr>
+                    </a:p>
+                  </a:txBody>
+                  <a:tcPr marL="4156" marR="4156" marT="4156" marB="0" anchor="ctr"/>
+                </a:tc>
+                <a:tc>
+                  <a:txBody>
+                    <a:bodyPr/>
+                    <a:lstStyle/>
+                    <a:p>
+                      <a:pPr algn="l" fontAlgn="ctr"/>
+                      <a:r>
+                        <a:rPr lang="zh-CN" altLang="en-US" sz="600" u="none" strike="noStrike">
+                          <a:effectLst/>
+                        </a:rPr>
+                        <a:t>　</a:t>
+                      </a:r>
+                      <a:endParaRPr lang="zh-CN" altLang="en-US" sz="600" b="0" i="0" u="none" strike="noStrike">
+                        <a:solidFill>
+                          <a:srgbClr val="000000"/>
+                        </a:solidFill>
+                        <a:effectLst/>
+                        <a:latin typeface="宋体" panose="02010600030101010101" pitchFamily="2" charset="-122"/>
+                        <a:ea typeface="宋体" panose="02010600030101010101" pitchFamily="2" charset="-122"/>
+                      </a:endParaRPr>
+                    </a:p>
+                  </a:txBody>
+                  <a:tcPr marL="4156" marR="4156" marT="4156" marB="0" anchor="ctr"/>
                 </a:tc>
                 <a:extLst>
                   <a:ext uri="{0D108BD9-81ED-4DB2-BD59-A6C34878D82A}">
-                    <a16:rowId xmlns:a16="http://schemas.microsoft.com/office/drawing/2014/main" val="3125119084"/>
+                    <a16:rowId xmlns:a16="http://schemas.microsoft.com/office/drawing/2014/main" val="1832331110"/>
                   </a:ext>
                 </a:extLst>
               </a:tr>
-              <a:tr h="321263">
+              <a:tr h="370191">
                 <a:tc vMerge="1">
                   <a:txBody>
                     <a:bodyPr/>
@@ -33808,46 +33954,92 @@
                     <a:bodyPr/>
                     <a:lstStyle/>
                     <a:p>
-                      <a:pPr algn="ctr">
-                        <a:spcAft>
-                          <a:spcPts val="0"/>
-                        </a:spcAft>
-                      </a:pPr>
+                      <a:pPr algn="ctr" fontAlgn="ctr"/>
                       <a:r>
-                        <a:rPr lang="zh-CN" sz="700" kern="0">
+                        <a:rPr lang="zh-CN" altLang="en-US" sz="600" u="none" strike="noStrike">
                           <a:effectLst/>
                         </a:rPr>
                         <a:t>密码长度</a:t>
                       </a:r>
                       <a:r>
-                        <a:rPr lang="en-US" sz="700" kern="0">
+                        <a:rPr lang="en-US" altLang="zh-CN" sz="600" u="none" strike="noStrike">
                           <a:effectLst/>
                         </a:rPr>
                         <a:t>6-12</a:t>
                       </a:r>
                       <a:r>
-                        <a:rPr lang="zh-CN" sz="700" kern="0">
+                        <a:rPr lang="zh-CN" altLang="en-US" sz="600" u="none" strike="noStrike">
                           <a:effectLst/>
                         </a:rPr>
                         <a:t>位（限制输入边界），可为数字、英文字、下划线符任意组合</a:t>
                       </a:r>
-                      <a:endParaRPr lang="zh-CN" sz="700" kern="100">
+                      <a:endParaRPr lang="zh-CN" altLang="en-US" sz="600" b="0" i="0" u="none" strike="noStrike">
+                        <a:solidFill>
+                          <a:srgbClr val="000000"/>
+                        </a:solidFill>
                         <a:effectLst/>
-                        <a:latin typeface="等线" panose="02010600030101010101" pitchFamily="2" charset="-122"/>
-                        <a:ea typeface="等线" panose="02010600030101010101" pitchFamily="2" charset="-122"/>
-                        <a:cs typeface="Times New Roman" panose="02020603050405020304" pitchFamily="18" charset="0"/>
+                        <a:latin typeface="宋体" panose="02010600030101010101" pitchFamily="2" charset="-122"/>
+                        <a:ea typeface="宋体" panose="02010600030101010101" pitchFamily="2" charset="-122"/>
                       </a:endParaRPr>
                     </a:p>
                   </a:txBody>
-                  <a:tcPr marL="45310" marR="45310" marT="0" marB="0" anchor="ctr"/>
+                  <a:tcPr marL="4156" marR="4156" marT="4156" marB="0" anchor="ctr"/>
+                </a:tc>
+                <a:tc>
+                  <a:txBody>
+                    <a:bodyPr/>
+                    <a:lstStyle/>
+                    <a:p>
+                      <a:pPr algn="ctr" fontAlgn="ctr"/>
+                      <a:r>
+                        <a:rPr lang="zh-CN" altLang="en-US" sz="600" u="none" strike="noStrike">
+                          <a:effectLst/>
+                        </a:rPr>
+                        <a:t>密码框完整</a:t>
+                      </a:r>
+                      <a:endParaRPr lang="zh-CN" altLang="en-US" sz="600" b="0" i="0" u="none" strike="noStrike">
+                        <a:solidFill>
+                          <a:srgbClr val="000000"/>
+                        </a:solidFill>
+                        <a:effectLst/>
+                        <a:latin typeface="宋体" panose="02010600030101010101" pitchFamily="2" charset="-122"/>
+                        <a:ea typeface="宋体" panose="02010600030101010101" pitchFamily="2" charset="-122"/>
+                      </a:endParaRPr>
+                    </a:p>
+                  </a:txBody>
+                  <a:tcPr marL="4156" marR="4156" marT="4156" marB="0" anchor="ctr"/>
+                </a:tc>
+                <a:tc>
+                  <a:txBody>
+                    <a:bodyPr/>
+                    <a:lstStyle/>
+                    <a:p>
+                      <a:pPr algn="l" fontAlgn="ctr"/>
+                      <a:r>
+                        <a:rPr lang="zh-CN" altLang="en-US" sz="600" u="none" strike="noStrike">
+                          <a:effectLst/>
+                        </a:rPr>
+                        <a:t>　</a:t>
+                      </a:r>
+                      <a:endParaRPr lang="zh-CN" altLang="en-US" sz="600" b="0" i="0" u="none" strike="noStrike">
+                        <a:solidFill>
+                          <a:srgbClr val="000000"/>
+                        </a:solidFill>
+                        <a:effectLst/>
+                        <a:latin typeface="宋体" panose="02010600030101010101" pitchFamily="2" charset="-122"/>
+                        <a:ea typeface="宋体" panose="02010600030101010101" pitchFamily="2" charset="-122"/>
+                      </a:endParaRPr>
+                    </a:p>
+                  </a:txBody>
+                  <a:tcPr marL="4156" marR="4156" marT="4156" marB="0" anchor="ctr"/>
                 </a:tc>
                 <a:extLst>
                   <a:ext uri="{0D108BD9-81ED-4DB2-BD59-A6C34878D82A}">
-                    <a16:rowId xmlns:a16="http://schemas.microsoft.com/office/drawing/2014/main" val="1583451051"/>
+                    <a16:rowId xmlns:a16="http://schemas.microsoft.com/office/drawing/2014/main" val="1431868296"/>
                   </a:ext>
                 </a:extLst>
               </a:tr>
-              <a:tr h="321263">
+              <a:tr h="265176">
                 <a:tc vMerge="1">
                   <a:txBody>
                     <a:bodyPr/>
@@ -33863,86 +34055,128 @@
                     <a:bodyPr/>
                     <a:lstStyle/>
                     <a:p>
-                      <a:pPr algn="ctr">
-                        <a:spcAft>
-                          <a:spcPts val="0"/>
-                        </a:spcAft>
-                      </a:pPr>
+                      <a:pPr algn="ctr" fontAlgn="ctr"/>
                       <a:r>
-                        <a:rPr lang="zh-CN" sz="700" kern="0">
+                        <a:rPr lang="zh-CN" altLang="en-US" sz="600" u="none" strike="noStrike">
                           <a:effectLst/>
                         </a:rPr>
                         <a:t>登录动作</a:t>
                       </a:r>
-                      <a:endParaRPr lang="zh-CN" sz="700" kern="100">
+                      <a:endParaRPr lang="zh-CN" altLang="en-US" sz="600" b="0" i="0" u="none" strike="noStrike">
+                        <a:solidFill>
+                          <a:srgbClr val="000000"/>
+                        </a:solidFill>
                         <a:effectLst/>
-                        <a:latin typeface="等线" panose="02010600030101010101" pitchFamily="2" charset="-122"/>
-                        <a:ea typeface="等线" panose="02010600030101010101" pitchFamily="2" charset="-122"/>
-                        <a:cs typeface="Times New Roman" panose="02020603050405020304" pitchFamily="18" charset="0"/>
+                        <a:latin typeface="宋体" panose="02010600030101010101" pitchFamily="2" charset="-122"/>
+                        <a:ea typeface="宋体" panose="02010600030101010101" pitchFamily="2" charset="-122"/>
                       </a:endParaRPr>
                     </a:p>
                   </a:txBody>
-                  <a:tcPr marL="45310" marR="45310" marT="0" marB="0" anchor="ctr"/>
+                  <a:tcPr marL="4156" marR="4156" marT="4156" marB="0" anchor="ctr"/>
                 </a:tc>
                 <a:tc>
                   <a:txBody>
                     <a:bodyPr/>
                     <a:lstStyle/>
                     <a:p>
-                      <a:pPr algn="ctr">
-                        <a:spcAft>
-                          <a:spcPts val="0"/>
-                        </a:spcAft>
-                      </a:pPr>
+                      <a:pPr algn="ctr" fontAlgn="ctr"/>
                       <a:r>
-                        <a:rPr lang="zh-CN" sz="700" kern="0">
+                        <a:rPr lang="zh-CN" altLang="en-US" sz="600" u="none" strike="noStrike">
                           <a:effectLst/>
                         </a:rPr>
                         <a:t>无信息输入，点击登录</a:t>
                       </a:r>
-                      <a:endParaRPr lang="zh-CN" sz="700" kern="100">
+                      <a:endParaRPr lang="zh-CN" altLang="en-US" sz="600" b="0" i="0" u="none" strike="noStrike">
+                        <a:solidFill>
+                          <a:srgbClr val="000000"/>
+                        </a:solidFill>
                         <a:effectLst/>
-                        <a:latin typeface="等线" panose="02010600030101010101" pitchFamily="2" charset="-122"/>
-                        <a:ea typeface="等线" panose="02010600030101010101" pitchFamily="2" charset="-122"/>
-                        <a:cs typeface="Times New Roman" panose="02020603050405020304" pitchFamily="18" charset="0"/>
+                        <a:latin typeface="宋体" panose="02010600030101010101" pitchFamily="2" charset="-122"/>
+                        <a:ea typeface="宋体" panose="02010600030101010101" pitchFamily="2" charset="-122"/>
                       </a:endParaRPr>
                     </a:p>
                   </a:txBody>
-                  <a:tcPr marL="45310" marR="45310" marT="0" marB="0" anchor="ctr"/>
+                  <a:tcPr marL="4156" marR="4156" marT="4156" marB="0" anchor="ctr"/>
                 </a:tc>
                 <a:tc>
                   <a:txBody>
                     <a:bodyPr/>
                     <a:lstStyle/>
                     <a:p>
-                      <a:pPr algn="ctr">
-                        <a:spcAft>
-                          <a:spcPts val="0"/>
-                        </a:spcAft>
-                      </a:pPr>
+                      <a:pPr algn="ctr" fontAlgn="ctr"/>
                       <a:r>
-                        <a:rPr lang="zh-CN" sz="700" kern="0">
+                        <a:rPr lang="zh-CN" altLang="en-US" sz="600" u="none" strike="noStrike">
                           <a:effectLst/>
                         </a:rPr>
                         <a:t>确认功能、结果显示</a:t>
                       </a:r>
-                      <a:endParaRPr lang="zh-CN" sz="700" kern="100">
+                      <a:endParaRPr lang="zh-CN" altLang="en-US" sz="600" b="0" i="0" u="none" strike="noStrike">
+                        <a:solidFill>
+                          <a:srgbClr val="000000"/>
+                        </a:solidFill>
                         <a:effectLst/>
-                        <a:latin typeface="等线" panose="02010600030101010101" pitchFamily="2" charset="-122"/>
-                        <a:ea typeface="等线" panose="02010600030101010101" pitchFamily="2" charset="-122"/>
-                        <a:cs typeface="Times New Roman" panose="02020603050405020304" pitchFamily="18" charset="0"/>
+                        <a:latin typeface="宋体" panose="02010600030101010101" pitchFamily="2" charset="-122"/>
+                        <a:ea typeface="宋体" panose="02010600030101010101" pitchFamily="2" charset="-122"/>
                       </a:endParaRPr>
                     </a:p>
                   </a:txBody>
-                  <a:tcPr marL="45310" marR="45310" marT="0" marB="0" anchor="ctr"/>
+                  <a:tcPr marL="4156" marR="4156" marT="4156" marB="0" anchor="ctr"/>
+                </a:tc>
+                <a:tc>
+                  <a:txBody>
+                    <a:bodyPr/>
+                    <a:lstStyle/>
+                    <a:p>
+                      <a:pPr algn="ctr" fontAlgn="ctr"/>
+                      <a:r>
+                        <a:rPr lang="zh-CN" altLang="en-US" sz="600" u="none" strike="noStrike">
+                          <a:effectLst/>
+                        </a:rPr>
+                        <a:t>登录失败，提示：“请输入用户名和密码”</a:t>
+                      </a:r>
+                      <a:endParaRPr lang="zh-CN" altLang="en-US" sz="600" b="0" i="0" u="none" strike="noStrike">
+                        <a:solidFill>
+                          <a:srgbClr val="000000"/>
+                        </a:solidFill>
+                        <a:effectLst/>
+                        <a:latin typeface="宋体" panose="02010600030101010101" pitchFamily="2" charset="-122"/>
+                        <a:ea typeface="宋体" panose="02010600030101010101" pitchFamily="2" charset="-122"/>
+                      </a:endParaRPr>
+                    </a:p>
+                  </a:txBody>
+                  <a:tcPr marL="4156" marR="4156" marT="4156" marB="0" anchor="ctr"/>
+                </a:tc>
+                <a:tc>
+                  <a:txBody>
+                    <a:bodyPr/>
+                    <a:lstStyle/>
+                    <a:p>
+                      <a:pPr algn="l" fontAlgn="ctr"/>
+                      <a:r>
+                        <a:rPr lang="zh-CN" altLang="en-US" sz="600" u="none" strike="noStrike">
+                          <a:effectLst/>
+                        </a:rPr>
+                        <a:t>　</a:t>
+                      </a:r>
+                      <a:endParaRPr lang="zh-CN" altLang="en-US" sz="600" b="0" i="0" u="none" strike="noStrike">
+                        <a:solidFill>
+                          <a:srgbClr val="000000"/>
+                        </a:solidFill>
+                        <a:effectLst/>
+                        <a:latin typeface="宋体" panose="02010600030101010101" pitchFamily="2" charset="-122"/>
+                        <a:ea typeface="宋体" panose="02010600030101010101" pitchFamily="2" charset="-122"/>
+                      </a:endParaRPr>
+                    </a:p>
+                  </a:txBody>
+                  <a:tcPr marL="4156" marR="4156" marT="4156" marB="0" anchor="ctr"/>
                 </a:tc>
                 <a:extLst>
                   <a:ext uri="{0D108BD9-81ED-4DB2-BD59-A6C34878D82A}">
-                    <a16:rowId xmlns:a16="http://schemas.microsoft.com/office/drawing/2014/main" val="3907116633"/>
+                    <a16:rowId xmlns:a16="http://schemas.microsoft.com/office/drawing/2014/main" val="526214263"/>
                   </a:ext>
                 </a:extLst>
               </a:tr>
-              <a:tr h="321263">
+              <a:tr h="265176">
                 <a:tc vMerge="1">
                   <a:txBody>
                     <a:bodyPr/>
@@ -33968,60 +34202,104 @@
                     <a:bodyPr/>
                     <a:lstStyle/>
                     <a:p>
-                      <a:pPr algn="ctr">
-                        <a:spcAft>
-                          <a:spcPts val="0"/>
-                        </a:spcAft>
-                      </a:pPr>
+                      <a:pPr algn="ctr" fontAlgn="ctr"/>
                       <a:r>
-                        <a:rPr lang="zh-CN" sz="700" kern="0">
+                        <a:rPr lang="zh-CN" altLang="en-US" sz="600" u="none" strike="noStrike">
                           <a:effectLst/>
                         </a:rPr>
                         <a:t>仅输入用户名或密码其一，点击登录</a:t>
                       </a:r>
-                      <a:endParaRPr lang="zh-CN" sz="700" kern="100">
+                      <a:endParaRPr lang="zh-CN" altLang="en-US" sz="600" b="0" i="0" u="none" strike="noStrike">
+                        <a:solidFill>
+                          <a:srgbClr val="000000"/>
+                        </a:solidFill>
                         <a:effectLst/>
-                        <a:latin typeface="等线" panose="02010600030101010101" pitchFamily="2" charset="-122"/>
-                        <a:ea typeface="等线" panose="02010600030101010101" pitchFamily="2" charset="-122"/>
-                        <a:cs typeface="Times New Roman" panose="02020603050405020304" pitchFamily="18" charset="0"/>
+                        <a:latin typeface="宋体" panose="02010600030101010101" pitchFamily="2" charset="-122"/>
+                        <a:ea typeface="宋体" panose="02010600030101010101" pitchFamily="2" charset="-122"/>
                       </a:endParaRPr>
                     </a:p>
                   </a:txBody>
-                  <a:tcPr marL="45310" marR="45310" marT="0" marB="0" anchor="ctr"/>
+                  <a:tcPr marL="4156" marR="4156" marT="4156" marB="0" anchor="ctr"/>
                 </a:tc>
                 <a:tc>
                   <a:txBody>
                     <a:bodyPr/>
                     <a:lstStyle/>
                     <a:p>
-                      <a:pPr algn="ctr">
-                        <a:spcAft>
-                          <a:spcPts val="0"/>
-                        </a:spcAft>
-                      </a:pPr>
+                      <a:pPr algn="ctr" fontAlgn="ctr"/>
                       <a:r>
-                        <a:rPr lang="zh-CN" sz="700" kern="0">
+                        <a:rPr lang="zh-CN" altLang="en-US" sz="600" u="none" strike="noStrike">
                           <a:effectLst/>
                         </a:rPr>
                         <a:t>确认功能、结果显示</a:t>
                       </a:r>
-                      <a:endParaRPr lang="zh-CN" sz="700" kern="100">
+                      <a:endParaRPr lang="zh-CN" altLang="en-US" sz="600" b="0" i="0" u="none" strike="noStrike">
+                        <a:solidFill>
+                          <a:srgbClr val="000000"/>
+                        </a:solidFill>
                         <a:effectLst/>
-                        <a:latin typeface="等线" panose="02010600030101010101" pitchFamily="2" charset="-122"/>
-                        <a:ea typeface="等线" panose="02010600030101010101" pitchFamily="2" charset="-122"/>
-                        <a:cs typeface="Times New Roman" panose="02020603050405020304" pitchFamily="18" charset="0"/>
+                        <a:latin typeface="宋体" panose="02010600030101010101" pitchFamily="2" charset="-122"/>
+                        <a:ea typeface="宋体" panose="02010600030101010101" pitchFamily="2" charset="-122"/>
                       </a:endParaRPr>
                     </a:p>
                   </a:txBody>
-                  <a:tcPr marL="45310" marR="45310" marT="0" marB="0" anchor="ctr"/>
+                  <a:tcPr marL="4156" marR="4156" marT="4156" marB="0" anchor="ctr"/>
+                </a:tc>
+                <a:tc>
+                  <a:txBody>
+                    <a:bodyPr/>
+                    <a:lstStyle/>
+                    <a:p>
+                      <a:pPr algn="ctr" fontAlgn="ctr"/>
+                      <a:r>
+                        <a:rPr lang="zh-CN" altLang="en-US" sz="600" u="none" strike="noStrike">
+                          <a:effectLst/>
+                        </a:rPr>
+                        <a:t>登录失败，提示：“请输入完整登陆信息”</a:t>
+                      </a:r>
+                      <a:endParaRPr lang="zh-CN" altLang="en-US" sz="600" b="0" i="0" u="none" strike="noStrike">
+                        <a:solidFill>
+                          <a:srgbClr val="000000"/>
+                        </a:solidFill>
+                        <a:effectLst/>
+                        <a:latin typeface="宋体" panose="02010600030101010101" pitchFamily="2" charset="-122"/>
+                        <a:ea typeface="宋体" panose="02010600030101010101" pitchFamily="2" charset="-122"/>
+                      </a:endParaRPr>
+                    </a:p>
+                  </a:txBody>
+                  <a:tcPr marL="4156" marR="4156" marT="4156" marB="0" anchor="ctr"/>
+                </a:tc>
+                <a:tc>
+                  <a:txBody>
+                    <a:bodyPr/>
+                    <a:lstStyle/>
+                    <a:p>
+                      <a:pPr algn="l" fontAlgn="ctr"/>
+                      <a:r>
+                        <a:rPr lang="zh-CN" altLang="en-US" sz="600" u="none" strike="noStrike">
+                          <a:effectLst/>
+                        </a:rPr>
+                        <a:t>　</a:t>
+                      </a:r>
+                      <a:endParaRPr lang="zh-CN" altLang="en-US" sz="600" b="0" i="0" u="none" strike="noStrike">
+                        <a:solidFill>
+                          <a:srgbClr val="000000"/>
+                        </a:solidFill>
+                        <a:effectLst/>
+                        <a:latin typeface="宋体" panose="02010600030101010101" pitchFamily="2" charset="-122"/>
+                        <a:ea typeface="宋体" panose="02010600030101010101" pitchFamily="2" charset="-122"/>
+                      </a:endParaRPr>
+                    </a:p>
+                  </a:txBody>
+                  <a:tcPr marL="4156" marR="4156" marT="4156" marB="0" anchor="ctr"/>
                 </a:tc>
                 <a:extLst>
                   <a:ext uri="{0D108BD9-81ED-4DB2-BD59-A6C34878D82A}">
-                    <a16:rowId xmlns:a16="http://schemas.microsoft.com/office/drawing/2014/main" val="1317784416"/>
+                    <a16:rowId xmlns:a16="http://schemas.microsoft.com/office/drawing/2014/main" val="1400970226"/>
                   </a:ext>
                 </a:extLst>
               </a:tr>
-              <a:tr h="321263">
+              <a:tr h="370191">
                 <a:tc vMerge="1">
                   <a:txBody>
                     <a:bodyPr/>
@@ -34047,60 +34325,104 @@
                     <a:bodyPr/>
                     <a:lstStyle/>
                     <a:p>
-                      <a:pPr algn="ctr">
-                        <a:spcAft>
-                          <a:spcPts val="0"/>
-                        </a:spcAft>
-                      </a:pPr>
+                      <a:pPr algn="ctr" fontAlgn="ctr"/>
                       <a:r>
-                        <a:rPr lang="zh-CN" sz="700" kern="0">
+                        <a:rPr lang="zh-CN" altLang="en-US" sz="600" u="none" strike="noStrike">
                           <a:effectLst/>
                         </a:rPr>
                         <a:t>输入用户名及密码，两者其一错误或都错误（输入类型正确），点击登录</a:t>
                       </a:r>
-                      <a:endParaRPr lang="zh-CN" sz="700" kern="100">
+                      <a:endParaRPr lang="zh-CN" altLang="en-US" sz="600" b="0" i="0" u="none" strike="noStrike">
+                        <a:solidFill>
+                          <a:srgbClr val="000000"/>
+                        </a:solidFill>
                         <a:effectLst/>
-                        <a:latin typeface="等线" panose="02010600030101010101" pitchFamily="2" charset="-122"/>
-                        <a:ea typeface="等线" panose="02010600030101010101" pitchFamily="2" charset="-122"/>
-                        <a:cs typeface="Times New Roman" panose="02020603050405020304" pitchFamily="18" charset="0"/>
+                        <a:latin typeface="宋体" panose="02010600030101010101" pitchFamily="2" charset="-122"/>
+                        <a:ea typeface="宋体" panose="02010600030101010101" pitchFamily="2" charset="-122"/>
                       </a:endParaRPr>
                     </a:p>
                   </a:txBody>
-                  <a:tcPr marL="45310" marR="45310" marT="0" marB="0" anchor="ctr"/>
+                  <a:tcPr marL="4156" marR="4156" marT="4156" marB="0" anchor="ctr"/>
                 </a:tc>
                 <a:tc>
                   <a:txBody>
                     <a:bodyPr/>
                     <a:lstStyle/>
                     <a:p>
-                      <a:pPr algn="ctr">
-                        <a:spcAft>
-                          <a:spcPts val="0"/>
-                        </a:spcAft>
-                      </a:pPr>
+                      <a:pPr algn="ctr" fontAlgn="ctr"/>
                       <a:r>
-                        <a:rPr lang="zh-CN" sz="700" kern="0">
+                        <a:rPr lang="zh-CN" altLang="en-US" sz="600" u="none" strike="noStrike">
                           <a:effectLst/>
                         </a:rPr>
                         <a:t>确认功能、结果显示</a:t>
                       </a:r>
-                      <a:endParaRPr lang="zh-CN" sz="700" kern="100">
+                      <a:endParaRPr lang="zh-CN" altLang="en-US" sz="600" b="0" i="0" u="none" strike="noStrike">
+                        <a:solidFill>
+                          <a:srgbClr val="000000"/>
+                        </a:solidFill>
                         <a:effectLst/>
-                        <a:latin typeface="等线" panose="02010600030101010101" pitchFamily="2" charset="-122"/>
-                        <a:ea typeface="等线" panose="02010600030101010101" pitchFamily="2" charset="-122"/>
-                        <a:cs typeface="Times New Roman" panose="02020603050405020304" pitchFamily="18" charset="0"/>
+                        <a:latin typeface="宋体" panose="02010600030101010101" pitchFamily="2" charset="-122"/>
+                        <a:ea typeface="宋体" panose="02010600030101010101" pitchFamily="2" charset="-122"/>
                       </a:endParaRPr>
                     </a:p>
                   </a:txBody>
-                  <a:tcPr marL="45310" marR="45310" marT="0" marB="0" anchor="ctr"/>
+                  <a:tcPr marL="4156" marR="4156" marT="4156" marB="0" anchor="ctr"/>
+                </a:tc>
+                <a:tc>
+                  <a:txBody>
+                    <a:bodyPr/>
+                    <a:lstStyle/>
+                    <a:p>
+                      <a:pPr algn="ctr" fontAlgn="ctr"/>
+                      <a:r>
+                        <a:rPr lang="zh-CN" altLang="en-US" sz="600" u="none" strike="noStrike">
+                          <a:effectLst/>
+                        </a:rPr>
+                        <a:t>登录失败，提示：“请输入正确的登陆信息”</a:t>
+                      </a:r>
+                      <a:endParaRPr lang="zh-CN" altLang="en-US" sz="600" b="0" i="0" u="none" strike="noStrike">
+                        <a:solidFill>
+                          <a:srgbClr val="000000"/>
+                        </a:solidFill>
+                        <a:effectLst/>
+                        <a:latin typeface="宋体" panose="02010600030101010101" pitchFamily="2" charset="-122"/>
+                        <a:ea typeface="宋体" panose="02010600030101010101" pitchFamily="2" charset="-122"/>
+                      </a:endParaRPr>
+                    </a:p>
+                  </a:txBody>
+                  <a:tcPr marL="4156" marR="4156" marT="4156" marB="0" anchor="ctr"/>
+                </a:tc>
+                <a:tc>
+                  <a:txBody>
+                    <a:bodyPr/>
+                    <a:lstStyle/>
+                    <a:p>
+                      <a:pPr algn="l" fontAlgn="ctr"/>
+                      <a:r>
+                        <a:rPr lang="zh-CN" altLang="en-US" sz="600" u="none" strike="noStrike">
+                          <a:effectLst/>
+                        </a:rPr>
+                        <a:t>　</a:t>
+                      </a:r>
+                      <a:endParaRPr lang="zh-CN" altLang="en-US" sz="600" b="0" i="0" u="none" strike="noStrike">
+                        <a:solidFill>
+                          <a:srgbClr val="000000"/>
+                        </a:solidFill>
+                        <a:effectLst/>
+                        <a:latin typeface="宋体" panose="02010600030101010101" pitchFamily="2" charset="-122"/>
+                        <a:ea typeface="宋体" panose="02010600030101010101" pitchFamily="2" charset="-122"/>
+                      </a:endParaRPr>
+                    </a:p>
+                  </a:txBody>
+                  <a:tcPr marL="4156" marR="4156" marT="4156" marB="0" anchor="ctr"/>
                 </a:tc>
                 <a:extLst>
                   <a:ext uri="{0D108BD9-81ED-4DB2-BD59-A6C34878D82A}">
-                    <a16:rowId xmlns:a16="http://schemas.microsoft.com/office/drawing/2014/main" val="2962633432"/>
+                    <a16:rowId xmlns:a16="http://schemas.microsoft.com/office/drawing/2014/main" val="157599183"/>
                   </a:ext>
                 </a:extLst>
               </a:tr>
-              <a:tr h="321263">
+              <a:tr h="370191">
                 <a:tc vMerge="1">
                   <a:txBody>
                     <a:bodyPr/>
@@ -34126,72 +34448,116 @@
                     <a:bodyPr/>
                     <a:lstStyle/>
                     <a:p>
-                      <a:pPr algn="ctr">
-                        <a:spcAft>
-                          <a:spcPts val="0"/>
-                        </a:spcAft>
-                      </a:pPr>
+                      <a:pPr algn="ctr" fontAlgn="ctr"/>
                       <a:r>
-                        <a:rPr lang="zh-CN" sz="700" kern="0">
+                        <a:rPr lang="zh-CN" altLang="en-US" sz="600" u="none" strike="noStrike">
                           <a:effectLst/>
                         </a:rPr>
                         <a:t>用户名或密码格式错误（包含非法符号）</a:t>
                       </a:r>
                       <a:r>
-                        <a:rPr lang="en-US" sz="700" kern="0">
+                        <a:rPr lang="en-US" altLang="zh-CN" sz="600" u="none" strike="noStrike">
                           <a:effectLst/>
                         </a:rPr>
                         <a:t>,</a:t>
                       </a:r>
                       <a:r>
-                        <a:rPr lang="zh-CN" sz="700" kern="0">
+                        <a:rPr lang="zh-CN" altLang="en-US" sz="600" u="none" strike="noStrike">
                           <a:effectLst/>
                         </a:rPr>
                         <a:t>点击登录</a:t>
                       </a:r>
-                      <a:endParaRPr lang="zh-CN" sz="700" kern="100">
+                      <a:endParaRPr lang="zh-CN" altLang="en-US" sz="600" b="0" i="0" u="none" strike="noStrike">
+                        <a:solidFill>
+                          <a:srgbClr val="000000"/>
+                        </a:solidFill>
                         <a:effectLst/>
-                        <a:latin typeface="等线" panose="02010600030101010101" pitchFamily="2" charset="-122"/>
-                        <a:ea typeface="等线" panose="02010600030101010101" pitchFamily="2" charset="-122"/>
-                        <a:cs typeface="Times New Roman" panose="02020603050405020304" pitchFamily="18" charset="0"/>
+                        <a:latin typeface="宋体" panose="02010600030101010101" pitchFamily="2" charset="-122"/>
+                        <a:ea typeface="宋体" panose="02010600030101010101" pitchFamily="2" charset="-122"/>
                       </a:endParaRPr>
                     </a:p>
                   </a:txBody>
-                  <a:tcPr marL="45310" marR="45310" marT="0" marB="0" anchor="ctr"/>
+                  <a:tcPr marL="4156" marR="4156" marT="4156" marB="0" anchor="ctr"/>
                 </a:tc>
                 <a:tc>
                   <a:txBody>
                     <a:bodyPr/>
                     <a:lstStyle/>
                     <a:p>
-                      <a:pPr algn="ctr">
-                        <a:spcAft>
-                          <a:spcPts val="0"/>
-                        </a:spcAft>
-                      </a:pPr>
+                      <a:pPr algn="ctr" fontAlgn="ctr"/>
                       <a:r>
-                        <a:rPr lang="zh-CN" sz="700" kern="0">
+                        <a:rPr lang="zh-CN" altLang="en-US" sz="600" u="none" strike="noStrike">
                           <a:effectLst/>
                         </a:rPr>
                         <a:t>确认功能、结果显示</a:t>
                       </a:r>
-                      <a:endParaRPr lang="zh-CN" sz="700" kern="100">
+                      <a:endParaRPr lang="zh-CN" altLang="en-US" sz="600" b="0" i="0" u="none" strike="noStrike">
+                        <a:solidFill>
+                          <a:srgbClr val="000000"/>
+                        </a:solidFill>
                         <a:effectLst/>
-                        <a:latin typeface="等线" panose="02010600030101010101" pitchFamily="2" charset="-122"/>
-                        <a:ea typeface="等线" panose="02010600030101010101" pitchFamily="2" charset="-122"/>
-                        <a:cs typeface="Times New Roman" panose="02020603050405020304" pitchFamily="18" charset="0"/>
+                        <a:latin typeface="宋体" panose="02010600030101010101" pitchFamily="2" charset="-122"/>
+                        <a:ea typeface="宋体" panose="02010600030101010101" pitchFamily="2" charset="-122"/>
                       </a:endParaRPr>
                     </a:p>
                   </a:txBody>
-                  <a:tcPr marL="45310" marR="45310" marT="0" marB="0" anchor="ctr"/>
+                  <a:tcPr marL="4156" marR="4156" marT="4156" marB="0" anchor="ctr"/>
+                </a:tc>
+                <a:tc>
+                  <a:txBody>
+                    <a:bodyPr/>
+                    <a:lstStyle/>
+                    <a:p>
+                      <a:pPr algn="ctr" fontAlgn="ctr"/>
+                      <a:r>
+                        <a:rPr lang="zh-CN" altLang="en-US" sz="600" u="none" strike="noStrike">
+                          <a:effectLst/>
+                        </a:rPr>
+                        <a:t>登录失败，提示：“用户名或密码输入类型错误”</a:t>
+                      </a:r>
+                      <a:endParaRPr lang="zh-CN" altLang="en-US" sz="600" b="0" i="0" u="none" strike="noStrike">
+                        <a:solidFill>
+                          <a:srgbClr val="000000"/>
+                        </a:solidFill>
+                        <a:effectLst/>
+                        <a:latin typeface="宋体" panose="02010600030101010101" pitchFamily="2" charset="-122"/>
+                        <a:ea typeface="宋体" panose="02010600030101010101" pitchFamily="2" charset="-122"/>
+                      </a:endParaRPr>
+                    </a:p>
+                  </a:txBody>
+                  <a:tcPr marL="4156" marR="4156" marT="4156" marB="0" anchor="ctr"/>
+                </a:tc>
+                <a:tc>
+                  <a:txBody>
+                    <a:bodyPr/>
+                    <a:lstStyle/>
+                    <a:p>
+                      <a:pPr algn="l" fontAlgn="ctr"/>
+                      <a:r>
+                        <a:rPr lang="zh-CN" altLang="en-US" sz="600" u="none" strike="noStrike">
+                          <a:effectLst/>
+                        </a:rPr>
+                        <a:t>　</a:t>
+                      </a:r>
+                      <a:endParaRPr lang="zh-CN" altLang="en-US" sz="600" b="0" i="0" u="none" strike="noStrike">
+                        <a:solidFill>
+                          <a:srgbClr val="000000"/>
+                        </a:solidFill>
+                        <a:effectLst/>
+                        <a:latin typeface="宋体" panose="02010600030101010101" pitchFamily="2" charset="-122"/>
+                        <a:ea typeface="宋体" panose="02010600030101010101" pitchFamily="2" charset="-122"/>
+                      </a:endParaRPr>
+                    </a:p>
+                  </a:txBody>
+                  <a:tcPr marL="4156" marR="4156" marT="4156" marB="0" anchor="ctr"/>
                 </a:tc>
                 <a:extLst>
                   <a:ext uri="{0D108BD9-81ED-4DB2-BD59-A6C34878D82A}">
-                    <a16:rowId xmlns:a16="http://schemas.microsoft.com/office/drawing/2014/main" val="2411490247"/>
+                    <a16:rowId xmlns:a16="http://schemas.microsoft.com/office/drawing/2014/main" val="2693695096"/>
                   </a:ext>
                 </a:extLst>
               </a:tr>
-              <a:tr h="321263">
+              <a:tr h="265176">
                 <a:tc vMerge="1">
                   <a:txBody>
                     <a:bodyPr/>
@@ -34217,60 +34583,104 @@
                     <a:bodyPr/>
                     <a:lstStyle/>
                     <a:p>
-                      <a:pPr algn="ctr">
-                        <a:spcAft>
-                          <a:spcPts val="0"/>
-                        </a:spcAft>
-                      </a:pPr>
+                      <a:pPr algn="ctr" fontAlgn="ctr"/>
                       <a:r>
-                        <a:rPr lang="zh-CN" sz="700" kern="0">
+                        <a:rPr lang="zh-CN" altLang="en-US" sz="600" u="none" strike="noStrike">
                           <a:effectLst/>
                         </a:rPr>
                         <a:t>输入符合身份的正确用户名和密码，点击登录</a:t>
                       </a:r>
-                      <a:endParaRPr lang="zh-CN" sz="700" kern="100">
+                      <a:endParaRPr lang="zh-CN" altLang="en-US" sz="600" b="0" i="0" u="none" strike="noStrike">
+                        <a:solidFill>
+                          <a:srgbClr val="000000"/>
+                        </a:solidFill>
                         <a:effectLst/>
-                        <a:latin typeface="等线" panose="02010600030101010101" pitchFamily="2" charset="-122"/>
-                        <a:ea typeface="等线" panose="02010600030101010101" pitchFamily="2" charset="-122"/>
-                        <a:cs typeface="Times New Roman" panose="02020603050405020304" pitchFamily="18" charset="0"/>
+                        <a:latin typeface="宋体" panose="02010600030101010101" pitchFamily="2" charset="-122"/>
+                        <a:ea typeface="宋体" panose="02010600030101010101" pitchFamily="2" charset="-122"/>
                       </a:endParaRPr>
                     </a:p>
                   </a:txBody>
-                  <a:tcPr marL="45310" marR="45310" marT="0" marB="0" anchor="ctr"/>
+                  <a:tcPr marL="4156" marR="4156" marT="4156" marB="0" anchor="ctr"/>
                 </a:tc>
                 <a:tc>
                   <a:txBody>
                     <a:bodyPr/>
                     <a:lstStyle/>
                     <a:p>
-                      <a:pPr algn="ctr">
-                        <a:spcAft>
-                          <a:spcPts val="0"/>
-                        </a:spcAft>
-                      </a:pPr>
+                      <a:pPr algn="ctr" fontAlgn="ctr"/>
                       <a:r>
-                        <a:rPr lang="zh-CN" sz="700" kern="0">
+                        <a:rPr lang="zh-CN" altLang="en-US" sz="600" u="none" strike="noStrike">
                           <a:effectLst/>
                         </a:rPr>
                         <a:t>确认功能、跳转功能、结果显示</a:t>
                       </a:r>
-                      <a:endParaRPr lang="zh-CN" sz="700" kern="100">
+                      <a:endParaRPr lang="zh-CN" altLang="en-US" sz="600" b="0" i="0" u="none" strike="noStrike">
+                        <a:solidFill>
+                          <a:srgbClr val="000000"/>
+                        </a:solidFill>
                         <a:effectLst/>
-                        <a:latin typeface="等线" panose="02010600030101010101" pitchFamily="2" charset="-122"/>
-                        <a:ea typeface="等线" panose="02010600030101010101" pitchFamily="2" charset="-122"/>
-                        <a:cs typeface="Times New Roman" panose="02020603050405020304" pitchFamily="18" charset="0"/>
+                        <a:latin typeface="宋体" panose="02010600030101010101" pitchFamily="2" charset="-122"/>
+                        <a:ea typeface="宋体" panose="02010600030101010101" pitchFamily="2" charset="-122"/>
                       </a:endParaRPr>
                     </a:p>
                   </a:txBody>
-                  <a:tcPr marL="45310" marR="45310" marT="0" marB="0" anchor="ctr"/>
+                  <a:tcPr marL="4156" marR="4156" marT="4156" marB="0" anchor="ctr"/>
+                </a:tc>
+                <a:tc>
+                  <a:txBody>
+                    <a:bodyPr/>
+                    <a:lstStyle/>
+                    <a:p>
+                      <a:pPr algn="ctr" fontAlgn="ctr"/>
+                      <a:r>
+                        <a:rPr lang="zh-CN" altLang="en-US" sz="600" u="none" strike="noStrike">
+                          <a:effectLst/>
+                        </a:rPr>
+                        <a:t>登录成功，进入当前身份的系统操作界面</a:t>
+                      </a:r>
+                      <a:endParaRPr lang="zh-CN" altLang="en-US" sz="600" b="0" i="0" u="none" strike="noStrike">
+                        <a:solidFill>
+                          <a:srgbClr val="000000"/>
+                        </a:solidFill>
+                        <a:effectLst/>
+                        <a:latin typeface="宋体" panose="02010600030101010101" pitchFamily="2" charset="-122"/>
+                        <a:ea typeface="宋体" panose="02010600030101010101" pitchFamily="2" charset="-122"/>
+                      </a:endParaRPr>
+                    </a:p>
+                  </a:txBody>
+                  <a:tcPr marL="4156" marR="4156" marT="4156" marB="0" anchor="ctr"/>
+                </a:tc>
+                <a:tc>
+                  <a:txBody>
+                    <a:bodyPr/>
+                    <a:lstStyle/>
+                    <a:p>
+                      <a:pPr algn="l" fontAlgn="ctr"/>
+                      <a:r>
+                        <a:rPr lang="zh-CN" altLang="en-US" sz="600" u="none" strike="noStrike">
+                          <a:effectLst/>
+                        </a:rPr>
+                        <a:t>　</a:t>
+                      </a:r>
+                      <a:endParaRPr lang="zh-CN" altLang="en-US" sz="600" b="0" i="0" u="none" strike="noStrike">
+                        <a:solidFill>
+                          <a:srgbClr val="000000"/>
+                        </a:solidFill>
+                        <a:effectLst/>
+                        <a:latin typeface="宋体" panose="02010600030101010101" pitchFamily="2" charset="-122"/>
+                        <a:ea typeface="宋体" panose="02010600030101010101" pitchFamily="2" charset="-122"/>
+                      </a:endParaRPr>
+                    </a:p>
+                  </a:txBody>
+                  <a:tcPr marL="4156" marR="4156" marT="4156" marB="0" anchor="ctr"/>
                 </a:tc>
                 <a:extLst>
                   <a:ext uri="{0D108BD9-81ED-4DB2-BD59-A6C34878D82A}">
-                    <a16:rowId xmlns:a16="http://schemas.microsoft.com/office/drawing/2014/main" val="655054528"/>
+                    <a16:rowId xmlns:a16="http://schemas.microsoft.com/office/drawing/2014/main" val="300981455"/>
                   </a:ext>
                 </a:extLst>
               </a:tr>
-              <a:tr h="160631">
+              <a:tr h="248636">
                 <a:tc vMerge="1">
                   <a:txBody>
                     <a:bodyPr/>
@@ -34296,60 +34706,104 @@
                     <a:bodyPr/>
                     <a:lstStyle/>
                     <a:p>
-                      <a:pPr algn="ctr">
-                        <a:spcAft>
-                          <a:spcPts val="0"/>
-                        </a:spcAft>
-                      </a:pPr>
+                      <a:pPr algn="ctr" fontAlgn="ctr"/>
                       <a:r>
-                        <a:rPr lang="zh-CN" sz="700" kern="0">
+                        <a:rPr lang="zh-CN" altLang="en-US" sz="600" u="none" strike="noStrike">
                           <a:effectLst/>
                         </a:rPr>
                         <a:t>忘记密码？</a:t>
                       </a:r>
-                      <a:endParaRPr lang="zh-CN" sz="700" kern="100">
+                      <a:endParaRPr lang="zh-CN" altLang="en-US" sz="600" b="0" i="0" u="none" strike="noStrike">
+                        <a:solidFill>
+                          <a:srgbClr val="000000"/>
+                        </a:solidFill>
                         <a:effectLst/>
-                        <a:latin typeface="等线" panose="02010600030101010101" pitchFamily="2" charset="-122"/>
-                        <a:ea typeface="等线" panose="02010600030101010101" pitchFamily="2" charset="-122"/>
-                        <a:cs typeface="Times New Roman" panose="02020603050405020304" pitchFamily="18" charset="0"/>
+                        <a:latin typeface="宋体" panose="02010600030101010101" pitchFamily="2" charset="-122"/>
+                        <a:ea typeface="宋体" panose="02010600030101010101" pitchFamily="2" charset="-122"/>
                       </a:endParaRPr>
                     </a:p>
                   </a:txBody>
-                  <a:tcPr marL="45310" marR="45310" marT="0" marB="0" anchor="ctr"/>
+                  <a:tcPr marL="4156" marR="4156" marT="4156" marB="0" anchor="ctr"/>
                 </a:tc>
                 <a:tc>
                   <a:txBody>
                     <a:bodyPr/>
                     <a:lstStyle/>
                     <a:p>
-                      <a:pPr algn="ctr">
-                        <a:spcAft>
-                          <a:spcPts val="0"/>
-                        </a:spcAft>
-                      </a:pPr>
+                      <a:pPr algn="ctr" fontAlgn="ctr"/>
                       <a:r>
-                        <a:rPr lang="zh-CN" sz="700" kern="0">
+                        <a:rPr lang="zh-CN" altLang="en-US" sz="600" u="none" strike="noStrike">
                           <a:effectLst/>
                         </a:rPr>
                         <a:t>确认功能、结果显示</a:t>
                       </a:r>
-                      <a:endParaRPr lang="zh-CN" sz="700" kern="100">
+                      <a:endParaRPr lang="zh-CN" altLang="en-US" sz="600" b="0" i="0" u="none" strike="noStrike">
+                        <a:solidFill>
+                          <a:srgbClr val="000000"/>
+                        </a:solidFill>
                         <a:effectLst/>
-                        <a:latin typeface="等线" panose="02010600030101010101" pitchFamily="2" charset="-122"/>
-                        <a:ea typeface="等线" panose="02010600030101010101" pitchFamily="2" charset="-122"/>
-                        <a:cs typeface="Times New Roman" panose="02020603050405020304" pitchFamily="18" charset="0"/>
+                        <a:latin typeface="宋体" panose="02010600030101010101" pitchFamily="2" charset="-122"/>
+                        <a:ea typeface="宋体" panose="02010600030101010101" pitchFamily="2" charset="-122"/>
                       </a:endParaRPr>
                     </a:p>
                   </a:txBody>
-                  <a:tcPr marL="45310" marR="45310" marT="0" marB="0" anchor="ctr"/>
+                  <a:tcPr marL="4156" marR="4156" marT="4156" marB="0" anchor="ctr"/>
+                </a:tc>
+                <a:tc>
+                  <a:txBody>
+                    <a:bodyPr/>
+                    <a:lstStyle/>
+                    <a:p>
+                      <a:pPr algn="ctr" fontAlgn="ctr"/>
+                      <a:r>
+                        <a:rPr lang="zh-CN" altLang="en-US" sz="600" u="none" strike="noStrike">
+                          <a:effectLst/>
+                        </a:rPr>
+                        <a:t>手机号短信验证，重置密码</a:t>
+                      </a:r>
+                      <a:endParaRPr lang="zh-CN" altLang="en-US" sz="600" b="0" i="0" u="none" strike="noStrike">
+                        <a:solidFill>
+                          <a:srgbClr val="000000"/>
+                        </a:solidFill>
+                        <a:effectLst/>
+                        <a:latin typeface="宋体" panose="02010600030101010101" pitchFamily="2" charset="-122"/>
+                        <a:ea typeface="宋体" panose="02010600030101010101" pitchFamily="2" charset="-122"/>
+                      </a:endParaRPr>
+                    </a:p>
+                  </a:txBody>
+                  <a:tcPr marL="4156" marR="4156" marT="4156" marB="0" anchor="ctr"/>
+                </a:tc>
+                <a:tc>
+                  <a:txBody>
+                    <a:bodyPr/>
+                    <a:lstStyle/>
+                    <a:p>
+                      <a:pPr algn="l" fontAlgn="ctr"/>
+                      <a:r>
+                        <a:rPr lang="zh-CN" altLang="en-US" sz="600" u="none" strike="noStrike">
+                          <a:effectLst/>
+                        </a:rPr>
+                        <a:t>　</a:t>
+                      </a:r>
+                      <a:endParaRPr lang="zh-CN" altLang="en-US" sz="600" b="0" i="0" u="none" strike="noStrike">
+                        <a:solidFill>
+                          <a:srgbClr val="000000"/>
+                        </a:solidFill>
+                        <a:effectLst/>
+                        <a:latin typeface="宋体" panose="02010600030101010101" pitchFamily="2" charset="-122"/>
+                        <a:ea typeface="宋体" panose="02010600030101010101" pitchFamily="2" charset="-122"/>
+                      </a:endParaRPr>
+                    </a:p>
+                  </a:txBody>
+                  <a:tcPr marL="4156" marR="4156" marT="4156" marB="0" anchor="ctr"/>
                 </a:tc>
                 <a:extLst>
                   <a:ext uri="{0D108BD9-81ED-4DB2-BD59-A6C34878D82A}">
-                    <a16:rowId xmlns:a16="http://schemas.microsoft.com/office/drawing/2014/main" val="4223685800"/>
+                    <a16:rowId xmlns:a16="http://schemas.microsoft.com/office/drawing/2014/main" val="3373504919"/>
                   </a:ext>
                 </a:extLst>
               </a:tr>
-              <a:tr h="321263">
+              <a:tr h="265176">
                 <a:tc vMerge="1">
                   <a:txBody>
                     <a:bodyPr/>
@@ -34365,209 +34819,291 @@
                     <a:bodyPr/>
                     <a:lstStyle/>
                     <a:p>
-                      <a:pPr algn="ctr">
-                        <a:spcAft>
-                          <a:spcPts val="0"/>
-                        </a:spcAft>
-                      </a:pPr>
+                      <a:pPr algn="ctr" fontAlgn="ctr"/>
                       <a:r>
-                        <a:rPr lang="zh-CN" sz="700" kern="0">
+                        <a:rPr lang="zh-CN" altLang="en-US" sz="600" u="none" strike="noStrike">
                           <a:effectLst/>
                         </a:rPr>
                         <a:t>授权登录</a:t>
                       </a:r>
-                      <a:endParaRPr lang="zh-CN" sz="700" kern="100">
+                      <a:endParaRPr lang="zh-CN" altLang="en-US" sz="600" b="0" i="0" u="none" strike="noStrike">
+                        <a:solidFill>
+                          <a:srgbClr val="000000"/>
+                        </a:solidFill>
                         <a:effectLst/>
-                        <a:latin typeface="等线" panose="02010600030101010101" pitchFamily="2" charset="-122"/>
-                        <a:ea typeface="等线" panose="02010600030101010101" pitchFamily="2" charset="-122"/>
-                        <a:cs typeface="Times New Roman" panose="02020603050405020304" pitchFamily="18" charset="0"/>
+                        <a:latin typeface="宋体" panose="02010600030101010101" pitchFamily="2" charset="-122"/>
+                        <a:ea typeface="宋体" panose="02010600030101010101" pitchFamily="2" charset="-122"/>
                       </a:endParaRPr>
                     </a:p>
                   </a:txBody>
-                  <a:tcPr marL="45310" marR="45310" marT="0" marB="0" anchor="ctr"/>
+                  <a:tcPr marL="4156" marR="4156" marT="4156" marB="0" anchor="ctr"/>
                 </a:tc>
                 <a:tc>
                   <a:txBody>
                     <a:bodyPr/>
                     <a:lstStyle/>
                     <a:p>
-                      <a:pPr algn="ctr">
-                        <a:spcAft>
-                          <a:spcPts val="0"/>
-                        </a:spcAft>
-                      </a:pPr>
+                      <a:pPr algn="ctr" fontAlgn="ctr"/>
                       <a:r>
-                        <a:rPr lang="zh-CN" sz="700" kern="0">
+                        <a:rPr lang="zh-CN" altLang="en-US" sz="600" u="none" strike="noStrike">
                           <a:effectLst/>
                         </a:rPr>
                         <a:t>点击第三方平台</a:t>
                       </a:r>
                       <a:r>
-                        <a:rPr lang="en-US" sz="700" kern="0">
+                        <a:rPr lang="en-US" altLang="zh-CN" sz="600" u="none" strike="noStrike">
                           <a:effectLst/>
                         </a:rPr>
                         <a:t>logo</a:t>
                       </a:r>
                       <a:r>
-                        <a:rPr lang="zh-CN" sz="700" kern="0">
+                        <a:rPr lang="zh-CN" altLang="en-US" sz="600" u="none" strike="noStrike">
                           <a:effectLst/>
                         </a:rPr>
                         <a:t>登录</a:t>
                       </a:r>
-                      <a:endParaRPr lang="zh-CN" sz="700" kern="100">
+                      <a:endParaRPr lang="zh-CN" altLang="en-US" sz="600" b="0" i="0" u="none" strike="noStrike">
+                        <a:solidFill>
+                          <a:srgbClr val="000000"/>
+                        </a:solidFill>
                         <a:effectLst/>
-                        <a:latin typeface="等线" panose="02010600030101010101" pitchFamily="2" charset="-122"/>
-                        <a:ea typeface="等线" panose="02010600030101010101" pitchFamily="2" charset="-122"/>
-                        <a:cs typeface="Times New Roman" panose="02020603050405020304" pitchFamily="18" charset="0"/>
+                        <a:latin typeface="宋体" panose="02010600030101010101" pitchFamily="2" charset="-122"/>
+                        <a:ea typeface="宋体" panose="02010600030101010101" pitchFamily="2" charset="-122"/>
                       </a:endParaRPr>
                     </a:p>
                   </a:txBody>
-                  <a:tcPr marL="45310" marR="45310" marT="0" marB="0" anchor="ctr"/>
+                  <a:tcPr marL="4156" marR="4156" marT="4156" marB="0" anchor="ctr"/>
                 </a:tc>
                 <a:tc>
                   <a:txBody>
                     <a:bodyPr/>
                     <a:lstStyle/>
                     <a:p>
-                      <a:pPr algn="ctr">
-                        <a:spcAft>
-                          <a:spcPts val="0"/>
-                        </a:spcAft>
-                      </a:pPr>
+                      <a:pPr algn="ctr" fontAlgn="ctr"/>
                       <a:r>
-                        <a:rPr lang="zh-CN" sz="700" kern="0">
+                        <a:rPr lang="zh-CN" altLang="en-US" sz="600" u="none" strike="noStrike">
                           <a:effectLst/>
                         </a:rPr>
                         <a:t>跳转功能、确认授权、结果显示</a:t>
                       </a:r>
-                      <a:endParaRPr lang="zh-CN" sz="700" kern="100">
+                      <a:endParaRPr lang="zh-CN" altLang="en-US" sz="600" b="0" i="0" u="none" strike="noStrike">
+                        <a:solidFill>
+                          <a:srgbClr val="000000"/>
+                        </a:solidFill>
                         <a:effectLst/>
-                        <a:latin typeface="等线" panose="02010600030101010101" pitchFamily="2" charset="-122"/>
-                        <a:ea typeface="等线" panose="02010600030101010101" pitchFamily="2" charset="-122"/>
-                        <a:cs typeface="Times New Roman" panose="02020603050405020304" pitchFamily="18" charset="0"/>
+                        <a:latin typeface="宋体" panose="02010600030101010101" pitchFamily="2" charset="-122"/>
+                        <a:ea typeface="宋体" panose="02010600030101010101" pitchFamily="2" charset="-122"/>
                       </a:endParaRPr>
                     </a:p>
                   </a:txBody>
-                  <a:tcPr marL="45310" marR="45310" marT="0" marB="0" anchor="ctr"/>
+                  <a:tcPr marL="4156" marR="4156" marT="4156" marB="0" anchor="ctr"/>
+                </a:tc>
+                <a:tc>
+                  <a:txBody>
+                    <a:bodyPr/>
+                    <a:lstStyle/>
+                    <a:p>
+                      <a:pPr algn="ctr" fontAlgn="ctr"/>
+                      <a:r>
+                        <a:rPr lang="zh-CN" altLang="en-US" sz="600" u="none" strike="noStrike">
+                          <a:effectLst/>
+                        </a:rPr>
+                        <a:t>成功授权登录并绑定平台</a:t>
+                      </a:r>
+                      <a:endParaRPr lang="zh-CN" altLang="en-US" sz="600" b="0" i="0" u="none" strike="noStrike">
+                        <a:solidFill>
+                          <a:srgbClr val="000000"/>
+                        </a:solidFill>
+                        <a:effectLst/>
+                        <a:latin typeface="宋体" panose="02010600030101010101" pitchFamily="2" charset="-122"/>
+                        <a:ea typeface="宋体" panose="02010600030101010101" pitchFamily="2" charset="-122"/>
+                      </a:endParaRPr>
+                    </a:p>
+                  </a:txBody>
+                  <a:tcPr marL="4156" marR="4156" marT="4156" marB="0" anchor="ctr"/>
+                </a:tc>
+                <a:tc>
+                  <a:txBody>
+                    <a:bodyPr/>
+                    <a:lstStyle/>
+                    <a:p>
+                      <a:pPr algn="ctr" fontAlgn="ctr"/>
+                      <a:r>
+                        <a:rPr lang="zh-CN" altLang="en-US" sz="600" u="none" strike="noStrike">
+                          <a:effectLst/>
+                        </a:rPr>
+                        <a:t>　</a:t>
+                      </a:r>
+                      <a:endParaRPr lang="zh-CN" altLang="en-US" sz="600" b="0" i="0" u="none" strike="noStrike">
+                        <a:solidFill>
+                          <a:srgbClr val="000000"/>
+                        </a:solidFill>
+                        <a:effectLst/>
+                        <a:latin typeface="宋体" panose="02010600030101010101" pitchFamily="2" charset="-122"/>
+                        <a:ea typeface="宋体" panose="02010600030101010101" pitchFamily="2" charset="-122"/>
+                      </a:endParaRPr>
+                    </a:p>
+                  </a:txBody>
+                  <a:tcPr marL="4156" marR="4156" marT="4156" marB="0" anchor="ctr"/>
                 </a:tc>
                 <a:extLst>
                   <a:ext uri="{0D108BD9-81ED-4DB2-BD59-A6C34878D82A}">
-                    <a16:rowId xmlns:a16="http://schemas.microsoft.com/office/drawing/2014/main" val="786987470"/>
+                    <a16:rowId xmlns:a16="http://schemas.microsoft.com/office/drawing/2014/main" val="2073309527"/>
                   </a:ext>
                 </a:extLst>
               </a:tr>
-              <a:tr h="321263">
+              <a:tr h="265176">
                 <a:tc rowSpan="4">
                   <a:txBody>
                     <a:bodyPr/>
                     <a:lstStyle/>
                     <a:p>
-                      <a:pPr algn="ctr">
-                        <a:spcAft>
-                          <a:spcPts val="0"/>
-                        </a:spcAft>
-                      </a:pPr>
+                      <a:pPr algn="ctr" fontAlgn="ctr"/>
                       <a:r>
-                        <a:rPr lang="zh-CN" sz="700" kern="0">
+                        <a:rPr lang="zh-CN" altLang="en-US" sz="600" u="none" strike="noStrike">
                           <a:effectLst/>
                         </a:rPr>
                         <a:t>注册功能</a:t>
                       </a:r>
-                      <a:endParaRPr lang="zh-CN" sz="700" kern="100">
+                      <a:endParaRPr lang="zh-CN" altLang="en-US" sz="600" b="0" i="0" u="none" strike="noStrike">
+                        <a:solidFill>
+                          <a:srgbClr val="000000"/>
+                        </a:solidFill>
                         <a:effectLst/>
-                        <a:latin typeface="等线" panose="02010600030101010101" pitchFamily="2" charset="-122"/>
-                        <a:ea typeface="等线" panose="02010600030101010101" pitchFamily="2" charset="-122"/>
-                        <a:cs typeface="Times New Roman" panose="02020603050405020304" pitchFamily="18" charset="0"/>
+                        <a:latin typeface="宋体" panose="02010600030101010101" pitchFamily="2" charset="-122"/>
+                        <a:ea typeface="宋体" panose="02010600030101010101" pitchFamily="2" charset="-122"/>
                       </a:endParaRPr>
                     </a:p>
                   </a:txBody>
-                  <a:tcPr marL="45310" marR="45310" marT="0" marB="0" anchor="ctr"/>
+                  <a:tcPr marL="4156" marR="4156" marT="4156" marB="0" anchor="ctr"/>
                 </a:tc>
                 <a:tc rowSpan="3">
                   <a:txBody>
                     <a:bodyPr/>
                     <a:lstStyle/>
                     <a:p>
-                      <a:pPr algn="ctr">
-                        <a:spcAft>
-                          <a:spcPts val="0"/>
-                        </a:spcAft>
-                      </a:pPr>
+                      <a:pPr algn="ctr" fontAlgn="ctr"/>
                       <a:r>
-                        <a:rPr lang="zh-CN" sz="700" kern="0">
+                        <a:rPr lang="zh-CN" altLang="en-US" sz="600" u="none" strike="noStrike">
                           <a:effectLst/>
                         </a:rPr>
                         <a:t>注册界面</a:t>
                       </a:r>
-                      <a:endParaRPr lang="zh-CN" sz="700" kern="100">
+                      <a:endParaRPr lang="zh-CN" altLang="en-US" sz="600" b="0" i="0" u="none" strike="noStrike">
+                        <a:solidFill>
+                          <a:srgbClr val="000000"/>
+                        </a:solidFill>
                         <a:effectLst/>
-                        <a:latin typeface="等线" panose="02010600030101010101" pitchFamily="2" charset="-122"/>
-                        <a:ea typeface="等线" panose="02010600030101010101" pitchFamily="2" charset="-122"/>
-                        <a:cs typeface="Times New Roman" panose="02020603050405020304" pitchFamily="18" charset="0"/>
+                        <a:latin typeface="宋体" panose="02010600030101010101" pitchFamily="2" charset="-122"/>
+                        <a:ea typeface="宋体" panose="02010600030101010101" pitchFamily="2" charset="-122"/>
                       </a:endParaRPr>
                     </a:p>
                   </a:txBody>
-                  <a:tcPr marL="45310" marR="45310" marT="0" marB="0" anchor="ctr"/>
+                  <a:tcPr marL="4156" marR="4156" marT="4156" marB="0" anchor="ctr"/>
                 </a:tc>
                 <a:tc>
                   <a:txBody>
                     <a:bodyPr/>
                     <a:lstStyle/>
                     <a:p>
-                      <a:pPr algn="ctr">
-                        <a:spcAft>
-                          <a:spcPts val="0"/>
-                        </a:spcAft>
-                      </a:pPr>
+                      <a:pPr algn="ctr" fontAlgn="ctr"/>
                       <a:r>
-                        <a:rPr lang="zh-CN" sz="700" kern="0">
+                        <a:rPr lang="zh-CN" altLang="en-US" sz="600" u="none" strike="noStrike">
                           <a:effectLst/>
                         </a:rPr>
                         <a:t>点击注册手机号、密码、再次确认密码文本框</a:t>
                       </a:r>
-                      <a:endParaRPr lang="zh-CN" sz="700" kern="100">
+                      <a:endParaRPr lang="zh-CN" altLang="en-US" sz="600" b="0" i="0" u="none" strike="noStrike">
+                        <a:solidFill>
+                          <a:srgbClr val="000000"/>
+                        </a:solidFill>
                         <a:effectLst/>
-                        <a:latin typeface="等线" panose="02010600030101010101" pitchFamily="2" charset="-122"/>
-                        <a:ea typeface="等线" panose="02010600030101010101" pitchFamily="2" charset="-122"/>
-                        <a:cs typeface="Times New Roman" panose="02020603050405020304" pitchFamily="18" charset="0"/>
+                        <a:latin typeface="宋体" panose="02010600030101010101" pitchFamily="2" charset="-122"/>
+                        <a:ea typeface="宋体" panose="02010600030101010101" pitchFamily="2" charset="-122"/>
                       </a:endParaRPr>
                     </a:p>
                   </a:txBody>
-                  <a:tcPr marL="45310" marR="45310" marT="0" marB="0" anchor="ctr"/>
+                  <a:tcPr marL="4156" marR="4156" marT="4156" marB="0" anchor="ctr"/>
                 </a:tc>
                 <a:tc>
                   <a:txBody>
                     <a:bodyPr/>
                     <a:lstStyle/>
                     <a:p>
-                      <a:pPr algn="ctr">
-                        <a:spcAft>
-                          <a:spcPts val="0"/>
-                        </a:spcAft>
-                      </a:pPr>
+                      <a:pPr algn="ctr" fontAlgn="ctr"/>
                       <a:r>
-                        <a:rPr lang="zh-CN" sz="700" kern="0">
+                        <a:rPr lang="zh-CN" altLang="en-US" sz="600" u="none" strike="noStrike">
                           <a:effectLst/>
                         </a:rPr>
                         <a:t>触发提示键入注册手机号、密码、再次确认密码</a:t>
                       </a:r>
-                      <a:endParaRPr lang="zh-CN" sz="700" kern="100">
+                      <a:endParaRPr lang="zh-CN" altLang="en-US" sz="600" b="0" i="0" u="none" strike="noStrike">
+                        <a:solidFill>
+                          <a:srgbClr val="000000"/>
+                        </a:solidFill>
                         <a:effectLst/>
-                        <a:latin typeface="等线" panose="02010600030101010101" pitchFamily="2" charset="-122"/>
-                        <a:ea typeface="等线" panose="02010600030101010101" pitchFamily="2" charset="-122"/>
-                        <a:cs typeface="Times New Roman" panose="02020603050405020304" pitchFamily="18" charset="0"/>
+                        <a:latin typeface="宋体" panose="02010600030101010101" pitchFamily="2" charset="-122"/>
+                        <a:ea typeface="宋体" panose="02010600030101010101" pitchFamily="2" charset="-122"/>
                       </a:endParaRPr>
                     </a:p>
                   </a:txBody>
-                  <a:tcPr marL="45310" marR="45310" marT="0" marB="0" anchor="ctr"/>
+                  <a:tcPr marL="4156" marR="4156" marT="4156" marB="0" anchor="ctr"/>
+                </a:tc>
+                <a:tc>
+                  <a:txBody>
+                    <a:bodyPr/>
+                    <a:lstStyle/>
+                    <a:p>
+                      <a:pPr algn="ctr" fontAlgn="ctr"/>
+                      <a:r>
+                        <a:rPr lang="zh-CN" altLang="en-US" sz="600" u="none" strike="noStrike">
+                          <a:effectLst/>
+                        </a:rPr>
+                        <a:t>显示键入提示信息且可正常键入信息</a:t>
+                      </a:r>
+                      <a:endParaRPr lang="zh-CN" altLang="en-US" sz="600" b="0" i="0" u="none" strike="noStrike">
+                        <a:solidFill>
+                          <a:srgbClr val="000000"/>
+                        </a:solidFill>
+                        <a:effectLst/>
+                        <a:latin typeface="宋体" panose="02010600030101010101" pitchFamily="2" charset="-122"/>
+                        <a:ea typeface="宋体" panose="02010600030101010101" pitchFamily="2" charset="-122"/>
+                      </a:endParaRPr>
+                    </a:p>
+                  </a:txBody>
+                  <a:tcPr marL="4156" marR="4156" marT="4156" marB="0" anchor="ctr"/>
+                </a:tc>
+                <a:tc>
+                  <a:txBody>
+                    <a:bodyPr/>
+                    <a:lstStyle/>
+                    <a:p>
+                      <a:pPr algn="l" fontAlgn="ctr"/>
+                      <a:r>
+                        <a:rPr lang="zh-CN" altLang="en-US" sz="600" u="none" strike="noStrike">
+                          <a:effectLst/>
+                        </a:rPr>
+                        <a:t>　</a:t>
+                      </a:r>
+                      <a:endParaRPr lang="zh-CN" altLang="en-US" sz="600" b="0" i="0" u="none" strike="noStrike">
+                        <a:solidFill>
+                          <a:srgbClr val="000000"/>
+                        </a:solidFill>
+                        <a:effectLst/>
+                        <a:latin typeface="宋体" panose="02010600030101010101" pitchFamily="2" charset="-122"/>
+                        <a:ea typeface="宋体" panose="02010600030101010101" pitchFamily="2" charset="-122"/>
+                      </a:endParaRPr>
+                    </a:p>
+                  </a:txBody>
+                  <a:tcPr marL="4156" marR="4156" marT="4156" marB="0" anchor="ctr"/>
                 </a:tc>
                 <a:extLst>
                   <a:ext uri="{0D108BD9-81ED-4DB2-BD59-A6C34878D82A}">
-                    <a16:rowId xmlns:a16="http://schemas.microsoft.com/office/drawing/2014/main" val="3827792085"/>
+                    <a16:rowId xmlns:a16="http://schemas.microsoft.com/office/drawing/2014/main" val="1402910362"/>
                   </a:ext>
                 </a:extLst>
               </a:tr>
-              <a:tr h="321263">
+              <a:tr h="370191">
                 <a:tc vMerge="1">
                   <a:txBody>
                     <a:bodyPr/>
@@ -34593,60 +35129,104 @@
                     <a:bodyPr/>
                     <a:lstStyle/>
                     <a:p>
-                      <a:pPr algn="ctr">
-                        <a:spcAft>
-                          <a:spcPts val="0"/>
-                        </a:spcAft>
-                      </a:pPr>
+                      <a:pPr algn="ctr" fontAlgn="ctr"/>
                       <a:r>
-                        <a:rPr lang="zh-CN" sz="700" kern="0">
+                        <a:rPr lang="zh-CN" altLang="en-US" sz="600" u="none" strike="noStrike">
                           <a:effectLst/>
                         </a:rPr>
                         <a:t>键入注册手机号、密码、再次确认密码文本框</a:t>
                       </a:r>
-                      <a:endParaRPr lang="zh-CN" sz="700" kern="100">
+                      <a:endParaRPr lang="zh-CN" altLang="en-US" sz="600" b="0" i="0" u="none" strike="noStrike">
+                        <a:solidFill>
+                          <a:srgbClr val="000000"/>
+                        </a:solidFill>
                         <a:effectLst/>
-                        <a:latin typeface="等线" panose="02010600030101010101" pitchFamily="2" charset="-122"/>
-                        <a:ea typeface="等线" panose="02010600030101010101" pitchFamily="2" charset="-122"/>
-                        <a:cs typeface="Times New Roman" panose="02020603050405020304" pitchFamily="18" charset="0"/>
+                        <a:latin typeface="宋体" panose="02010600030101010101" pitchFamily="2" charset="-122"/>
+                        <a:ea typeface="宋体" panose="02010600030101010101" pitchFamily="2" charset="-122"/>
                       </a:endParaRPr>
                     </a:p>
                   </a:txBody>
-                  <a:tcPr marL="45310" marR="45310" marT="0" marB="0" anchor="ctr"/>
+                  <a:tcPr marL="4156" marR="4156" marT="4156" marB="0" anchor="ctr"/>
                 </a:tc>
                 <a:tc>
                   <a:txBody>
                     <a:bodyPr/>
                     <a:lstStyle/>
                     <a:p>
-                      <a:pPr algn="ctr">
-                        <a:spcAft>
-                          <a:spcPts val="0"/>
-                        </a:spcAft>
-                      </a:pPr>
+                      <a:pPr algn="ctr" fontAlgn="ctr"/>
                       <a:r>
-                        <a:rPr lang="zh-CN" sz="700" kern="0">
+                        <a:rPr lang="zh-CN" altLang="en-US" sz="600" u="none" strike="noStrike">
                           <a:effectLst/>
                         </a:rPr>
                         <a:t>对键入注册手机号、密码、再次确认密码文本框内容进行非法检测</a:t>
                       </a:r>
-                      <a:endParaRPr lang="zh-CN" sz="700" kern="100">
+                      <a:endParaRPr lang="zh-CN" altLang="en-US" sz="600" b="0" i="0" u="none" strike="noStrike">
+                        <a:solidFill>
+                          <a:srgbClr val="000000"/>
+                        </a:solidFill>
                         <a:effectLst/>
-                        <a:latin typeface="等线" panose="02010600030101010101" pitchFamily="2" charset="-122"/>
-                        <a:ea typeface="等线" panose="02010600030101010101" pitchFamily="2" charset="-122"/>
-                        <a:cs typeface="Times New Roman" panose="02020603050405020304" pitchFamily="18" charset="0"/>
+                        <a:latin typeface="宋体" panose="02010600030101010101" pitchFamily="2" charset="-122"/>
+                        <a:ea typeface="宋体" panose="02010600030101010101" pitchFamily="2" charset="-122"/>
                       </a:endParaRPr>
                     </a:p>
                   </a:txBody>
-                  <a:tcPr marL="45310" marR="45310" marT="0" marB="0" anchor="ctr"/>
+                  <a:tcPr marL="4156" marR="4156" marT="4156" marB="0" anchor="ctr"/>
+                </a:tc>
+                <a:tc>
+                  <a:txBody>
+                    <a:bodyPr/>
+                    <a:lstStyle/>
+                    <a:p>
+                      <a:pPr algn="ctr" fontAlgn="ctr"/>
+                      <a:r>
+                        <a:rPr lang="zh-CN" altLang="en-US" sz="600" u="none" strike="noStrike">
+                          <a:effectLst/>
+                        </a:rPr>
+                        <a:t>若键入信息非法则提示输入内容非法</a:t>
+                      </a:r>
+                      <a:endParaRPr lang="zh-CN" altLang="en-US" sz="600" b="0" i="0" u="none" strike="noStrike">
+                        <a:solidFill>
+                          <a:srgbClr val="000000"/>
+                        </a:solidFill>
+                        <a:effectLst/>
+                        <a:latin typeface="宋体" panose="02010600030101010101" pitchFamily="2" charset="-122"/>
+                        <a:ea typeface="宋体" panose="02010600030101010101" pitchFamily="2" charset="-122"/>
+                      </a:endParaRPr>
+                    </a:p>
+                  </a:txBody>
+                  <a:tcPr marL="4156" marR="4156" marT="4156" marB="0" anchor="ctr"/>
+                </a:tc>
+                <a:tc>
+                  <a:txBody>
+                    <a:bodyPr/>
+                    <a:lstStyle/>
+                    <a:p>
+                      <a:pPr algn="l" fontAlgn="ctr"/>
+                      <a:r>
+                        <a:rPr lang="zh-CN" altLang="en-US" sz="600" u="none" strike="noStrike">
+                          <a:effectLst/>
+                        </a:rPr>
+                        <a:t>　</a:t>
+                      </a:r>
+                      <a:endParaRPr lang="zh-CN" altLang="en-US" sz="600" b="0" i="0" u="none" strike="noStrike">
+                        <a:solidFill>
+                          <a:srgbClr val="000000"/>
+                        </a:solidFill>
+                        <a:effectLst/>
+                        <a:latin typeface="宋体" panose="02010600030101010101" pitchFamily="2" charset="-122"/>
+                        <a:ea typeface="宋体" panose="02010600030101010101" pitchFamily="2" charset="-122"/>
+                      </a:endParaRPr>
+                    </a:p>
+                  </a:txBody>
+                  <a:tcPr marL="4156" marR="4156" marT="4156" marB="0" anchor="ctr"/>
                 </a:tc>
                 <a:extLst>
                   <a:ext uri="{0D108BD9-81ED-4DB2-BD59-A6C34878D82A}">
-                    <a16:rowId xmlns:a16="http://schemas.microsoft.com/office/drawing/2014/main" val="127085699"/>
+                    <a16:rowId xmlns:a16="http://schemas.microsoft.com/office/drawing/2014/main" val="2582243736"/>
                   </a:ext>
                 </a:extLst>
               </a:tr>
-              <a:tr h="321263">
+              <a:tr h="265176">
                 <a:tc vMerge="1">
                   <a:txBody>
                     <a:bodyPr/>
@@ -34672,60 +35252,164 @@
                     <a:bodyPr/>
                     <a:lstStyle/>
                     <a:p>
-                      <a:pPr algn="ctr">
-                        <a:spcAft>
-                          <a:spcPts val="0"/>
-                        </a:spcAft>
-                      </a:pPr>
+                      <a:pPr algn="ctr" fontAlgn="ctr"/>
                       <a:r>
-                        <a:rPr lang="zh-CN" sz="700" kern="0">
+                        <a:rPr lang="zh-CN" altLang="en-US" sz="600" u="none" strike="noStrike">
                           <a:effectLst/>
                         </a:rPr>
-                        <a:t>点击我已阅读了解并同意《用户服务协议》的复选框</a:t>
+                        <a:t>点击我已阅读了解并同意</a:t>
                       </a:r>
-                      <a:endParaRPr lang="zh-CN" sz="700" kern="100">
+                      <a:r>
+                        <a:rPr lang="en-US" altLang="zh-CN" sz="600" u="none" strike="noStrike">
+                          <a:effectLst/>
+                        </a:rPr>
+                        <a:t>《</a:t>
+                      </a:r>
+                      <a:r>
+                        <a:rPr lang="zh-CN" altLang="en-US" sz="600" u="none" strike="noStrike">
+                          <a:effectLst/>
+                        </a:rPr>
+                        <a:t>用户服务协议</a:t>
+                      </a:r>
+                      <a:r>
+                        <a:rPr lang="en-US" altLang="zh-CN" sz="600" u="none" strike="noStrike">
+                          <a:effectLst/>
+                        </a:rPr>
+                        <a:t>》</a:t>
+                      </a:r>
+                      <a:r>
+                        <a:rPr lang="zh-CN" altLang="en-US" sz="600" u="none" strike="noStrike">
+                          <a:effectLst/>
+                        </a:rPr>
+                        <a:t>的复选框</a:t>
+                      </a:r>
+                      <a:endParaRPr lang="zh-CN" altLang="en-US" sz="600" b="0" i="0" u="none" strike="noStrike">
+                        <a:solidFill>
+                          <a:srgbClr val="000000"/>
+                        </a:solidFill>
                         <a:effectLst/>
-                        <a:latin typeface="等线" panose="02010600030101010101" pitchFamily="2" charset="-122"/>
-                        <a:ea typeface="等线" panose="02010600030101010101" pitchFamily="2" charset="-122"/>
-                        <a:cs typeface="Times New Roman" panose="02020603050405020304" pitchFamily="18" charset="0"/>
+                        <a:latin typeface="宋体" panose="02010600030101010101" pitchFamily="2" charset="-122"/>
+                        <a:ea typeface="宋体" panose="02010600030101010101" pitchFamily="2" charset="-122"/>
                       </a:endParaRPr>
                     </a:p>
                   </a:txBody>
-                  <a:tcPr marL="45310" marR="45310" marT="0" marB="0" anchor="ctr"/>
+                  <a:tcPr marL="4156" marR="4156" marT="4156" marB="0" anchor="ctr"/>
                 </a:tc>
                 <a:tc>
                   <a:txBody>
                     <a:bodyPr/>
                     <a:lstStyle/>
                     <a:p>
-                      <a:pPr algn="ctr">
-                        <a:spcAft>
-                          <a:spcPts val="0"/>
-                        </a:spcAft>
-                      </a:pPr>
+                      <a:pPr algn="ctr" fontAlgn="ctr"/>
                       <a:r>
-                        <a:rPr lang="zh-CN" sz="700" kern="0">
+                        <a:rPr lang="zh-CN" altLang="en-US" sz="600" u="none" strike="noStrike">
                           <a:effectLst/>
                         </a:rPr>
-                        <a:t>同意《用户服务协议》</a:t>
+                        <a:t>同意</a:t>
                       </a:r>
-                      <a:endParaRPr lang="zh-CN" sz="700" kern="100">
+                      <a:r>
+                        <a:rPr lang="en-US" altLang="zh-CN" sz="600" u="none" strike="noStrike">
+                          <a:effectLst/>
+                        </a:rPr>
+                        <a:t>《</a:t>
+                      </a:r>
+                      <a:r>
+                        <a:rPr lang="zh-CN" altLang="en-US" sz="600" u="none" strike="noStrike">
+                          <a:effectLst/>
+                        </a:rPr>
+                        <a:t>用户服务协议</a:t>
+                      </a:r>
+                      <a:r>
+                        <a:rPr lang="en-US" altLang="zh-CN" sz="600" u="none" strike="noStrike">
+                          <a:effectLst/>
+                        </a:rPr>
+                        <a:t>》</a:t>
+                      </a:r>
+                      <a:endParaRPr lang="en-US" altLang="zh-CN" sz="600" b="0" i="0" u="none" strike="noStrike">
+                        <a:solidFill>
+                          <a:srgbClr val="000000"/>
+                        </a:solidFill>
                         <a:effectLst/>
-                        <a:latin typeface="等线" panose="02010600030101010101" pitchFamily="2" charset="-122"/>
-                        <a:ea typeface="等线" panose="02010600030101010101" pitchFamily="2" charset="-122"/>
-                        <a:cs typeface="Times New Roman" panose="02020603050405020304" pitchFamily="18" charset="0"/>
+                        <a:latin typeface="宋体" panose="02010600030101010101" pitchFamily="2" charset="-122"/>
+                        <a:ea typeface="宋体" panose="02010600030101010101" pitchFamily="2" charset="-122"/>
                       </a:endParaRPr>
                     </a:p>
                   </a:txBody>
-                  <a:tcPr marL="45310" marR="45310" marT="0" marB="0" anchor="ctr"/>
+                  <a:tcPr marL="4156" marR="4156" marT="4156" marB="0" anchor="ctr"/>
+                </a:tc>
+                <a:tc>
+                  <a:txBody>
+                    <a:bodyPr/>
+                    <a:lstStyle/>
+                    <a:p>
+                      <a:pPr algn="ctr" fontAlgn="ctr"/>
+                      <a:r>
+                        <a:rPr lang="zh-CN" altLang="en-US" sz="600" u="none" strike="noStrike">
+                          <a:effectLst/>
+                        </a:rPr>
+                        <a:t>复选框可点击，且可正常查看</a:t>
+                      </a:r>
+                      <a:r>
+                        <a:rPr lang="en-US" altLang="zh-CN" sz="600" u="none" strike="noStrike">
+                          <a:effectLst/>
+                        </a:rPr>
+                        <a:t>《</a:t>
+                      </a:r>
+                      <a:r>
+                        <a:rPr lang="zh-CN" altLang="en-US" sz="600" u="none" strike="noStrike">
+                          <a:effectLst/>
+                        </a:rPr>
+                        <a:t>用户服务协议</a:t>
+                      </a:r>
+                      <a:r>
+                        <a:rPr lang="en-US" altLang="zh-CN" sz="600" u="none" strike="noStrike">
+                          <a:effectLst/>
+                        </a:rPr>
+                        <a:t>》</a:t>
+                      </a:r>
+                      <a:endParaRPr lang="en-US" altLang="zh-CN" sz="600" b="0" i="0" u="none" strike="noStrike">
+                        <a:solidFill>
+                          <a:srgbClr val="000000"/>
+                        </a:solidFill>
+                        <a:effectLst/>
+                        <a:latin typeface="宋体" panose="02010600030101010101" pitchFamily="2" charset="-122"/>
+                        <a:ea typeface="宋体" panose="02010600030101010101" pitchFamily="2" charset="-122"/>
+                      </a:endParaRPr>
+                    </a:p>
+                  </a:txBody>
+                  <a:tcPr marL="4156" marR="4156" marT="4156" marB="0" anchor="ctr"/>
+                </a:tc>
+                <a:tc>
+                  <a:txBody>
+                    <a:bodyPr/>
+                    <a:lstStyle/>
+                    <a:p>
+                      <a:pPr algn="l" fontAlgn="ctr"/>
+                      <a:r>
+                        <a:rPr lang="zh-CN" altLang="en-US" sz="600" u="none" strike="noStrike">
+                          <a:effectLst/>
+                        </a:rPr>
+                        <a:t>　</a:t>
+                      </a:r>
+                      <a:endParaRPr lang="zh-CN" altLang="en-US" sz="600" b="0" i="0" u="none" strike="noStrike">
+                        <a:solidFill>
+                          <a:srgbClr val="000000"/>
+                        </a:solidFill>
+                        <a:effectLst/>
+                        <a:latin typeface="宋体" panose="02010600030101010101" pitchFamily="2" charset="-122"/>
+                        <a:ea typeface="宋体" panose="02010600030101010101" pitchFamily="2" charset="-122"/>
+                      </a:endParaRPr>
+                    </a:p>
+                  </a:txBody>
+                  <a:tcPr marL="4156" marR="4156" marT="4156" marB="0" anchor="ctr"/>
                 </a:tc>
                 <a:extLst>
                   <a:ext uri="{0D108BD9-81ED-4DB2-BD59-A6C34878D82A}">
-                    <a16:rowId xmlns:a16="http://schemas.microsoft.com/office/drawing/2014/main" val="439920682"/>
+                    <a16:rowId xmlns:a16="http://schemas.microsoft.com/office/drawing/2014/main" val="2929030892"/>
                   </a:ext>
                 </a:extLst>
               </a:tr>
-              <a:tr h="321263">
+              <a:tr h="370191">
                 <a:tc vMerge="1">
                   <a:txBody>
                     <a:bodyPr/>
@@ -34741,82 +35425,124 @@
                     <a:bodyPr/>
                     <a:lstStyle/>
                     <a:p>
-                      <a:pPr algn="l">
-                        <a:spcAft>
-                          <a:spcPts val="0"/>
-                        </a:spcAft>
-                      </a:pPr>
+                      <a:pPr algn="l" fontAlgn="ctr"/>
                       <a:r>
-                        <a:rPr lang="zh-CN" sz="700" kern="0">
+                        <a:rPr lang="zh-CN" altLang="en-US" sz="600" u="none" strike="noStrike">
                           <a:effectLst/>
                         </a:rPr>
                         <a:t>注册功能</a:t>
                       </a:r>
-                      <a:endParaRPr lang="zh-CN" sz="700" kern="100">
+                      <a:endParaRPr lang="zh-CN" altLang="en-US" sz="600" b="0" i="0" u="none" strike="noStrike">
+                        <a:solidFill>
+                          <a:srgbClr val="000000"/>
+                        </a:solidFill>
                         <a:effectLst/>
-                        <a:latin typeface="等线" panose="02010600030101010101" pitchFamily="2" charset="-122"/>
-                        <a:ea typeface="等线" panose="02010600030101010101" pitchFamily="2" charset="-122"/>
-                        <a:cs typeface="Times New Roman" panose="02020603050405020304" pitchFamily="18" charset="0"/>
+                        <a:latin typeface="宋体" panose="02010600030101010101" pitchFamily="2" charset="-122"/>
+                        <a:ea typeface="宋体" panose="02010600030101010101" pitchFamily="2" charset="-122"/>
                       </a:endParaRPr>
                     </a:p>
                   </a:txBody>
-                  <a:tcPr marL="45310" marR="45310" marT="0" marB="0" anchor="ctr"/>
+                  <a:tcPr marL="4156" marR="4156" marT="4156" marB="0" anchor="ctr"/>
                 </a:tc>
                 <a:tc>
                   <a:txBody>
                     <a:bodyPr/>
                     <a:lstStyle/>
                     <a:p>
-                      <a:pPr algn="ctr">
-                        <a:spcAft>
-                          <a:spcPts val="0"/>
-                        </a:spcAft>
-                      </a:pPr>
+                      <a:pPr algn="ctr" fontAlgn="ctr"/>
                       <a:r>
-                        <a:rPr lang="zh-CN" sz="700" kern="0">
+                        <a:rPr lang="zh-CN" altLang="en-US" sz="600" u="none" strike="noStrike">
                           <a:effectLst/>
                         </a:rPr>
                         <a:t>点击“注册”按钮</a:t>
                       </a:r>
-                      <a:endParaRPr lang="zh-CN" sz="700" kern="100">
+                      <a:endParaRPr lang="zh-CN" altLang="en-US" sz="600" b="0" i="0" u="none" strike="noStrike">
+                        <a:solidFill>
+                          <a:srgbClr val="000000"/>
+                        </a:solidFill>
                         <a:effectLst/>
-                        <a:latin typeface="等线" panose="02010600030101010101" pitchFamily="2" charset="-122"/>
-                        <a:ea typeface="等线" panose="02010600030101010101" pitchFamily="2" charset="-122"/>
-                        <a:cs typeface="Times New Roman" panose="02020603050405020304" pitchFamily="18" charset="0"/>
+                        <a:latin typeface="宋体" panose="02010600030101010101" pitchFamily="2" charset="-122"/>
+                        <a:ea typeface="宋体" panose="02010600030101010101" pitchFamily="2" charset="-122"/>
                       </a:endParaRPr>
                     </a:p>
                   </a:txBody>
-                  <a:tcPr marL="45310" marR="45310" marT="0" marB="0" anchor="ctr"/>
+                  <a:tcPr marL="4156" marR="4156" marT="4156" marB="0" anchor="ctr"/>
                 </a:tc>
                 <a:tc>
                   <a:txBody>
                     <a:bodyPr/>
                     <a:lstStyle/>
                     <a:p>
-                      <a:pPr algn="ctr">
-                        <a:spcAft>
-                          <a:spcPts val="0"/>
-                        </a:spcAft>
-                      </a:pPr>
+                      <a:pPr algn="ctr" fontAlgn="ctr"/>
                       <a:r>
-                        <a:rPr lang="zh-CN" sz="700" kern="0" dirty="0">
+                        <a:rPr lang="zh-CN" altLang="en-US" sz="600" u="none" strike="noStrike">
                           <a:effectLst/>
                         </a:rPr>
                         <a:t>验证注册信息并返回结果</a:t>
                       </a:r>
-                      <a:endParaRPr lang="zh-CN" sz="700" kern="100" dirty="0">
+                      <a:endParaRPr lang="zh-CN" altLang="en-US" sz="600" b="0" i="0" u="none" strike="noStrike">
+                        <a:solidFill>
+                          <a:srgbClr val="000000"/>
+                        </a:solidFill>
                         <a:effectLst/>
-                        <a:latin typeface="等线" panose="02010600030101010101" pitchFamily="2" charset="-122"/>
-                        <a:ea typeface="等线" panose="02010600030101010101" pitchFamily="2" charset="-122"/>
-                        <a:cs typeface="Times New Roman" panose="02020603050405020304" pitchFamily="18" charset="0"/>
+                        <a:latin typeface="宋体" panose="02010600030101010101" pitchFamily="2" charset="-122"/>
+                        <a:ea typeface="宋体" panose="02010600030101010101" pitchFamily="2" charset="-122"/>
                       </a:endParaRPr>
                     </a:p>
                   </a:txBody>
-                  <a:tcPr marL="45310" marR="45310" marT="0" marB="0" anchor="ctr"/>
+                  <a:tcPr marL="4156" marR="4156" marT="4156" marB="0" anchor="ctr"/>
+                </a:tc>
+                <a:tc>
+                  <a:txBody>
+                    <a:bodyPr/>
+                    <a:lstStyle/>
+                    <a:p>
+                      <a:pPr algn="ctr" fontAlgn="ctr"/>
+                      <a:r>
+                        <a:rPr lang="zh-CN" altLang="en-US" sz="600" u="none" strike="noStrike">
+                          <a:effectLst/>
+                        </a:rPr>
+                        <a:t>验证注册信息是否合法，若合法则显示注册成功，反之则注册失败</a:t>
+                      </a:r>
+                      <a:endParaRPr lang="zh-CN" altLang="en-US" sz="600" b="0" i="0" u="none" strike="noStrike">
+                        <a:solidFill>
+                          <a:srgbClr val="000000"/>
+                        </a:solidFill>
+                        <a:effectLst/>
+                        <a:latin typeface="宋体" panose="02010600030101010101" pitchFamily="2" charset="-122"/>
+                        <a:ea typeface="宋体" panose="02010600030101010101" pitchFamily="2" charset="-122"/>
+                      </a:endParaRPr>
+                    </a:p>
+                  </a:txBody>
+                  <a:tcPr marL="4156" marR="4156" marT="4156" marB="0" anchor="ctr"/>
+                </a:tc>
+                <a:tc>
+                  <a:txBody>
+                    <a:bodyPr/>
+                    <a:lstStyle/>
+                    <a:p>
+                      <a:pPr algn="l" fontAlgn="ctr"/>
+                      <a:r>
+                        <a:rPr lang="zh-CN" altLang="en-US" sz="600" u="none" strike="noStrike" dirty="0">
+                          <a:effectLst/>
+                        </a:rPr>
+                        <a:t>　</a:t>
+                      </a:r>
+                      <a:endParaRPr lang="zh-CN" altLang="en-US" sz="600" b="0" i="0" u="none" strike="noStrike" dirty="0">
+                        <a:solidFill>
+                          <a:srgbClr val="000000"/>
+                        </a:solidFill>
+                        <a:effectLst/>
+                        <a:latin typeface="宋体" panose="02010600030101010101" pitchFamily="2" charset="-122"/>
+                        <a:ea typeface="宋体" panose="02010600030101010101" pitchFamily="2" charset="-122"/>
+                      </a:endParaRPr>
+                    </a:p>
+                  </a:txBody>
+                  <a:tcPr marL="4156" marR="4156" marT="4156" marB="0" anchor="ctr"/>
                 </a:tc>
                 <a:extLst>
                   <a:ext uri="{0D108BD9-81ED-4DB2-BD59-A6C34878D82A}">
-                    <a16:rowId xmlns:a16="http://schemas.microsoft.com/office/drawing/2014/main" val="2196269703"/>
+                    <a16:rowId xmlns:a16="http://schemas.microsoft.com/office/drawing/2014/main" val="3455294970"/>
                   </a:ext>
                 </a:extLst>
               </a:tr>
@@ -34827,7 +35553,7 @@
     </p:spTree>
     <p:extLst>
       <p:ext uri="{BB962C8B-B14F-4D97-AF65-F5344CB8AC3E}">
-        <p14:creationId xmlns:p14="http://schemas.microsoft.com/office/powerpoint/2010/main" val="3114152858"/>
+        <p14:creationId xmlns:p14="http://schemas.microsoft.com/office/powerpoint/2010/main" val="91596128"/>
       </p:ext>
     </p:extLst>
   </p:cSld>
@@ -34917,6 +35643,241 @@
       </p:sp>
       <p:sp>
         <p:nvSpPr>
+          <p:cNvPr id="24579" name="文本框 20"/>
+          <p:cNvSpPr txBox="1">
+            <a:spLocks noChangeArrowheads="1"/>
+          </p:cNvSpPr>
+          <p:nvPr/>
+        </p:nvSpPr>
+        <p:spPr bwMode="auto">
+          <a:xfrm>
+            <a:off x="260382" y="230633"/>
+            <a:ext cx="2191626" cy="400110"/>
+          </a:xfrm>
+          <a:prstGeom prst="rect">
+            <a:avLst/>
+          </a:prstGeom>
+          <a:noFill/>
+          <a:ln>
+            <a:noFill/>
+          </a:ln>
+          <a:extLst>
+            <a:ext uri="{909E8E84-426E-40DD-AFC4-6F175D3DCCD1}">
+              <a14:hiddenFill xmlns:a14="http://schemas.microsoft.com/office/drawing/2010/main">
+                <a:solidFill>
+                  <a:srgbClr val="FFFFFF"/>
+                </a:solidFill>
+              </a14:hiddenFill>
+            </a:ext>
+            <a:ext uri="{91240B29-F687-4F45-9708-019B960494DF}">
+              <a14:hiddenLine xmlns:a14="http://schemas.microsoft.com/office/drawing/2010/main" w="9525">
+                <a:solidFill>
+                  <a:srgbClr val="000000"/>
+                </a:solidFill>
+                <a:miter lim="800000"/>
+                <a:headEnd/>
+                <a:tailEnd/>
+              </a14:hiddenLine>
+            </a:ext>
+          </a:extLst>
+        </p:spPr>
+        <p:txBody>
+          <a:bodyPr wrap="none">
+            <a:spAutoFit/>
+          </a:bodyPr>
+          <a:lstStyle>
+            <a:lvl1pPr>
+              <a:lnSpc>
+                <a:spcPct val="90000"/>
+              </a:lnSpc>
+              <a:spcBef>
+                <a:spcPts val="750"/>
+              </a:spcBef>
+              <a:buChar char="•"/>
+              <a:defRPr sz="2100">
+                <a:solidFill>
+                  <a:schemeClr val="tx1"/>
+                </a:solidFill>
+                <a:latin typeface="方正兰亭黑_GBK" pitchFamily="2" charset="-122"/>
+                <a:ea typeface="方正兰亭黑_GBK" pitchFamily="2" charset="-122"/>
+              </a:defRPr>
+            </a:lvl1pPr>
+            <a:lvl2pPr marL="742950" indent="-285750">
+              <a:lnSpc>
+                <a:spcPct val="90000"/>
+              </a:lnSpc>
+              <a:spcBef>
+                <a:spcPts val="375"/>
+              </a:spcBef>
+              <a:buChar char="•"/>
+              <a:defRPr>
+                <a:solidFill>
+                  <a:schemeClr val="tx1"/>
+                </a:solidFill>
+                <a:latin typeface="方正兰亭黑_GBK" pitchFamily="2" charset="-122"/>
+                <a:ea typeface="方正兰亭黑_GBK" pitchFamily="2" charset="-122"/>
+              </a:defRPr>
+            </a:lvl2pPr>
+            <a:lvl3pPr marL="1143000" indent="-228600">
+              <a:lnSpc>
+                <a:spcPct val="90000"/>
+              </a:lnSpc>
+              <a:spcBef>
+                <a:spcPts val="375"/>
+              </a:spcBef>
+              <a:buChar char="•"/>
+              <a:defRPr sz="1500">
+                <a:solidFill>
+                  <a:schemeClr val="tx1"/>
+                </a:solidFill>
+                <a:latin typeface="方正兰亭黑_GBK" pitchFamily="2" charset="-122"/>
+                <a:ea typeface="方正兰亭黑_GBK" pitchFamily="2" charset="-122"/>
+              </a:defRPr>
+            </a:lvl3pPr>
+            <a:lvl4pPr marL="1600200" indent="-228600">
+              <a:lnSpc>
+                <a:spcPct val="90000"/>
+              </a:lnSpc>
+              <a:spcBef>
+                <a:spcPts val="375"/>
+              </a:spcBef>
+              <a:buChar char="•"/>
+              <a:defRPr sz="1300">
+                <a:solidFill>
+                  <a:schemeClr val="tx1"/>
+                </a:solidFill>
+                <a:latin typeface="方正兰亭黑_GBK" pitchFamily="2" charset="-122"/>
+                <a:ea typeface="方正兰亭黑_GBK" pitchFamily="2" charset="-122"/>
+              </a:defRPr>
+            </a:lvl4pPr>
+            <a:lvl5pPr marL="2057400" indent="-228600">
+              <a:lnSpc>
+                <a:spcPct val="90000"/>
+              </a:lnSpc>
+              <a:spcBef>
+                <a:spcPts val="375"/>
+              </a:spcBef>
+              <a:buChar char="•"/>
+              <a:defRPr sz="1300">
+                <a:solidFill>
+                  <a:schemeClr val="tx1"/>
+                </a:solidFill>
+                <a:latin typeface="方正兰亭黑_GBK" pitchFamily="2" charset="-122"/>
+                <a:ea typeface="方正兰亭黑_GBK" pitchFamily="2" charset="-122"/>
+              </a:defRPr>
+            </a:lvl5pPr>
+            <a:lvl6pPr marL="2514600" indent="-228600" eaLnBrk="0" fontAlgn="base" hangingPunct="0">
+              <a:lnSpc>
+                <a:spcPct val="90000"/>
+              </a:lnSpc>
+              <a:spcBef>
+                <a:spcPts val="375"/>
+              </a:spcBef>
+              <a:spcAft>
+                <a:spcPct val="0"/>
+              </a:spcAft>
+              <a:buFont typeface="Arial" panose="020B0604020202020204" pitchFamily="34" charset="0"/>
+              <a:buChar char="•"/>
+              <a:defRPr sz="1300">
+                <a:solidFill>
+                  <a:schemeClr val="tx1"/>
+                </a:solidFill>
+                <a:latin typeface="方正兰亭黑_GBK" pitchFamily="2" charset="-122"/>
+                <a:ea typeface="方正兰亭黑_GBK" pitchFamily="2" charset="-122"/>
+              </a:defRPr>
+            </a:lvl6pPr>
+            <a:lvl7pPr marL="2971800" indent="-228600" eaLnBrk="0" fontAlgn="base" hangingPunct="0">
+              <a:lnSpc>
+                <a:spcPct val="90000"/>
+              </a:lnSpc>
+              <a:spcBef>
+                <a:spcPts val="375"/>
+              </a:spcBef>
+              <a:spcAft>
+                <a:spcPct val="0"/>
+              </a:spcAft>
+              <a:buFont typeface="Arial" panose="020B0604020202020204" pitchFamily="34" charset="0"/>
+              <a:buChar char="•"/>
+              <a:defRPr sz="1300">
+                <a:solidFill>
+                  <a:schemeClr val="tx1"/>
+                </a:solidFill>
+                <a:latin typeface="方正兰亭黑_GBK" pitchFamily="2" charset="-122"/>
+                <a:ea typeface="方正兰亭黑_GBK" pitchFamily="2" charset="-122"/>
+              </a:defRPr>
+            </a:lvl7pPr>
+            <a:lvl8pPr marL="3429000" indent="-228600" eaLnBrk="0" fontAlgn="base" hangingPunct="0">
+              <a:lnSpc>
+                <a:spcPct val="90000"/>
+              </a:lnSpc>
+              <a:spcBef>
+                <a:spcPts val="375"/>
+              </a:spcBef>
+              <a:spcAft>
+                <a:spcPct val="0"/>
+              </a:spcAft>
+              <a:buFont typeface="Arial" panose="020B0604020202020204" pitchFamily="34" charset="0"/>
+              <a:buChar char="•"/>
+              <a:defRPr sz="1300">
+                <a:solidFill>
+                  <a:schemeClr val="tx1"/>
+                </a:solidFill>
+                <a:latin typeface="方正兰亭黑_GBK" pitchFamily="2" charset="-122"/>
+                <a:ea typeface="方正兰亭黑_GBK" pitchFamily="2" charset="-122"/>
+              </a:defRPr>
+            </a:lvl8pPr>
+            <a:lvl9pPr marL="3886200" indent="-228600" eaLnBrk="0" fontAlgn="base" hangingPunct="0">
+              <a:lnSpc>
+                <a:spcPct val="90000"/>
+              </a:lnSpc>
+              <a:spcBef>
+                <a:spcPts val="375"/>
+              </a:spcBef>
+              <a:spcAft>
+                <a:spcPct val="0"/>
+              </a:spcAft>
+              <a:buFont typeface="Arial" panose="020B0604020202020204" pitchFamily="34" charset="0"/>
+              <a:buChar char="•"/>
+              <a:defRPr sz="1300">
+                <a:solidFill>
+                  <a:schemeClr val="tx1"/>
+                </a:solidFill>
+                <a:latin typeface="方正兰亭黑_GBK" pitchFamily="2" charset="-122"/>
+                <a:ea typeface="方正兰亭黑_GBK" pitchFamily="2" charset="-122"/>
+              </a:defRPr>
+            </a:lvl9pPr>
+          </a:lstStyle>
+          <a:p>
+            <a:pPr defTabSz="914400" eaLnBrk="1" hangingPunct="1">
+              <a:lnSpc>
+                <a:spcPct val="100000"/>
+              </a:lnSpc>
+              <a:spcBef>
+                <a:spcPct val="0"/>
+              </a:spcBef>
+              <a:buNone/>
+            </a:pPr>
+            <a:r>
+              <a:rPr lang="en-US" altLang="zh-CN" sz="2000" b="1" dirty="0">
+                <a:solidFill>
+                  <a:schemeClr val="bg1"/>
+                </a:solidFill>
+              </a:rPr>
+              <a:t>4.1 </a:t>
+            </a:r>
+            <a:r>
+              <a:rPr lang="zh-CN" altLang="en-US" sz="2000" b="1" dirty="0">
+                <a:solidFill>
+                  <a:schemeClr val="bg1"/>
+                </a:solidFill>
+              </a:rPr>
+              <a:t>验证验收标准</a:t>
+            </a:r>
+          </a:p>
+        </p:txBody>
+      </p:sp>
+      <p:sp>
+        <p:nvSpPr>
           <p:cNvPr id="24600" name="矩形 3"/>
           <p:cNvSpPr>
             <a:spLocks noChangeArrowheads="1"/>
@@ -35041,253 +36002,12 @@
           </a:p>
         </p:txBody>
       </p:sp>
-      <p:sp>
-        <p:nvSpPr>
-          <p:cNvPr id="6" name="文本框 20">
+      <p:graphicFrame>
+        <p:nvGraphicFramePr>
+          <p:cNvPr id="2" name="表格 1">
             <a:extLst>
               <a:ext uri="{FF2B5EF4-FFF2-40B4-BE49-F238E27FC236}">
-                <a16:creationId xmlns:a16="http://schemas.microsoft.com/office/drawing/2014/main" id="{995BA654-31BD-448B-A1D4-5F51E2A14DC1}"/>
-              </a:ext>
-            </a:extLst>
-          </p:cNvPr>
-          <p:cNvSpPr txBox="1">
-            <a:spLocks noChangeArrowheads="1"/>
-          </p:cNvSpPr>
-          <p:nvPr/>
-        </p:nvSpPr>
-        <p:spPr bwMode="auto">
-          <a:xfrm>
-            <a:off x="260382" y="230633"/>
-            <a:ext cx="2191626" cy="400110"/>
-          </a:xfrm>
-          <a:prstGeom prst="rect">
-            <a:avLst/>
-          </a:prstGeom>
-          <a:noFill/>
-          <a:ln>
-            <a:noFill/>
-          </a:ln>
-          <a:extLst>
-            <a:ext uri="{909E8E84-426E-40DD-AFC4-6F175D3DCCD1}">
-              <a14:hiddenFill xmlns:a14="http://schemas.microsoft.com/office/drawing/2010/main">
-                <a:solidFill>
-                  <a:srgbClr val="FFFFFF"/>
-                </a:solidFill>
-              </a14:hiddenFill>
-            </a:ext>
-            <a:ext uri="{91240B29-F687-4F45-9708-019B960494DF}">
-              <a14:hiddenLine xmlns:a14="http://schemas.microsoft.com/office/drawing/2010/main" w="9525">
-                <a:solidFill>
-                  <a:srgbClr val="000000"/>
-                </a:solidFill>
-                <a:miter lim="800000"/>
-                <a:headEnd/>
-                <a:tailEnd/>
-              </a14:hiddenLine>
-            </a:ext>
-          </a:extLst>
-        </p:spPr>
-        <p:txBody>
-          <a:bodyPr wrap="none">
-            <a:spAutoFit/>
-          </a:bodyPr>
-          <a:lstStyle>
-            <a:lvl1pPr>
-              <a:lnSpc>
-                <a:spcPct val="90000"/>
-              </a:lnSpc>
-              <a:spcBef>
-                <a:spcPts val="750"/>
-              </a:spcBef>
-              <a:buChar char="•"/>
-              <a:defRPr sz="2100">
-                <a:solidFill>
-                  <a:schemeClr val="tx1"/>
-                </a:solidFill>
-                <a:latin typeface="方正兰亭黑_GBK" pitchFamily="2" charset="-122"/>
-                <a:ea typeface="方正兰亭黑_GBK" pitchFamily="2" charset="-122"/>
-              </a:defRPr>
-            </a:lvl1pPr>
-            <a:lvl2pPr marL="742950" indent="-285750">
-              <a:lnSpc>
-                <a:spcPct val="90000"/>
-              </a:lnSpc>
-              <a:spcBef>
-                <a:spcPts val="375"/>
-              </a:spcBef>
-              <a:buChar char="•"/>
-              <a:defRPr>
-                <a:solidFill>
-                  <a:schemeClr val="tx1"/>
-                </a:solidFill>
-                <a:latin typeface="方正兰亭黑_GBK" pitchFamily="2" charset="-122"/>
-                <a:ea typeface="方正兰亭黑_GBK" pitchFamily="2" charset="-122"/>
-              </a:defRPr>
-            </a:lvl2pPr>
-            <a:lvl3pPr marL="1143000" indent="-228600">
-              <a:lnSpc>
-                <a:spcPct val="90000"/>
-              </a:lnSpc>
-              <a:spcBef>
-                <a:spcPts val="375"/>
-              </a:spcBef>
-              <a:buChar char="•"/>
-              <a:defRPr sz="1500">
-                <a:solidFill>
-                  <a:schemeClr val="tx1"/>
-                </a:solidFill>
-                <a:latin typeface="方正兰亭黑_GBK" pitchFamily="2" charset="-122"/>
-                <a:ea typeface="方正兰亭黑_GBK" pitchFamily="2" charset="-122"/>
-              </a:defRPr>
-            </a:lvl3pPr>
-            <a:lvl4pPr marL="1600200" indent="-228600">
-              <a:lnSpc>
-                <a:spcPct val="90000"/>
-              </a:lnSpc>
-              <a:spcBef>
-                <a:spcPts val="375"/>
-              </a:spcBef>
-              <a:buChar char="•"/>
-              <a:defRPr sz="1300">
-                <a:solidFill>
-                  <a:schemeClr val="tx1"/>
-                </a:solidFill>
-                <a:latin typeface="方正兰亭黑_GBK" pitchFamily="2" charset="-122"/>
-                <a:ea typeface="方正兰亭黑_GBK" pitchFamily="2" charset="-122"/>
-              </a:defRPr>
-            </a:lvl4pPr>
-            <a:lvl5pPr marL="2057400" indent="-228600">
-              <a:lnSpc>
-                <a:spcPct val="90000"/>
-              </a:lnSpc>
-              <a:spcBef>
-                <a:spcPts val="375"/>
-              </a:spcBef>
-              <a:buChar char="•"/>
-              <a:defRPr sz="1300">
-                <a:solidFill>
-                  <a:schemeClr val="tx1"/>
-                </a:solidFill>
-                <a:latin typeface="方正兰亭黑_GBK" pitchFamily="2" charset="-122"/>
-                <a:ea typeface="方正兰亭黑_GBK" pitchFamily="2" charset="-122"/>
-              </a:defRPr>
-            </a:lvl5pPr>
-            <a:lvl6pPr marL="2514600" indent="-228600" eaLnBrk="0" fontAlgn="base" hangingPunct="0">
-              <a:lnSpc>
-                <a:spcPct val="90000"/>
-              </a:lnSpc>
-              <a:spcBef>
-                <a:spcPts val="375"/>
-              </a:spcBef>
-              <a:spcAft>
-                <a:spcPct val="0"/>
-              </a:spcAft>
-              <a:buFont typeface="Arial" panose="020B0604020202020204" pitchFamily="34" charset="0"/>
-              <a:buChar char="•"/>
-              <a:defRPr sz="1300">
-                <a:solidFill>
-                  <a:schemeClr val="tx1"/>
-                </a:solidFill>
-                <a:latin typeface="方正兰亭黑_GBK" pitchFamily="2" charset="-122"/>
-                <a:ea typeface="方正兰亭黑_GBK" pitchFamily="2" charset="-122"/>
-              </a:defRPr>
-            </a:lvl6pPr>
-            <a:lvl7pPr marL="2971800" indent="-228600" eaLnBrk="0" fontAlgn="base" hangingPunct="0">
-              <a:lnSpc>
-                <a:spcPct val="90000"/>
-              </a:lnSpc>
-              <a:spcBef>
-                <a:spcPts val="375"/>
-              </a:spcBef>
-              <a:spcAft>
-                <a:spcPct val="0"/>
-              </a:spcAft>
-              <a:buFont typeface="Arial" panose="020B0604020202020204" pitchFamily="34" charset="0"/>
-              <a:buChar char="•"/>
-              <a:defRPr sz="1300">
-                <a:solidFill>
-                  <a:schemeClr val="tx1"/>
-                </a:solidFill>
-                <a:latin typeface="方正兰亭黑_GBK" pitchFamily="2" charset="-122"/>
-                <a:ea typeface="方正兰亭黑_GBK" pitchFamily="2" charset="-122"/>
-              </a:defRPr>
-            </a:lvl7pPr>
-            <a:lvl8pPr marL="3429000" indent="-228600" eaLnBrk="0" fontAlgn="base" hangingPunct="0">
-              <a:lnSpc>
-                <a:spcPct val="90000"/>
-              </a:lnSpc>
-              <a:spcBef>
-                <a:spcPts val="375"/>
-              </a:spcBef>
-              <a:spcAft>
-                <a:spcPct val="0"/>
-              </a:spcAft>
-              <a:buFont typeface="Arial" panose="020B0604020202020204" pitchFamily="34" charset="0"/>
-              <a:buChar char="•"/>
-              <a:defRPr sz="1300">
-                <a:solidFill>
-                  <a:schemeClr val="tx1"/>
-                </a:solidFill>
-                <a:latin typeface="方正兰亭黑_GBK" pitchFamily="2" charset="-122"/>
-                <a:ea typeface="方正兰亭黑_GBK" pitchFamily="2" charset="-122"/>
-              </a:defRPr>
-            </a:lvl8pPr>
-            <a:lvl9pPr marL="3886200" indent="-228600" eaLnBrk="0" fontAlgn="base" hangingPunct="0">
-              <a:lnSpc>
-                <a:spcPct val="90000"/>
-              </a:lnSpc>
-              <a:spcBef>
-                <a:spcPts val="375"/>
-              </a:spcBef>
-              <a:spcAft>
-                <a:spcPct val="0"/>
-              </a:spcAft>
-              <a:buFont typeface="Arial" panose="020B0604020202020204" pitchFamily="34" charset="0"/>
-              <a:buChar char="•"/>
-              <a:defRPr sz="1300">
-                <a:solidFill>
-                  <a:schemeClr val="tx1"/>
-                </a:solidFill>
-                <a:latin typeface="方正兰亭黑_GBK" pitchFamily="2" charset="-122"/>
-                <a:ea typeface="方正兰亭黑_GBK" pitchFamily="2" charset="-122"/>
-              </a:defRPr>
-            </a:lvl9pPr>
-          </a:lstStyle>
-          <a:p>
-            <a:pPr defTabSz="914400" eaLnBrk="1" hangingPunct="1">
-              <a:lnSpc>
-                <a:spcPct val="100000"/>
-              </a:lnSpc>
-              <a:spcBef>
-                <a:spcPct val="0"/>
-              </a:spcBef>
-              <a:buNone/>
-            </a:pPr>
-            <a:r>
-              <a:rPr lang="en-US" altLang="zh-CN" sz="2000" b="1" dirty="0">
-                <a:solidFill>
-                  <a:schemeClr val="bg1"/>
-                </a:solidFill>
-              </a:rPr>
-              <a:t>4.1 </a:t>
-            </a:r>
-            <a:r>
-              <a:rPr lang="zh-CN" altLang="en-US" sz="2000" b="1" dirty="0">
-                <a:solidFill>
-                  <a:schemeClr val="bg1"/>
-                </a:solidFill>
-              </a:rPr>
-              <a:t>验证验收标准</a:t>
-            </a:r>
-          </a:p>
-        </p:txBody>
-      </p:sp>
-      <p:graphicFrame>
-        <p:nvGraphicFramePr>
-          <p:cNvPr id="3" name="表格 2">
-            <a:extLst>
-              <a:ext uri="{FF2B5EF4-FFF2-40B4-BE49-F238E27FC236}">
-                <a16:creationId xmlns:a16="http://schemas.microsoft.com/office/drawing/2014/main" id="{8F46F2E9-BE04-463A-8E37-2597CEF5BCF8}"/>
+                <a16:creationId xmlns:a16="http://schemas.microsoft.com/office/drawing/2014/main" id="{0A7B4908-747A-4E8F-9126-21E8AF0A6140}"/>
               </a:ext>
             </a:extLst>
           </p:cNvPr>
@@ -35297,163 +36017,217 @@
           <p:nvPr>
             <p:extLst>
               <p:ext uri="{D42A27DB-BD31-4B8C-83A1-F6EECF244321}">
-                <p14:modId xmlns:p14="http://schemas.microsoft.com/office/powerpoint/2010/main" val="181674879"/>
+                <p14:modId xmlns:p14="http://schemas.microsoft.com/office/powerpoint/2010/main" val="901115649"/>
               </p:ext>
             </p:extLst>
           </p:nvPr>
         </p:nvGraphicFramePr>
         <p:xfrm>
           <a:off x="0" y="806450"/>
-          <a:ext cx="9144001" cy="4337054"/>
+          <a:ext cx="9144000" cy="4337049"/>
         </p:xfrm>
         <a:graphic>
           <a:graphicData uri="http://schemas.openxmlformats.org/drawingml/2006/table">
             <a:tbl>
-              <a:tblPr firstRow="1" firstCol="1" bandRow="1">
+              <a:tblPr>
                 <a:tableStyleId>{5C22544A-7EE6-4342-B048-85BDC9FD1C3A}</a:tableStyleId>
               </a:tblPr>
               <a:tblGrid>
-                <a:gridCol w="2290813">
+                <a:gridCol w="1858808">
                   <a:extLst>
                     <a:ext uri="{9D8B030D-6E8A-4147-A177-3AD203B41FA5}">
-                      <a16:colId xmlns:a16="http://schemas.microsoft.com/office/drawing/2014/main" val="4205368900"/>
+                      <a16:colId xmlns:a16="http://schemas.microsoft.com/office/drawing/2014/main" val="647580270"/>
                     </a:ext>
                   </a:extLst>
                 </a:gridCol>
-                <a:gridCol w="2271562">
+                <a:gridCol w="1758781">
                   <a:extLst>
                     <a:ext uri="{9D8B030D-6E8A-4147-A177-3AD203B41FA5}">
-                      <a16:colId xmlns:a16="http://schemas.microsoft.com/office/drawing/2014/main" val="717314136"/>
+                      <a16:colId xmlns:a16="http://schemas.microsoft.com/office/drawing/2014/main" val="1203420561"/>
                     </a:ext>
                   </a:extLst>
                 </a:gridCol>
-                <a:gridCol w="2290813">
+                <a:gridCol w="1858808">
                   <a:extLst>
                     <a:ext uri="{9D8B030D-6E8A-4147-A177-3AD203B41FA5}">
-                      <a16:colId xmlns:a16="http://schemas.microsoft.com/office/drawing/2014/main" val="1813128882"/>
+                      <a16:colId xmlns:a16="http://schemas.microsoft.com/office/drawing/2014/main" val="494836943"/>
                     </a:ext>
                   </a:extLst>
                 </a:gridCol>
-                <a:gridCol w="2290813">
+                <a:gridCol w="1858808">
                   <a:extLst>
                     <a:ext uri="{9D8B030D-6E8A-4147-A177-3AD203B41FA5}">
-                      <a16:colId xmlns:a16="http://schemas.microsoft.com/office/drawing/2014/main" val="2975838322"/>
+                      <a16:colId xmlns:a16="http://schemas.microsoft.com/office/drawing/2014/main" val="939102872"/>
+                    </a:ext>
+                  </a:extLst>
+                </a:gridCol>
+                <a:gridCol w="1442034">
+                  <a:extLst>
+                    <a:ext uri="{9D8B030D-6E8A-4147-A177-3AD203B41FA5}">
+                      <a16:colId xmlns:a16="http://schemas.microsoft.com/office/drawing/2014/main" val="327870163"/>
+                    </a:ext>
+                  </a:extLst>
+                </a:gridCol>
+                <a:gridCol w="366761">
+                  <a:extLst>
+                    <a:ext uri="{9D8B030D-6E8A-4147-A177-3AD203B41FA5}">
+                      <a16:colId xmlns:a16="http://schemas.microsoft.com/office/drawing/2014/main" val="246284361"/>
                     </a:ext>
                   </a:extLst>
                 </a:gridCol>
               </a:tblGrid>
-              <a:tr h="228266">
+              <a:tr h="293043">
                 <a:tc rowSpan="10">
                   <a:txBody>
                     <a:bodyPr/>
                     <a:lstStyle/>
                     <a:p>
-                      <a:pPr algn="ctr">
-                        <a:spcAft>
-                          <a:spcPts val="0"/>
-                        </a:spcAft>
-                      </a:pPr>
+                      <a:pPr algn="ctr" fontAlgn="ctr"/>
                       <a:r>
-                        <a:rPr lang="zh-CN" sz="900" kern="0">
+                        <a:rPr lang="zh-CN" altLang="en-US" sz="700" u="none" strike="noStrike">
                           <a:effectLst/>
                         </a:rPr>
                         <a:t>个人信息</a:t>
                       </a:r>
-                      <a:endParaRPr lang="zh-CN" sz="800" kern="100">
+                      <a:endParaRPr lang="zh-CN" altLang="en-US" sz="700" b="0" i="0" u="none" strike="noStrike">
+                        <a:solidFill>
+                          <a:srgbClr val="000000"/>
+                        </a:solidFill>
                         <a:effectLst/>
-                        <a:latin typeface="等线" panose="02010600030101010101" pitchFamily="2" charset="-122"/>
-                        <a:ea typeface="等线" panose="02010600030101010101" pitchFamily="2" charset="-122"/>
-                        <a:cs typeface="Times New Roman" panose="02020603050405020304" pitchFamily="18" charset="0"/>
+                        <a:latin typeface="宋体" panose="02010600030101010101" pitchFamily="2" charset="-122"/>
+                        <a:ea typeface="宋体" panose="02010600030101010101" pitchFamily="2" charset="-122"/>
                       </a:endParaRPr>
                     </a:p>
                   </a:txBody>
-                  <a:tcPr marL="53169" marR="53169" marT="0" marB="0" anchor="ctr"/>
+                  <a:tcPr marL="4898" marR="4898" marT="4898" marB="0" anchor="ctr"/>
                 </a:tc>
                 <a:tc rowSpan="2">
                   <a:txBody>
                     <a:bodyPr/>
                     <a:lstStyle/>
                     <a:p>
-                      <a:pPr algn="ctr">
-                        <a:spcAft>
-                          <a:spcPts val="0"/>
-                        </a:spcAft>
-                      </a:pPr>
+                      <a:pPr algn="ctr" fontAlgn="ctr"/>
                       <a:r>
-                        <a:rPr lang="zh-CN" sz="900" kern="0">
+                        <a:rPr lang="zh-CN" altLang="en-US" sz="700" u="none" strike="noStrike">
                           <a:effectLst/>
                         </a:rPr>
                         <a:t>初始界面</a:t>
                       </a:r>
-                      <a:endParaRPr lang="zh-CN" sz="800" kern="100">
+                      <a:endParaRPr lang="zh-CN" altLang="en-US" sz="700" b="0" i="0" u="none" strike="noStrike">
+                        <a:solidFill>
+                          <a:srgbClr val="000000"/>
+                        </a:solidFill>
                         <a:effectLst/>
-                        <a:latin typeface="等线" panose="02010600030101010101" pitchFamily="2" charset="-122"/>
-                        <a:ea typeface="等线" panose="02010600030101010101" pitchFamily="2" charset="-122"/>
-                        <a:cs typeface="Times New Roman" panose="02020603050405020304" pitchFamily="18" charset="0"/>
+                        <a:latin typeface="宋体" panose="02010600030101010101" pitchFamily="2" charset="-122"/>
+                        <a:ea typeface="宋体" panose="02010600030101010101" pitchFamily="2" charset="-122"/>
                       </a:endParaRPr>
                     </a:p>
                   </a:txBody>
-                  <a:tcPr marL="53169" marR="53169" marT="0" marB="0" anchor="ctr"/>
+                  <a:tcPr marL="4898" marR="4898" marT="4898" marB="0" anchor="ctr"/>
                 </a:tc>
                 <a:tc rowSpan="2">
                   <a:txBody>
                     <a:bodyPr/>
                     <a:lstStyle/>
                     <a:p>
-                      <a:pPr algn="ctr">
-                        <a:spcAft>
-                          <a:spcPts val="0"/>
-                        </a:spcAft>
-                      </a:pPr>
+                      <a:pPr algn="ctr" fontAlgn="ctr"/>
                       <a:r>
-                        <a:rPr lang="zh-CN" sz="900" kern="0">
+                        <a:rPr lang="zh-CN" altLang="en-US" sz="700" u="none" strike="noStrike">
                           <a:effectLst/>
                         </a:rPr>
                         <a:t>　</a:t>
                       </a:r>
-                      <a:endParaRPr lang="zh-CN" sz="800" kern="100">
+                      <a:endParaRPr lang="zh-CN" altLang="en-US" sz="700" b="0" i="0" u="none" strike="noStrike">
+                        <a:solidFill>
+                          <a:srgbClr val="000000"/>
+                        </a:solidFill>
                         <a:effectLst/>
-                        <a:latin typeface="等线" panose="02010600030101010101" pitchFamily="2" charset="-122"/>
-                        <a:ea typeface="等线" panose="02010600030101010101" pitchFamily="2" charset="-122"/>
-                        <a:cs typeface="Times New Roman" panose="02020603050405020304" pitchFamily="18" charset="0"/>
+                        <a:latin typeface="宋体" panose="02010600030101010101" pitchFamily="2" charset="-122"/>
+                        <a:ea typeface="宋体" panose="02010600030101010101" pitchFamily="2" charset="-122"/>
                       </a:endParaRPr>
                     </a:p>
                   </a:txBody>
-                  <a:tcPr marL="53169" marR="53169" marT="0" marB="0" anchor="ctr"/>
+                  <a:tcPr marL="4898" marR="4898" marT="4898" marB="0" anchor="ctr"/>
                 </a:tc>
                 <a:tc>
                   <a:txBody>
                     <a:bodyPr/>
                     <a:lstStyle/>
                     <a:p>
-                      <a:pPr algn="ctr">
-                        <a:spcAft>
-                          <a:spcPts val="0"/>
-                        </a:spcAft>
-                      </a:pPr>
+                      <a:pPr algn="ctr" fontAlgn="ctr"/>
                       <a:r>
-                        <a:rPr lang="zh-CN" sz="900" kern="0">
+                        <a:rPr lang="zh-CN" altLang="en-US" sz="700" u="none" strike="noStrike">
                           <a:effectLst/>
                         </a:rPr>
                         <a:t>主导航为绑定教练、账号管理功能块</a:t>
                       </a:r>
-                      <a:endParaRPr lang="zh-CN" sz="800" kern="100">
+                      <a:endParaRPr lang="zh-CN" altLang="en-US" sz="700" b="0" i="0" u="none" strike="noStrike">
+                        <a:solidFill>
+                          <a:srgbClr val="000000"/>
+                        </a:solidFill>
                         <a:effectLst/>
-                        <a:latin typeface="等线" panose="02010600030101010101" pitchFamily="2" charset="-122"/>
-                        <a:ea typeface="等线" panose="02010600030101010101" pitchFamily="2" charset="-122"/>
-                        <a:cs typeface="Times New Roman" panose="02020603050405020304" pitchFamily="18" charset="0"/>
+                        <a:latin typeface="宋体" panose="02010600030101010101" pitchFamily="2" charset="-122"/>
+                        <a:ea typeface="宋体" panose="02010600030101010101" pitchFamily="2" charset="-122"/>
                       </a:endParaRPr>
                     </a:p>
                   </a:txBody>
-                  <a:tcPr marL="53169" marR="53169" marT="0" marB="0" anchor="ctr"/>
+                  <a:tcPr marL="4898" marR="4898" marT="4898" marB="0" anchor="ctr"/>
+                </a:tc>
+                <a:tc>
+                  <a:txBody>
+                    <a:bodyPr/>
+                    <a:lstStyle/>
+                    <a:p>
+                      <a:pPr algn="ctr" fontAlgn="ctr"/>
+                      <a:r>
+                        <a:rPr lang="zh-CN" altLang="en-US" sz="700" u="none" strike="noStrike">
+                          <a:effectLst/>
+                        </a:rPr>
+                        <a:t>绑定教练、账号管理按键完整</a:t>
+                      </a:r>
+                      <a:endParaRPr lang="zh-CN" altLang="en-US" sz="700" b="0" i="0" u="none" strike="noStrike">
+                        <a:solidFill>
+                          <a:srgbClr val="000000"/>
+                        </a:solidFill>
+                        <a:effectLst/>
+                        <a:latin typeface="宋体" panose="02010600030101010101" pitchFamily="2" charset="-122"/>
+                        <a:ea typeface="宋体" panose="02010600030101010101" pitchFamily="2" charset="-122"/>
+                      </a:endParaRPr>
+                    </a:p>
+                  </a:txBody>
+                  <a:tcPr marL="4898" marR="4898" marT="4898" marB="0" anchor="ctr"/>
+                </a:tc>
+                <a:tc>
+                  <a:txBody>
+                    <a:bodyPr/>
+                    <a:lstStyle/>
+                    <a:p>
+                      <a:pPr algn="ctr" fontAlgn="b"/>
+                      <a:r>
+                        <a:rPr lang="zh-CN" altLang="en-US" sz="700" u="none" strike="noStrike">
+                          <a:effectLst/>
+                        </a:rPr>
+                        <a:t>　</a:t>
+                      </a:r>
+                      <a:endParaRPr lang="zh-CN" altLang="en-US" sz="700" b="0" i="0" u="none" strike="noStrike">
+                        <a:solidFill>
+                          <a:srgbClr val="000000"/>
+                        </a:solidFill>
+                        <a:effectLst/>
+                        <a:latin typeface="宋体" panose="02010600030101010101" pitchFamily="2" charset="-122"/>
+                        <a:ea typeface="宋体" panose="02010600030101010101" pitchFamily="2" charset="-122"/>
+                      </a:endParaRPr>
+                    </a:p>
+                  </a:txBody>
+                  <a:tcPr marL="4898" marR="4898" marT="4898" marB="0" anchor="b"/>
                 </a:tc>
                 <a:extLst>
                   <a:ext uri="{0D108BD9-81ED-4DB2-BD59-A6C34878D82A}">
-                    <a16:rowId xmlns:a16="http://schemas.microsoft.com/office/drawing/2014/main" val="2804487726"/>
+                    <a16:rowId xmlns:a16="http://schemas.microsoft.com/office/drawing/2014/main" val="3043016850"/>
                   </a:ext>
                 </a:extLst>
               </a:tr>
-              <a:tr h="228266">
+              <a:tr h="156291">
                 <a:tc vMerge="1">
                   <a:txBody>
                     <a:bodyPr/>
@@ -35489,34 +36263,80 @@
                     <a:bodyPr/>
                     <a:lstStyle/>
                     <a:p>
-                      <a:pPr algn="ctr">
-                        <a:spcAft>
-                          <a:spcPts val="0"/>
-                        </a:spcAft>
-                      </a:pPr>
+                      <a:pPr algn="ctr" fontAlgn="ctr"/>
                       <a:r>
-                        <a:rPr lang="zh-CN" sz="900" kern="0">
+                        <a:rPr lang="zh-CN" altLang="en-US" sz="700" u="none" strike="noStrike">
                           <a:effectLst/>
                         </a:rPr>
                         <a:t>右上角为个人信息管理图标</a:t>
                       </a:r>
-                      <a:endParaRPr lang="zh-CN" sz="800" kern="100">
+                      <a:endParaRPr lang="zh-CN" altLang="en-US" sz="700" b="0" i="0" u="none" strike="noStrike">
+                        <a:solidFill>
+                          <a:srgbClr val="000000"/>
+                        </a:solidFill>
                         <a:effectLst/>
-                        <a:latin typeface="等线" panose="02010600030101010101" pitchFamily="2" charset="-122"/>
-                        <a:ea typeface="等线" panose="02010600030101010101" pitchFamily="2" charset="-122"/>
-                        <a:cs typeface="Times New Roman" panose="02020603050405020304" pitchFamily="18" charset="0"/>
+                        <a:latin typeface="宋体" panose="02010600030101010101" pitchFamily="2" charset="-122"/>
+                        <a:ea typeface="宋体" panose="02010600030101010101" pitchFamily="2" charset="-122"/>
                       </a:endParaRPr>
                     </a:p>
                   </a:txBody>
-                  <a:tcPr marL="53169" marR="53169" marT="0" marB="0" anchor="ctr"/>
+                  <a:tcPr marL="4898" marR="4898" marT="4898" marB="0" anchor="ctr"/>
+                </a:tc>
+                <a:tc>
+                  <a:txBody>
+                    <a:bodyPr/>
+                    <a:lstStyle/>
+                    <a:p>
+                      <a:pPr algn="ctr" fontAlgn="ctr"/>
+                      <a:r>
+                        <a:rPr lang="zh-CN" altLang="en-US" sz="700" u="none" strike="noStrike">
+                          <a:effectLst/>
+                        </a:rPr>
+                        <a:t>个人信息管理图标完整</a:t>
+                      </a:r>
+                      <a:endParaRPr lang="zh-CN" altLang="en-US" sz="700" b="0" i="0" u="none" strike="noStrike">
+                        <a:solidFill>
+                          <a:srgbClr val="000000"/>
+                        </a:solidFill>
+                        <a:effectLst/>
+                        <a:latin typeface="宋体" panose="02010600030101010101" pitchFamily="2" charset="-122"/>
+                        <a:ea typeface="宋体" panose="02010600030101010101" pitchFamily="2" charset="-122"/>
+                      </a:endParaRPr>
+                    </a:p>
+                  </a:txBody>
+                  <a:tcPr marL="4898" marR="4898" marT="4898" marB="0" anchor="ctr"/>
+                </a:tc>
+                <a:tc>
+                  <a:txBody>
+                    <a:bodyPr/>
+                    <a:lstStyle/>
+                    <a:p>
+                      <a:pPr algn="ctr" fontAlgn="b"/>
+                      <a:r>
+                        <a:rPr lang="zh-CN" altLang="en-US" sz="700" u="none" strike="noStrike">
+                          <a:effectLst/>
+                        </a:rPr>
+                        <a:t>　</a:t>
+                      </a:r>
+                      <a:endParaRPr lang="zh-CN" altLang="en-US" sz="700" b="0" i="0" u="none" strike="noStrike">
+                        <a:solidFill>
+                          <a:srgbClr val="000000"/>
+                        </a:solidFill>
+                        <a:effectLst/>
+                        <a:latin typeface="宋体" panose="02010600030101010101" pitchFamily="2" charset="-122"/>
+                        <a:ea typeface="宋体" panose="02010600030101010101" pitchFamily="2" charset="-122"/>
+                      </a:endParaRPr>
+                    </a:p>
+                  </a:txBody>
+                  <a:tcPr marL="4898" marR="4898" marT="4898" marB="0" anchor="b"/>
                 </a:tc>
                 <a:extLst>
                   <a:ext uri="{0D108BD9-81ED-4DB2-BD59-A6C34878D82A}">
-                    <a16:rowId xmlns:a16="http://schemas.microsoft.com/office/drawing/2014/main" val="3664871434"/>
+                    <a16:rowId xmlns:a16="http://schemas.microsoft.com/office/drawing/2014/main" val="4109603179"/>
                   </a:ext>
                 </a:extLst>
               </a:tr>
-              <a:tr h="228266">
+              <a:tr h="293043">
                 <a:tc vMerge="1">
                   <a:txBody>
                     <a:bodyPr/>
@@ -35532,86 +36352,128 @@
                     <a:bodyPr/>
                     <a:lstStyle/>
                     <a:p>
-                      <a:pPr algn="ctr">
-                        <a:spcAft>
-                          <a:spcPts val="0"/>
-                        </a:spcAft>
-                      </a:pPr>
+                      <a:pPr algn="ctr" fontAlgn="ctr"/>
                       <a:r>
-                        <a:rPr lang="zh-CN" sz="900" kern="0">
+                        <a:rPr lang="zh-CN" altLang="en-US" sz="700" u="none" strike="noStrike">
                           <a:effectLst/>
                         </a:rPr>
                         <a:t>选择功能</a:t>
                       </a:r>
-                      <a:endParaRPr lang="zh-CN" sz="800" kern="100">
+                      <a:endParaRPr lang="zh-CN" altLang="en-US" sz="700" b="0" i="0" u="none" strike="noStrike">
+                        <a:solidFill>
+                          <a:srgbClr val="000000"/>
+                        </a:solidFill>
                         <a:effectLst/>
-                        <a:latin typeface="等线" panose="02010600030101010101" pitchFamily="2" charset="-122"/>
-                        <a:ea typeface="等线" panose="02010600030101010101" pitchFamily="2" charset="-122"/>
-                        <a:cs typeface="Times New Roman" panose="02020603050405020304" pitchFamily="18" charset="0"/>
+                        <a:latin typeface="宋体" panose="02010600030101010101" pitchFamily="2" charset="-122"/>
+                        <a:ea typeface="宋体" panose="02010600030101010101" pitchFamily="2" charset="-122"/>
                       </a:endParaRPr>
                     </a:p>
                   </a:txBody>
-                  <a:tcPr marL="53169" marR="53169" marT="0" marB="0" anchor="ctr"/>
+                  <a:tcPr marL="4898" marR="4898" marT="4898" marB="0" anchor="ctr"/>
                 </a:tc>
                 <a:tc>
                   <a:txBody>
                     <a:bodyPr/>
                     <a:lstStyle/>
                     <a:p>
-                      <a:pPr algn="ctr">
-                        <a:spcAft>
-                          <a:spcPts val="0"/>
-                        </a:spcAft>
-                      </a:pPr>
+                      <a:pPr algn="ctr" fontAlgn="ctr"/>
                       <a:r>
-                        <a:rPr lang="zh-CN" sz="900" kern="0">
+                        <a:rPr lang="zh-CN" altLang="en-US" sz="700" u="none" strike="noStrike">
                           <a:effectLst/>
                         </a:rPr>
                         <a:t>点击个人信息查询</a:t>
                       </a:r>
-                      <a:endParaRPr lang="zh-CN" sz="800" kern="100">
+                      <a:endParaRPr lang="zh-CN" altLang="en-US" sz="700" b="0" i="0" u="none" strike="noStrike">
+                        <a:solidFill>
+                          <a:srgbClr val="000000"/>
+                        </a:solidFill>
                         <a:effectLst/>
-                        <a:latin typeface="等线" panose="02010600030101010101" pitchFamily="2" charset="-122"/>
-                        <a:ea typeface="等线" panose="02010600030101010101" pitchFamily="2" charset="-122"/>
-                        <a:cs typeface="Times New Roman" panose="02020603050405020304" pitchFamily="18" charset="0"/>
+                        <a:latin typeface="宋体" panose="02010600030101010101" pitchFamily="2" charset="-122"/>
+                        <a:ea typeface="宋体" panose="02010600030101010101" pitchFamily="2" charset="-122"/>
                       </a:endParaRPr>
                     </a:p>
                   </a:txBody>
-                  <a:tcPr marL="53169" marR="53169" marT="0" marB="0" anchor="ctr"/>
+                  <a:tcPr marL="4898" marR="4898" marT="4898" marB="0" anchor="ctr"/>
                 </a:tc>
                 <a:tc>
                   <a:txBody>
                     <a:bodyPr/>
                     <a:lstStyle/>
                     <a:p>
-                      <a:pPr algn="ctr">
-                        <a:spcAft>
-                          <a:spcPts val="0"/>
-                        </a:spcAft>
-                      </a:pPr>
+                      <a:pPr algn="ctr" fontAlgn="ctr"/>
                       <a:r>
-                        <a:rPr lang="zh-CN" sz="900" kern="0">
+                        <a:rPr lang="zh-CN" altLang="en-US" sz="700" u="none" strike="noStrike">
                           <a:effectLst/>
                         </a:rPr>
                         <a:t>跳转功能</a:t>
                       </a:r>
-                      <a:endParaRPr lang="zh-CN" sz="800" kern="100">
+                      <a:endParaRPr lang="zh-CN" altLang="en-US" sz="700" b="0" i="0" u="none" strike="noStrike">
+                        <a:solidFill>
+                          <a:srgbClr val="000000"/>
+                        </a:solidFill>
                         <a:effectLst/>
-                        <a:latin typeface="等线" panose="02010600030101010101" pitchFamily="2" charset="-122"/>
-                        <a:ea typeface="等线" panose="02010600030101010101" pitchFamily="2" charset="-122"/>
-                        <a:cs typeface="Times New Roman" panose="02020603050405020304" pitchFamily="18" charset="0"/>
+                        <a:latin typeface="宋体" panose="02010600030101010101" pitchFamily="2" charset="-122"/>
+                        <a:ea typeface="宋体" panose="02010600030101010101" pitchFamily="2" charset="-122"/>
                       </a:endParaRPr>
                     </a:p>
                   </a:txBody>
-                  <a:tcPr marL="53169" marR="53169" marT="0" marB="0" anchor="ctr"/>
+                  <a:tcPr marL="4898" marR="4898" marT="4898" marB="0" anchor="ctr"/>
+                </a:tc>
+                <a:tc>
+                  <a:txBody>
+                    <a:bodyPr/>
+                    <a:lstStyle/>
+                    <a:p>
+                      <a:pPr algn="ctr" fontAlgn="ctr"/>
+                      <a:r>
+                        <a:rPr lang="zh-CN" altLang="en-US" sz="700" u="none" strike="noStrike">
+                          <a:effectLst/>
+                        </a:rPr>
+                        <a:t>跳转至个人信息一览界面</a:t>
+                      </a:r>
+                      <a:endParaRPr lang="zh-CN" altLang="en-US" sz="700" b="0" i="0" u="none" strike="noStrike">
+                        <a:solidFill>
+                          <a:srgbClr val="000000"/>
+                        </a:solidFill>
+                        <a:effectLst/>
+                        <a:latin typeface="宋体" panose="02010600030101010101" pitchFamily="2" charset="-122"/>
+                        <a:ea typeface="宋体" panose="02010600030101010101" pitchFamily="2" charset="-122"/>
+                      </a:endParaRPr>
+                    </a:p>
+                  </a:txBody>
+                  <a:tcPr marL="4898" marR="4898" marT="4898" marB="0" anchor="ctr"/>
+                </a:tc>
+                <a:tc>
+                  <a:txBody>
+                    <a:bodyPr/>
+                    <a:lstStyle/>
+                    <a:p>
+                      <a:pPr algn="ctr" fontAlgn="b"/>
+                      <a:r>
+                        <a:rPr lang="zh-CN" altLang="en-US" sz="700" u="none" strike="noStrike">
+                          <a:effectLst/>
+                        </a:rPr>
+                        <a:t>　</a:t>
+                      </a:r>
+                      <a:endParaRPr lang="zh-CN" altLang="en-US" sz="700" b="0" i="0" u="none" strike="noStrike">
+                        <a:solidFill>
+                          <a:srgbClr val="000000"/>
+                        </a:solidFill>
+                        <a:effectLst/>
+                        <a:latin typeface="宋体" panose="02010600030101010101" pitchFamily="2" charset="-122"/>
+                        <a:ea typeface="宋体" panose="02010600030101010101" pitchFamily="2" charset="-122"/>
+                      </a:endParaRPr>
+                    </a:p>
+                  </a:txBody>
+                  <a:tcPr marL="4898" marR="4898" marT="4898" marB="0" anchor="b"/>
                 </a:tc>
                 <a:extLst>
                   <a:ext uri="{0D108BD9-81ED-4DB2-BD59-A6C34878D82A}">
-                    <a16:rowId xmlns:a16="http://schemas.microsoft.com/office/drawing/2014/main" val="2893869687"/>
+                    <a16:rowId xmlns:a16="http://schemas.microsoft.com/office/drawing/2014/main" val="3970150621"/>
                   </a:ext>
                 </a:extLst>
               </a:tr>
-              <a:tr h="228266">
+              <a:tr h="293043">
                 <a:tc vMerge="1">
                   <a:txBody>
                     <a:bodyPr/>
@@ -35637,60 +36499,104 @@
                     <a:bodyPr/>
                     <a:lstStyle/>
                     <a:p>
-                      <a:pPr algn="ctr">
-                        <a:spcAft>
-                          <a:spcPts val="0"/>
-                        </a:spcAft>
-                      </a:pPr>
+                      <a:pPr algn="ctr" fontAlgn="ctr"/>
                       <a:r>
-                        <a:rPr lang="zh-CN" sz="900" kern="0">
+                        <a:rPr lang="zh-CN" altLang="en-US" sz="700" u="none" strike="noStrike">
                           <a:effectLst/>
                         </a:rPr>
                         <a:t>点击账号管理</a:t>
                       </a:r>
-                      <a:endParaRPr lang="zh-CN" sz="800" kern="100">
+                      <a:endParaRPr lang="zh-CN" altLang="en-US" sz="700" b="0" i="0" u="none" strike="noStrike">
+                        <a:solidFill>
+                          <a:srgbClr val="000000"/>
+                        </a:solidFill>
                         <a:effectLst/>
-                        <a:latin typeface="等线" panose="02010600030101010101" pitchFamily="2" charset="-122"/>
-                        <a:ea typeface="等线" panose="02010600030101010101" pitchFamily="2" charset="-122"/>
-                        <a:cs typeface="Times New Roman" panose="02020603050405020304" pitchFamily="18" charset="0"/>
+                        <a:latin typeface="宋体" panose="02010600030101010101" pitchFamily="2" charset="-122"/>
+                        <a:ea typeface="宋体" panose="02010600030101010101" pitchFamily="2" charset="-122"/>
                       </a:endParaRPr>
                     </a:p>
                   </a:txBody>
-                  <a:tcPr marL="53169" marR="53169" marT="0" marB="0" anchor="ctr"/>
+                  <a:tcPr marL="4898" marR="4898" marT="4898" marB="0" anchor="ctr"/>
                 </a:tc>
                 <a:tc>
                   <a:txBody>
                     <a:bodyPr/>
                     <a:lstStyle/>
                     <a:p>
-                      <a:pPr algn="ctr">
-                        <a:spcAft>
-                          <a:spcPts val="0"/>
-                        </a:spcAft>
-                      </a:pPr>
+                      <a:pPr algn="ctr" fontAlgn="ctr"/>
                       <a:r>
-                        <a:rPr lang="zh-CN" sz="900" kern="0">
+                        <a:rPr lang="zh-CN" altLang="en-US" sz="700" u="none" strike="noStrike">
                           <a:effectLst/>
                         </a:rPr>
                         <a:t>跳转功能</a:t>
                       </a:r>
-                      <a:endParaRPr lang="zh-CN" sz="800" kern="100">
+                      <a:endParaRPr lang="zh-CN" altLang="en-US" sz="700" b="0" i="0" u="none" strike="noStrike">
+                        <a:solidFill>
+                          <a:srgbClr val="000000"/>
+                        </a:solidFill>
                         <a:effectLst/>
-                        <a:latin typeface="等线" panose="02010600030101010101" pitchFamily="2" charset="-122"/>
-                        <a:ea typeface="等线" panose="02010600030101010101" pitchFamily="2" charset="-122"/>
-                        <a:cs typeface="Times New Roman" panose="02020603050405020304" pitchFamily="18" charset="0"/>
+                        <a:latin typeface="宋体" panose="02010600030101010101" pitchFamily="2" charset="-122"/>
+                        <a:ea typeface="宋体" panose="02010600030101010101" pitchFamily="2" charset="-122"/>
                       </a:endParaRPr>
                     </a:p>
                   </a:txBody>
-                  <a:tcPr marL="53169" marR="53169" marT="0" marB="0" anchor="ctr"/>
+                  <a:tcPr marL="4898" marR="4898" marT="4898" marB="0" anchor="ctr"/>
+                </a:tc>
+                <a:tc>
+                  <a:txBody>
+                    <a:bodyPr/>
+                    <a:lstStyle/>
+                    <a:p>
+                      <a:pPr algn="ctr" fontAlgn="ctr"/>
+                      <a:r>
+                        <a:rPr lang="zh-CN" altLang="en-US" sz="700" u="none" strike="noStrike">
+                          <a:effectLst/>
+                        </a:rPr>
+                        <a:t>跳转至账号管理初始界面</a:t>
+                      </a:r>
+                      <a:endParaRPr lang="zh-CN" altLang="en-US" sz="700" b="0" i="0" u="none" strike="noStrike">
+                        <a:solidFill>
+                          <a:srgbClr val="000000"/>
+                        </a:solidFill>
+                        <a:effectLst/>
+                        <a:latin typeface="宋体" panose="02010600030101010101" pitchFamily="2" charset="-122"/>
+                        <a:ea typeface="宋体" panose="02010600030101010101" pitchFamily="2" charset="-122"/>
+                      </a:endParaRPr>
+                    </a:p>
+                  </a:txBody>
+                  <a:tcPr marL="4898" marR="4898" marT="4898" marB="0" anchor="ctr"/>
+                </a:tc>
+                <a:tc>
+                  <a:txBody>
+                    <a:bodyPr/>
+                    <a:lstStyle/>
+                    <a:p>
+                      <a:pPr algn="ctr" fontAlgn="b"/>
+                      <a:r>
+                        <a:rPr lang="zh-CN" altLang="en-US" sz="700" u="none" strike="noStrike">
+                          <a:effectLst/>
+                        </a:rPr>
+                        <a:t>　</a:t>
+                      </a:r>
+                      <a:endParaRPr lang="zh-CN" altLang="en-US" sz="700" b="0" i="0" u="none" strike="noStrike">
+                        <a:solidFill>
+                          <a:srgbClr val="000000"/>
+                        </a:solidFill>
+                        <a:effectLst/>
+                        <a:latin typeface="宋体" panose="02010600030101010101" pitchFamily="2" charset="-122"/>
+                        <a:ea typeface="宋体" panose="02010600030101010101" pitchFamily="2" charset="-122"/>
+                      </a:endParaRPr>
+                    </a:p>
+                  </a:txBody>
+                  <a:tcPr marL="4898" marR="4898" marT="4898" marB="0" anchor="b"/>
                 </a:tc>
                 <a:extLst>
                   <a:ext uri="{0D108BD9-81ED-4DB2-BD59-A6C34878D82A}">
-                    <a16:rowId xmlns:a16="http://schemas.microsoft.com/office/drawing/2014/main" val="3948829121"/>
+                    <a16:rowId xmlns:a16="http://schemas.microsoft.com/office/drawing/2014/main" val="1925272405"/>
                   </a:ext>
                 </a:extLst>
               </a:tr>
-              <a:tr h="228266">
+              <a:tr h="293043">
                 <a:tc vMerge="1">
                   <a:txBody>
                     <a:bodyPr/>
@@ -35716,60 +36622,104 @@
                     <a:bodyPr/>
                     <a:lstStyle/>
                     <a:p>
-                      <a:pPr algn="ctr">
-                        <a:spcAft>
-                          <a:spcPts val="0"/>
-                        </a:spcAft>
-                      </a:pPr>
+                      <a:pPr algn="ctr" fontAlgn="ctr"/>
                       <a:r>
-                        <a:rPr lang="zh-CN" sz="900" kern="0">
+                        <a:rPr lang="zh-CN" altLang="en-US" sz="700" u="none" strike="noStrike">
                           <a:effectLst/>
                         </a:rPr>
                         <a:t>点击教练绑定情况</a:t>
                       </a:r>
-                      <a:endParaRPr lang="zh-CN" sz="800" kern="100">
+                      <a:endParaRPr lang="zh-CN" altLang="en-US" sz="700" b="0" i="0" u="none" strike="noStrike">
+                        <a:solidFill>
+                          <a:srgbClr val="000000"/>
+                        </a:solidFill>
                         <a:effectLst/>
-                        <a:latin typeface="等线" panose="02010600030101010101" pitchFamily="2" charset="-122"/>
-                        <a:ea typeface="等线" panose="02010600030101010101" pitchFamily="2" charset="-122"/>
-                        <a:cs typeface="Times New Roman" panose="02020603050405020304" pitchFamily="18" charset="0"/>
+                        <a:latin typeface="宋体" panose="02010600030101010101" pitchFamily="2" charset="-122"/>
+                        <a:ea typeface="宋体" panose="02010600030101010101" pitchFamily="2" charset="-122"/>
                       </a:endParaRPr>
                     </a:p>
                   </a:txBody>
-                  <a:tcPr marL="53169" marR="53169" marT="0" marB="0" anchor="ctr"/>
+                  <a:tcPr marL="4898" marR="4898" marT="4898" marB="0" anchor="ctr"/>
                 </a:tc>
                 <a:tc>
                   <a:txBody>
                     <a:bodyPr/>
                     <a:lstStyle/>
                     <a:p>
-                      <a:pPr algn="ctr">
-                        <a:spcAft>
-                          <a:spcPts val="0"/>
-                        </a:spcAft>
-                      </a:pPr>
+                      <a:pPr algn="ctr" fontAlgn="ctr"/>
                       <a:r>
-                        <a:rPr lang="zh-CN" sz="900" kern="0">
+                        <a:rPr lang="zh-CN" altLang="en-US" sz="700" u="none" strike="noStrike">
                           <a:effectLst/>
                         </a:rPr>
                         <a:t>跳转功能</a:t>
                       </a:r>
-                      <a:endParaRPr lang="zh-CN" sz="800" kern="100">
+                      <a:endParaRPr lang="zh-CN" altLang="en-US" sz="700" b="0" i="0" u="none" strike="noStrike">
+                        <a:solidFill>
+                          <a:srgbClr val="000000"/>
+                        </a:solidFill>
                         <a:effectLst/>
-                        <a:latin typeface="等线" panose="02010600030101010101" pitchFamily="2" charset="-122"/>
-                        <a:ea typeface="等线" panose="02010600030101010101" pitchFamily="2" charset="-122"/>
-                        <a:cs typeface="Times New Roman" panose="02020603050405020304" pitchFamily="18" charset="0"/>
+                        <a:latin typeface="宋体" panose="02010600030101010101" pitchFamily="2" charset="-122"/>
+                        <a:ea typeface="宋体" panose="02010600030101010101" pitchFamily="2" charset="-122"/>
                       </a:endParaRPr>
                     </a:p>
                   </a:txBody>
-                  <a:tcPr marL="53169" marR="53169" marT="0" marB="0" anchor="ctr"/>
+                  <a:tcPr marL="4898" marR="4898" marT="4898" marB="0" anchor="ctr"/>
+                </a:tc>
+                <a:tc>
+                  <a:txBody>
+                    <a:bodyPr/>
+                    <a:lstStyle/>
+                    <a:p>
+                      <a:pPr algn="ctr" fontAlgn="ctr"/>
+                      <a:r>
+                        <a:rPr lang="zh-CN" altLang="en-US" sz="700" u="none" strike="noStrike">
+                          <a:effectLst/>
+                        </a:rPr>
+                        <a:t>跳转至教练绑定管理界面</a:t>
+                      </a:r>
+                      <a:endParaRPr lang="zh-CN" altLang="en-US" sz="700" b="0" i="0" u="none" strike="noStrike">
+                        <a:solidFill>
+                          <a:srgbClr val="000000"/>
+                        </a:solidFill>
+                        <a:effectLst/>
+                        <a:latin typeface="宋体" panose="02010600030101010101" pitchFamily="2" charset="-122"/>
+                        <a:ea typeface="宋体" panose="02010600030101010101" pitchFamily="2" charset="-122"/>
+                      </a:endParaRPr>
+                    </a:p>
+                  </a:txBody>
+                  <a:tcPr marL="4898" marR="4898" marT="4898" marB="0" anchor="ctr"/>
+                </a:tc>
+                <a:tc>
+                  <a:txBody>
+                    <a:bodyPr/>
+                    <a:lstStyle/>
+                    <a:p>
+                      <a:pPr algn="ctr" fontAlgn="b"/>
+                      <a:r>
+                        <a:rPr lang="zh-CN" altLang="en-US" sz="700" u="none" strike="noStrike">
+                          <a:effectLst/>
+                        </a:rPr>
+                        <a:t>　</a:t>
+                      </a:r>
+                      <a:endParaRPr lang="zh-CN" altLang="en-US" sz="700" b="0" i="0" u="none" strike="noStrike">
+                        <a:solidFill>
+                          <a:srgbClr val="000000"/>
+                        </a:solidFill>
+                        <a:effectLst/>
+                        <a:latin typeface="宋体" panose="02010600030101010101" pitchFamily="2" charset="-122"/>
+                        <a:ea typeface="宋体" panose="02010600030101010101" pitchFamily="2" charset="-122"/>
+                      </a:endParaRPr>
+                    </a:p>
+                  </a:txBody>
+                  <a:tcPr marL="4898" marR="4898" marT="4898" marB="0" anchor="b"/>
                 </a:tc>
                 <a:extLst>
                   <a:ext uri="{0D108BD9-81ED-4DB2-BD59-A6C34878D82A}">
-                    <a16:rowId xmlns:a16="http://schemas.microsoft.com/office/drawing/2014/main" val="1476814133"/>
+                    <a16:rowId xmlns:a16="http://schemas.microsoft.com/office/drawing/2014/main" val="1436883711"/>
                   </a:ext>
                 </a:extLst>
               </a:tr>
-              <a:tr h="228266">
+              <a:tr h="293043">
                 <a:tc vMerge="1">
                   <a:txBody>
                     <a:bodyPr/>
@@ -35785,86 +36735,128 @@
                     <a:bodyPr/>
                     <a:lstStyle/>
                     <a:p>
-                      <a:pPr algn="ctr">
-                        <a:spcAft>
-                          <a:spcPts val="0"/>
-                        </a:spcAft>
-                      </a:pPr>
+                      <a:pPr algn="ctr" fontAlgn="ctr"/>
                       <a:r>
-                        <a:rPr lang="zh-CN" sz="900" kern="0">
+                        <a:rPr lang="zh-CN" altLang="en-US" sz="700" u="none" strike="noStrike">
                           <a:effectLst/>
                         </a:rPr>
                         <a:t>初始界面</a:t>
                       </a:r>
-                      <a:endParaRPr lang="zh-CN" sz="800" kern="100">
+                      <a:endParaRPr lang="zh-CN" altLang="en-US" sz="700" b="0" i="0" u="none" strike="noStrike">
+                        <a:solidFill>
+                          <a:srgbClr val="000000"/>
+                        </a:solidFill>
                         <a:effectLst/>
-                        <a:latin typeface="等线" panose="02010600030101010101" pitchFamily="2" charset="-122"/>
-                        <a:ea typeface="等线" panose="02010600030101010101" pitchFamily="2" charset="-122"/>
-                        <a:cs typeface="Times New Roman" panose="02020603050405020304" pitchFamily="18" charset="0"/>
+                        <a:latin typeface="宋体" panose="02010600030101010101" pitchFamily="2" charset="-122"/>
+                        <a:ea typeface="宋体" panose="02010600030101010101" pitchFamily="2" charset="-122"/>
                       </a:endParaRPr>
                     </a:p>
                   </a:txBody>
-                  <a:tcPr marL="53169" marR="53169" marT="0" marB="0" anchor="ctr"/>
+                  <a:tcPr marL="4898" marR="4898" marT="4898" marB="0" anchor="ctr"/>
                 </a:tc>
                 <a:tc rowSpan="2">
                   <a:txBody>
                     <a:bodyPr/>
                     <a:lstStyle/>
                     <a:p>
-                      <a:pPr algn="ctr">
-                        <a:spcAft>
-                          <a:spcPts val="0"/>
-                        </a:spcAft>
-                      </a:pPr>
+                      <a:pPr algn="ctr" fontAlgn="ctr"/>
                       <a:r>
-                        <a:rPr lang="zh-CN" sz="900" kern="0">
+                        <a:rPr lang="zh-CN" altLang="en-US" sz="700" u="none" strike="noStrike">
                           <a:effectLst/>
                         </a:rPr>
                         <a:t>　</a:t>
                       </a:r>
-                      <a:endParaRPr lang="zh-CN" sz="800" kern="100">
+                      <a:endParaRPr lang="zh-CN" altLang="en-US" sz="700" b="0" i="0" u="none" strike="noStrike">
+                        <a:solidFill>
+                          <a:srgbClr val="000000"/>
+                        </a:solidFill>
                         <a:effectLst/>
-                        <a:latin typeface="等线" panose="02010600030101010101" pitchFamily="2" charset="-122"/>
-                        <a:ea typeface="等线" panose="02010600030101010101" pitchFamily="2" charset="-122"/>
-                        <a:cs typeface="Times New Roman" panose="02020603050405020304" pitchFamily="18" charset="0"/>
+                        <a:latin typeface="宋体" panose="02010600030101010101" pitchFamily="2" charset="-122"/>
+                        <a:ea typeface="宋体" panose="02010600030101010101" pitchFamily="2" charset="-122"/>
                       </a:endParaRPr>
                     </a:p>
                   </a:txBody>
-                  <a:tcPr marL="53169" marR="53169" marT="0" marB="0" anchor="ctr"/>
+                  <a:tcPr marL="4898" marR="4898" marT="4898" marB="0" anchor="ctr"/>
                 </a:tc>
                 <a:tc>
                   <a:txBody>
                     <a:bodyPr/>
                     <a:lstStyle/>
                     <a:p>
-                      <a:pPr algn="ctr">
-                        <a:spcAft>
-                          <a:spcPts val="0"/>
-                        </a:spcAft>
-                      </a:pPr>
+                      <a:pPr algn="ctr" fontAlgn="ctr"/>
                       <a:r>
-                        <a:rPr lang="zh-CN" sz="900" kern="0">
+                        <a:rPr lang="zh-CN" altLang="en-US" sz="700" u="none" strike="noStrike">
                           <a:effectLst/>
                         </a:rPr>
                         <a:t>主导航为绑定学员、账号管理功能块</a:t>
                       </a:r>
-                      <a:endParaRPr lang="zh-CN" sz="800" kern="100">
+                      <a:endParaRPr lang="zh-CN" altLang="en-US" sz="700" b="0" i="0" u="none" strike="noStrike">
+                        <a:solidFill>
+                          <a:srgbClr val="000000"/>
+                        </a:solidFill>
                         <a:effectLst/>
-                        <a:latin typeface="等线" panose="02010600030101010101" pitchFamily="2" charset="-122"/>
-                        <a:ea typeface="等线" panose="02010600030101010101" pitchFamily="2" charset="-122"/>
-                        <a:cs typeface="Times New Roman" panose="02020603050405020304" pitchFamily="18" charset="0"/>
+                        <a:latin typeface="宋体" panose="02010600030101010101" pitchFamily="2" charset="-122"/>
+                        <a:ea typeface="宋体" panose="02010600030101010101" pitchFamily="2" charset="-122"/>
                       </a:endParaRPr>
                     </a:p>
                   </a:txBody>
-                  <a:tcPr marL="53169" marR="53169" marT="0" marB="0" anchor="ctr"/>
+                  <a:tcPr marL="4898" marR="4898" marT="4898" marB="0" anchor="ctr"/>
+                </a:tc>
+                <a:tc>
+                  <a:txBody>
+                    <a:bodyPr/>
+                    <a:lstStyle/>
+                    <a:p>
+                      <a:pPr algn="ctr" fontAlgn="ctr"/>
+                      <a:r>
+                        <a:rPr lang="zh-CN" altLang="en-US" sz="700" u="none" strike="noStrike">
+                          <a:effectLst/>
+                        </a:rPr>
+                        <a:t>绑定教练、账号管理按键完整</a:t>
+                      </a:r>
+                      <a:endParaRPr lang="zh-CN" altLang="en-US" sz="700" b="0" i="0" u="none" strike="noStrike">
+                        <a:solidFill>
+                          <a:srgbClr val="000000"/>
+                        </a:solidFill>
+                        <a:effectLst/>
+                        <a:latin typeface="宋体" panose="02010600030101010101" pitchFamily="2" charset="-122"/>
+                        <a:ea typeface="宋体" panose="02010600030101010101" pitchFamily="2" charset="-122"/>
+                      </a:endParaRPr>
+                    </a:p>
+                  </a:txBody>
+                  <a:tcPr marL="4898" marR="4898" marT="4898" marB="0" anchor="ctr"/>
+                </a:tc>
+                <a:tc>
+                  <a:txBody>
+                    <a:bodyPr/>
+                    <a:lstStyle/>
+                    <a:p>
+                      <a:pPr algn="ctr" fontAlgn="b"/>
+                      <a:r>
+                        <a:rPr lang="zh-CN" altLang="en-US" sz="700" u="none" strike="noStrike">
+                          <a:effectLst/>
+                        </a:rPr>
+                        <a:t>　</a:t>
+                      </a:r>
+                      <a:endParaRPr lang="zh-CN" altLang="en-US" sz="700" b="0" i="0" u="none" strike="noStrike">
+                        <a:solidFill>
+                          <a:srgbClr val="000000"/>
+                        </a:solidFill>
+                        <a:effectLst/>
+                        <a:latin typeface="宋体" panose="02010600030101010101" pitchFamily="2" charset="-122"/>
+                        <a:ea typeface="宋体" panose="02010600030101010101" pitchFamily="2" charset="-122"/>
+                      </a:endParaRPr>
+                    </a:p>
+                  </a:txBody>
+                  <a:tcPr marL="4898" marR="4898" marT="4898" marB="0" anchor="b"/>
                 </a:tc>
                 <a:extLst>
                   <a:ext uri="{0D108BD9-81ED-4DB2-BD59-A6C34878D82A}">
-                    <a16:rowId xmlns:a16="http://schemas.microsoft.com/office/drawing/2014/main" val="967556190"/>
+                    <a16:rowId xmlns:a16="http://schemas.microsoft.com/office/drawing/2014/main" val="2048197676"/>
                   </a:ext>
                 </a:extLst>
               </a:tr>
-              <a:tr h="228266">
+              <a:tr h="156291">
                 <a:tc vMerge="1">
                   <a:txBody>
                     <a:bodyPr/>
@@ -35900,34 +36892,80 @@
                     <a:bodyPr/>
                     <a:lstStyle/>
                     <a:p>
-                      <a:pPr algn="ctr">
-                        <a:spcAft>
-                          <a:spcPts val="0"/>
-                        </a:spcAft>
-                      </a:pPr>
+                      <a:pPr algn="ctr" fontAlgn="ctr"/>
                       <a:r>
-                        <a:rPr lang="zh-CN" sz="900" kern="0">
+                        <a:rPr lang="zh-CN" altLang="en-US" sz="700" u="none" strike="noStrike">
                           <a:effectLst/>
                         </a:rPr>
                         <a:t>右上角为学员信息管理图标</a:t>
                       </a:r>
-                      <a:endParaRPr lang="zh-CN" sz="800" kern="100">
+                      <a:endParaRPr lang="zh-CN" altLang="en-US" sz="700" b="0" i="0" u="none" strike="noStrike">
+                        <a:solidFill>
+                          <a:srgbClr val="000000"/>
+                        </a:solidFill>
                         <a:effectLst/>
-                        <a:latin typeface="等线" panose="02010600030101010101" pitchFamily="2" charset="-122"/>
-                        <a:ea typeface="等线" panose="02010600030101010101" pitchFamily="2" charset="-122"/>
-                        <a:cs typeface="Times New Roman" panose="02020603050405020304" pitchFamily="18" charset="0"/>
+                        <a:latin typeface="宋体" panose="02010600030101010101" pitchFamily="2" charset="-122"/>
+                        <a:ea typeface="宋体" panose="02010600030101010101" pitchFamily="2" charset="-122"/>
                       </a:endParaRPr>
                     </a:p>
                   </a:txBody>
-                  <a:tcPr marL="53169" marR="53169" marT="0" marB="0" anchor="ctr"/>
+                  <a:tcPr marL="4898" marR="4898" marT="4898" marB="0" anchor="ctr"/>
+                </a:tc>
+                <a:tc>
+                  <a:txBody>
+                    <a:bodyPr/>
+                    <a:lstStyle/>
+                    <a:p>
+                      <a:pPr algn="ctr" fontAlgn="ctr"/>
+                      <a:r>
+                        <a:rPr lang="zh-CN" altLang="en-US" sz="700" u="none" strike="noStrike">
+                          <a:effectLst/>
+                        </a:rPr>
+                        <a:t>个人信息管理图标完整</a:t>
+                      </a:r>
+                      <a:endParaRPr lang="zh-CN" altLang="en-US" sz="700" b="0" i="0" u="none" strike="noStrike">
+                        <a:solidFill>
+                          <a:srgbClr val="000000"/>
+                        </a:solidFill>
+                        <a:effectLst/>
+                        <a:latin typeface="宋体" panose="02010600030101010101" pitchFamily="2" charset="-122"/>
+                        <a:ea typeface="宋体" panose="02010600030101010101" pitchFamily="2" charset="-122"/>
+                      </a:endParaRPr>
+                    </a:p>
+                  </a:txBody>
+                  <a:tcPr marL="4898" marR="4898" marT="4898" marB="0" anchor="ctr"/>
+                </a:tc>
+                <a:tc>
+                  <a:txBody>
+                    <a:bodyPr/>
+                    <a:lstStyle/>
+                    <a:p>
+                      <a:pPr algn="ctr" fontAlgn="b"/>
+                      <a:r>
+                        <a:rPr lang="zh-CN" altLang="en-US" sz="700" u="none" strike="noStrike">
+                          <a:effectLst/>
+                        </a:rPr>
+                        <a:t>　</a:t>
+                      </a:r>
+                      <a:endParaRPr lang="zh-CN" altLang="en-US" sz="700" b="0" i="0" u="none" strike="noStrike">
+                        <a:solidFill>
+                          <a:srgbClr val="000000"/>
+                        </a:solidFill>
+                        <a:effectLst/>
+                        <a:latin typeface="宋体" panose="02010600030101010101" pitchFamily="2" charset="-122"/>
+                        <a:ea typeface="宋体" panose="02010600030101010101" pitchFamily="2" charset="-122"/>
+                      </a:endParaRPr>
+                    </a:p>
+                  </a:txBody>
+                  <a:tcPr marL="4898" marR="4898" marT="4898" marB="0" anchor="b"/>
                 </a:tc>
                 <a:extLst>
                   <a:ext uri="{0D108BD9-81ED-4DB2-BD59-A6C34878D82A}">
-                    <a16:rowId xmlns:a16="http://schemas.microsoft.com/office/drawing/2014/main" val="1556172475"/>
+                    <a16:rowId xmlns:a16="http://schemas.microsoft.com/office/drawing/2014/main" val="1723193658"/>
                   </a:ext>
                 </a:extLst>
               </a:tr>
-              <a:tr h="228266">
+              <a:tr h="293043">
                 <a:tc vMerge="1">
                   <a:txBody>
                     <a:bodyPr/>
@@ -35943,86 +36981,128 @@
                     <a:bodyPr/>
                     <a:lstStyle/>
                     <a:p>
-                      <a:pPr algn="ctr">
-                        <a:spcAft>
-                          <a:spcPts val="0"/>
-                        </a:spcAft>
-                      </a:pPr>
+                      <a:pPr algn="ctr" fontAlgn="ctr"/>
                       <a:r>
-                        <a:rPr lang="zh-CN" sz="900" kern="0">
+                        <a:rPr lang="zh-CN" altLang="en-US" sz="700" u="none" strike="noStrike">
                           <a:effectLst/>
                         </a:rPr>
                         <a:t>选择功能</a:t>
                       </a:r>
-                      <a:endParaRPr lang="zh-CN" sz="800" kern="100">
+                      <a:endParaRPr lang="zh-CN" altLang="en-US" sz="700" b="0" i="0" u="none" strike="noStrike">
+                        <a:solidFill>
+                          <a:srgbClr val="000000"/>
+                        </a:solidFill>
                         <a:effectLst/>
-                        <a:latin typeface="等线" panose="02010600030101010101" pitchFamily="2" charset="-122"/>
-                        <a:ea typeface="等线" panose="02010600030101010101" pitchFamily="2" charset="-122"/>
-                        <a:cs typeface="Times New Roman" panose="02020603050405020304" pitchFamily="18" charset="0"/>
+                        <a:latin typeface="宋体" panose="02010600030101010101" pitchFamily="2" charset="-122"/>
+                        <a:ea typeface="宋体" panose="02010600030101010101" pitchFamily="2" charset="-122"/>
                       </a:endParaRPr>
                     </a:p>
                   </a:txBody>
-                  <a:tcPr marL="53169" marR="53169" marT="0" marB="0" anchor="ctr"/>
+                  <a:tcPr marL="4898" marR="4898" marT="4898" marB="0" anchor="ctr"/>
                 </a:tc>
                 <a:tc>
                   <a:txBody>
                     <a:bodyPr/>
                     <a:lstStyle/>
                     <a:p>
-                      <a:pPr algn="ctr">
-                        <a:spcAft>
-                          <a:spcPts val="0"/>
-                        </a:spcAft>
-                      </a:pPr>
+                      <a:pPr algn="ctr" fontAlgn="ctr"/>
                       <a:r>
-                        <a:rPr lang="zh-CN" sz="900" kern="0">
+                        <a:rPr lang="zh-CN" altLang="en-US" sz="700" u="none" strike="noStrike">
                           <a:effectLst/>
                         </a:rPr>
                         <a:t>点击学员信息查询</a:t>
                       </a:r>
-                      <a:endParaRPr lang="zh-CN" sz="800" kern="100">
+                      <a:endParaRPr lang="zh-CN" altLang="en-US" sz="700" b="0" i="0" u="none" strike="noStrike">
+                        <a:solidFill>
+                          <a:srgbClr val="000000"/>
+                        </a:solidFill>
                         <a:effectLst/>
-                        <a:latin typeface="等线" panose="02010600030101010101" pitchFamily="2" charset="-122"/>
-                        <a:ea typeface="等线" panose="02010600030101010101" pitchFamily="2" charset="-122"/>
-                        <a:cs typeface="Times New Roman" panose="02020603050405020304" pitchFamily="18" charset="0"/>
+                        <a:latin typeface="宋体" panose="02010600030101010101" pitchFamily="2" charset="-122"/>
+                        <a:ea typeface="宋体" panose="02010600030101010101" pitchFamily="2" charset="-122"/>
                       </a:endParaRPr>
                     </a:p>
                   </a:txBody>
-                  <a:tcPr marL="53169" marR="53169" marT="0" marB="0" anchor="ctr"/>
+                  <a:tcPr marL="4898" marR="4898" marT="4898" marB="0" anchor="ctr"/>
                 </a:tc>
                 <a:tc>
                   <a:txBody>
                     <a:bodyPr/>
                     <a:lstStyle/>
                     <a:p>
-                      <a:pPr algn="ctr">
-                        <a:spcAft>
-                          <a:spcPts val="0"/>
-                        </a:spcAft>
-                      </a:pPr>
+                      <a:pPr algn="ctr" fontAlgn="ctr"/>
                       <a:r>
-                        <a:rPr lang="zh-CN" sz="900" kern="0">
+                        <a:rPr lang="zh-CN" altLang="en-US" sz="700" u="none" strike="noStrike">
                           <a:effectLst/>
                         </a:rPr>
                         <a:t>跳转功能</a:t>
                       </a:r>
-                      <a:endParaRPr lang="zh-CN" sz="800" kern="100">
+                      <a:endParaRPr lang="zh-CN" altLang="en-US" sz="700" b="0" i="0" u="none" strike="noStrike">
+                        <a:solidFill>
+                          <a:srgbClr val="000000"/>
+                        </a:solidFill>
                         <a:effectLst/>
-                        <a:latin typeface="等线" panose="02010600030101010101" pitchFamily="2" charset="-122"/>
-                        <a:ea typeface="等线" panose="02010600030101010101" pitchFamily="2" charset="-122"/>
-                        <a:cs typeface="Times New Roman" panose="02020603050405020304" pitchFamily="18" charset="0"/>
+                        <a:latin typeface="宋体" panose="02010600030101010101" pitchFamily="2" charset="-122"/>
+                        <a:ea typeface="宋体" panose="02010600030101010101" pitchFamily="2" charset="-122"/>
                       </a:endParaRPr>
                     </a:p>
                   </a:txBody>
-                  <a:tcPr marL="53169" marR="53169" marT="0" marB="0" anchor="ctr"/>
+                  <a:tcPr marL="4898" marR="4898" marT="4898" marB="0" anchor="ctr"/>
+                </a:tc>
+                <a:tc>
+                  <a:txBody>
+                    <a:bodyPr/>
+                    <a:lstStyle/>
+                    <a:p>
+                      <a:pPr algn="ctr" fontAlgn="ctr"/>
+                      <a:r>
+                        <a:rPr lang="zh-CN" altLang="en-US" sz="700" u="none" strike="noStrike">
+                          <a:effectLst/>
+                        </a:rPr>
+                        <a:t>跳转至学员信息一览界面</a:t>
+                      </a:r>
+                      <a:endParaRPr lang="zh-CN" altLang="en-US" sz="700" b="0" i="0" u="none" strike="noStrike">
+                        <a:solidFill>
+                          <a:srgbClr val="000000"/>
+                        </a:solidFill>
+                        <a:effectLst/>
+                        <a:latin typeface="宋体" panose="02010600030101010101" pitchFamily="2" charset="-122"/>
+                        <a:ea typeface="宋体" panose="02010600030101010101" pitchFamily="2" charset="-122"/>
+                      </a:endParaRPr>
+                    </a:p>
+                  </a:txBody>
+                  <a:tcPr marL="4898" marR="4898" marT="4898" marB="0" anchor="ctr"/>
+                </a:tc>
+                <a:tc>
+                  <a:txBody>
+                    <a:bodyPr/>
+                    <a:lstStyle/>
+                    <a:p>
+                      <a:pPr algn="ctr" fontAlgn="b"/>
+                      <a:r>
+                        <a:rPr lang="zh-CN" altLang="en-US" sz="700" u="none" strike="noStrike">
+                          <a:effectLst/>
+                        </a:rPr>
+                        <a:t>　</a:t>
+                      </a:r>
+                      <a:endParaRPr lang="zh-CN" altLang="en-US" sz="700" b="0" i="0" u="none" strike="noStrike">
+                        <a:solidFill>
+                          <a:srgbClr val="000000"/>
+                        </a:solidFill>
+                        <a:effectLst/>
+                        <a:latin typeface="宋体" panose="02010600030101010101" pitchFamily="2" charset="-122"/>
+                        <a:ea typeface="宋体" panose="02010600030101010101" pitchFamily="2" charset="-122"/>
+                      </a:endParaRPr>
+                    </a:p>
+                  </a:txBody>
+                  <a:tcPr marL="4898" marR="4898" marT="4898" marB="0" anchor="b"/>
                 </a:tc>
                 <a:extLst>
                   <a:ext uri="{0D108BD9-81ED-4DB2-BD59-A6C34878D82A}">
-                    <a16:rowId xmlns:a16="http://schemas.microsoft.com/office/drawing/2014/main" val="2507701115"/>
+                    <a16:rowId xmlns:a16="http://schemas.microsoft.com/office/drawing/2014/main" val="1273290505"/>
                   </a:ext>
                 </a:extLst>
               </a:tr>
-              <a:tr h="228266">
+              <a:tr h="293043">
                 <a:tc vMerge="1">
                   <a:txBody>
                     <a:bodyPr/>
@@ -36048,60 +37128,104 @@
                     <a:bodyPr/>
                     <a:lstStyle/>
                     <a:p>
-                      <a:pPr algn="ctr">
-                        <a:spcAft>
-                          <a:spcPts val="0"/>
-                        </a:spcAft>
-                      </a:pPr>
+                      <a:pPr algn="ctr" fontAlgn="ctr"/>
                       <a:r>
-                        <a:rPr lang="zh-CN" sz="900" kern="0">
+                        <a:rPr lang="zh-CN" altLang="en-US" sz="700" u="none" strike="noStrike">
                           <a:effectLst/>
                         </a:rPr>
                         <a:t>点击账号管理</a:t>
                       </a:r>
-                      <a:endParaRPr lang="zh-CN" sz="800" kern="100">
+                      <a:endParaRPr lang="zh-CN" altLang="en-US" sz="700" b="0" i="0" u="none" strike="noStrike">
+                        <a:solidFill>
+                          <a:srgbClr val="000000"/>
+                        </a:solidFill>
                         <a:effectLst/>
-                        <a:latin typeface="等线" panose="02010600030101010101" pitchFamily="2" charset="-122"/>
-                        <a:ea typeface="等线" panose="02010600030101010101" pitchFamily="2" charset="-122"/>
-                        <a:cs typeface="Times New Roman" panose="02020603050405020304" pitchFamily="18" charset="0"/>
+                        <a:latin typeface="宋体" panose="02010600030101010101" pitchFamily="2" charset="-122"/>
+                        <a:ea typeface="宋体" panose="02010600030101010101" pitchFamily="2" charset="-122"/>
                       </a:endParaRPr>
                     </a:p>
                   </a:txBody>
-                  <a:tcPr marL="53169" marR="53169" marT="0" marB="0" anchor="ctr"/>
+                  <a:tcPr marL="4898" marR="4898" marT="4898" marB="0" anchor="ctr"/>
                 </a:tc>
                 <a:tc>
                   <a:txBody>
                     <a:bodyPr/>
                     <a:lstStyle/>
                     <a:p>
-                      <a:pPr algn="ctr">
-                        <a:spcAft>
-                          <a:spcPts val="0"/>
-                        </a:spcAft>
-                      </a:pPr>
+                      <a:pPr algn="ctr" fontAlgn="ctr"/>
                       <a:r>
-                        <a:rPr lang="zh-CN" sz="900" kern="0">
+                        <a:rPr lang="zh-CN" altLang="en-US" sz="700" u="none" strike="noStrike">
                           <a:effectLst/>
                         </a:rPr>
                         <a:t>跳转功能</a:t>
                       </a:r>
-                      <a:endParaRPr lang="zh-CN" sz="800" kern="100">
+                      <a:endParaRPr lang="zh-CN" altLang="en-US" sz="700" b="0" i="0" u="none" strike="noStrike">
+                        <a:solidFill>
+                          <a:srgbClr val="000000"/>
+                        </a:solidFill>
                         <a:effectLst/>
-                        <a:latin typeface="等线" panose="02010600030101010101" pitchFamily="2" charset="-122"/>
-                        <a:ea typeface="等线" panose="02010600030101010101" pitchFamily="2" charset="-122"/>
-                        <a:cs typeface="Times New Roman" panose="02020603050405020304" pitchFamily="18" charset="0"/>
+                        <a:latin typeface="宋体" panose="02010600030101010101" pitchFamily="2" charset="-122"/>
+                        <a:ea typeface="宋体" panose="02010600030101010101" pitchFamily="2" charset="-122"/>
                       </a:endParaRPr>
                     </a:p>
                   </a:txBody>
-                  <a:tcPr marL="53169" marR="53169" marT="0" marB="0" anchor="ctr"/>
+                  <a:tcPr marL="4898" marR="4898" marT="4898" marB="0" anchor="ctr"/>
+                </a:tc>
+                <a:tc>
+                  <a:txBody>
+                    <a:bodyPr/>
+                    <a:lstStyle/>
+                    <a:p>
+                      <a:pPr algn="ctr" fontAlgn="ctr"/>
+                      <a:r>
+                        <a:rPr lang="zh-CN" altLang="en-US" sz="700" u="none" strike="noStrike">
+                          <a:effectLst/>
+                        </a:rPr>
+                        <a:t>跳转至账号管理初始界面</a:t>
+                      </a:r>
+                      <a:endParaRPr lang="zh-CN" altLang="en-US" sz="700" b="0" i="0" u="none" strike="noStrike">
+                        <a:solidFill>
+                          <a:srgbClr val="000000"/>
+                        </a:solidFill>
+                        <a:effectLst/>
+                        <a:latin typeface="宋体" panose="02010600030101010101" pitchFamily="2" charset="-122"/>
+                        <a:ea typeface="宋体" panose="02010600030101010101" pitchFamily="2" charset="-122"/>
+                      </a:endParaRPr>
+                    </a:p>
+                  </a:txBody>
+                  <a:tcPr marL="4898" marR="4898" marT="4898" marB="0" anchor="ctr"/>
+                </a:tc>
+                <a:tc>
+                  <a:txBody>
+                    <a:bodyPr/>
+                    <a:lstStyle/>
+                    <a:p>
+                      <a:pPr algn="ctr" fontAlgn="b"/>
+                      <a:r>
+                        <a:rPr lang="zh-CN" altLang="en-US" sz="700" u="none" strike="noStrike">
+                          <a:effectLst/>
+                        </a:rPr>
+                        <a:t>　</a:t>
+                      </a:r>
+                      <a:endParaRPr lang="zh-CN" altLang="en-US" sz="700" b="0" i="0" u="none" strike="noStrike">
+                        <a:solidFill>
+                          <a:srgbClr val="000000"/>
+                        </a:solidFill>
+                        <a:effectLst/>
+                        <a:latin typeface="宋体" panose="02010600030101010101" pitchFamily="2" charset="-122"/>
+                        <a:ea typeface="宋体" panose="02010600030101010101" pitchFamily="2" charset="-122"/>
+                      </a:endParaRPr>
+                    </a:p>
+                  </a:txBody>
+                  <a:tcPr marL="4898" marR="4898" marT="4898" marB="0" anchor="b"/>
                 </a:tc>
                 <a:extLst>
                   <a:ext uri="{0D108BD9-81ED-4DB2-BD59-A6C34878D82A}">
-                    <a16:rowId xmlns:a16="http://schemas.microsoft.com/office/drawing/2014/main" val="2568775291"/>
+                    <a16:rowId xmlns:a16="http://schemas.microsoft.com/office/drawing/2014/main" val="164649071"/>
                   </a:ext>
                 </a:extLst>
               </a:tr>
-              <a:tr h="228266">
+              <a:tr h="293043">
                 <a:tc vMerge="1">
                   <a:txBody>
                     <a:bodyPr/>
@@ -36127,183 +37251,273 @@
                     <a:bodyPr/>
                     <a:lstStyle/>
                     <a:p>
-                      <a:pPr algn="ctr">
-                        <a:spcAft>
-                          <a:spcPts val="0"/>
-                        </a:spcAft>
-                      </a:pPr>
+                      <a:pPr algn="ctr" fontAlgn="ctr"/>
                       <a:r>
-                        <a:rPr lang="zh-CN" sz="900" kern="0">
+                        <a:rPr lang="zh-CN" altLang="en-US" sz="700" u="none" strike="noStrike">
                           <a:effectLst/>
                         </a:rPr>
                         <a:t>点击学员绑定情况</a:t>
                       </a:r>
-                      <a:endParaRPr lang="zh-CN" sz="800" kern="100">
+                      <a:endParaRPr lang="zh-CN" altLang="en-US" sz="700" b="0" i="0" u="none" strike="noStrike">
+                        <a:solidFill>
+                          <a:srgbClr val="000000"/>
+                        </a:solidFill>
                         <a:effectLst/>
-                        <a:latin typeface="等线" panose="02010600030101010101" pitchFamily="2" charset="-122"/>
-                        <a:ea typeface="等线" panose="02010600030101010101" pitchFamily="2" charset="-122"/>
-                        <a:cs typeface="Times New Roman" panose="02020603050405020304" pitchFamily="18" charset="0"/>
+                        <a:latin typeface="宋体" panose="02010600030101010101" pitchFamily="2" charset="-122"/>
+                        <a:ea typeface="宋体" panose="02010600030101010101" pitchFamily="2" charset="-122"/>
                       </a:endParaRPr>
                     </a:p>
                   </a:txBody>
-                  <a:tcPr marL="53169" marR="53169" marT="0" marB="0" anchor="ctr"/>
+                  <a:tcPr marL="4898" marR="4898" marT="4898" marB="0" anchor="ctr"/>
                 </a:tc>
                 <a:tc>
                   <a:txBody>
                     <a:bodyPr/>
                     <a:lstStyle/>
                     <a:p>
-                      <a:pPr algn="ctr">
-                        <a:spcAft>
-                          <a:spcPts val="0"/>
-                        </a:spcAft>
-                      </a:pPr>
+                      <a:pPr algn="ctr" fontAlgn="ctr"/>
                       <a:r>
-                        <a:rPr lang="zh-CN" sz="900" kern="0">
+                        <a:rPr lang="zh-CN" altLang="en-US" sz="700" u="none" strike="noStrike">
                           <a:effectLst/>
                         </a:rPr>
                         <a:t>跳转功能</a:t>
                       </a:r>
-                      <a:endParaRPr lang="zh-CN" sz="800" kern="100">
+                      <a:endParaRPr lang="zh-CN" altLang="en-US" sz="700" b="0" i="0" u="none" strike="noStrike">
+                        <a:solidFill>
+                          <a:srgbClr val="000000"/>
+                        </a:solidFill>
                         <a:effectLst/>
-                        <a:latin typeface="等线" panose="02010600030101010101" pitchFamily="2" charset="-122"/>
-                        <a:ea typeface="等线" panose="02010600030101010101" pitchFamily="2" charset="-122"/>
-                        <a:cs typeface="Times New Roman" panose="02020603050405020304" pitchFamily="18" charset="0"/>
+                        <a:latin typeface="宋体" panose="02010600030101010101" pitchFamily="2" charset="-122"/>
+                        <a:ea typeface="宋体" panose="02010600030101010101" pitchFamily="2" charset="-122"/>
                       </a:endParaRPr>
                     </a:p>
                   </a:txBody>
-                  <a:tcPr marL="53169" marR="53169" marT="0" marB="0" anchor="ctr"/>
+                  <a:tcPr marL="4898" marR="4898" marT="4898" marB="0" anchor="ctr"/>
+                </a:tc>
+                <a:tc>
+                  <a:txBody>
+                    <a:bodyPr/>
+                    <a:lstStyle/>
+                    <a:p>
+                      <a:pPr algn="ctr" fontAlgn="ctr"/>
+                      <a:r>
+                        <a:rPr lang="zh-CN" altLang="en-US" sz="700" u="none" strike="noStrike">
+                          <a:effectLst/>
+                        </a:rPr>
+                        <a:t>跳转至学员绑定管理界面</a:t>
+                      </a:r>
+                      <a:endParaRPr lang="zh-CN" altLang="en-US" sz="700" b="0" i="0" u="none" strike="noStrike">
+                        <a:solidFill>
+                          <a:srgbClr val="000000"/>
+                        </a:solidFill>
+                        <a:effectLst/>
+                        <a:latin typeface="宋体" panose="02010600030101010101" pitchFamily="2" charset="-122"/>
+                        <a:ea typeface="宋体" panose="02010600030101010101" pitchFamily="2" charset="-122"/>
+                      </a:endParaRPr>
+                    </a:p>
+                  </a:txBody>
+                  <a:tcPr marL="4898" marR="4898" marT="4898" marB="0" anchor="ctr"/>
+                </a:tc>
+                <a:tc>
+                  <a:txBody>
+                    <a:bodyPr/>
+                    <a:lstStyle/>
+                    <a:p>
+                      <a:pPr algn="ctr" fontAlgn="b"/>
+                      <a:r>
+                        <a:rPr lang="zh-CN" altLang="en-US" sz="700" u="none" strike="noStrike">
+                          <a:effectLst/>
+                        </a:rPr>
+                        <a:t>　</a:t>
+                      </a:r>
+                      <a:endParaRPr lang="zh-CN" altLang="en-US" sz="700" b="0" i="0" u="none" strike="noStrike">
+                        <a:solidFill>
+                          <a:srgbClr val="000000"/>
+                        </a:solidFill>
+                        <a:effectLst/>
+                        <a:latin typeface="宋体" panose="02010600030101010101" pitchFamily="2" charset="-122"/>
+                        <a:ea typeface="宋体" panose="02010600030101010101" pitchFamily="2" charset="-122"/>
+                      </a:endParaRPr>
+                    </a:p>
+                  </a:txBody>
+                  <a:tcPr marL="4898" marR="4898" marT="4898" marB="0" anchor="b"/>
                 </a:tc>
                 <a:extLst>
                   <a:ext uri="{0D108BD9-81ED-4DB2-BD59-A6C34878D82A}">
-                    <a16:rowId xmlns:a16="http://schemas.microsoft.com/office/drawing/2014/main" val="3630562045"/>
+                    <a16:rowId xmlns:a16="http://schemas.microsoft.com/office/drawing/2014/main" val="3622361347"/>
                   </a:ext>
                 </a:extLst>
               </a:tr>
-              <a:tr h="228266">
+              <a:tr h="156291">
                 <a:tc rowSpan="7">
                   <a:txBody>
                     <a:bodyPr/>
                     <a:lstStyle/>
                     <a:p>
-                      <a:pPr algn="ctr">
-                        <a:spcAft>
-                          <a:spcPts val="0"/>
-                        </a:spcAft>
-                      </a:pPr>
+                      <a:pPr algn="ctr" fontAlgn="ctr"/>
                       <a:r>
-                        <a:rPr lang="zh-CN" sz="900" kern="0">
+                        <a:rPr lang="zh-CN" altLang="en-US" sz="700" u="none" strike="noStrike">
                           <a:effectLst/>
                         </a:rPr>
                         <a:t>学员个人中心</a:t>
                       </a:r>
-                      <a:endParaRPr lang="zh-CN" sz="800" kern="100">
+                      <a:endParaRPr lang="zh-CN" altLang="en-US" sz="700" b="0" i="0" u="none" strike="noStrike">
+                        <a:solidFill>
+                          <a:srgbClr val="000000"/>
+                        </a:solidFill>
                         <a:effectLst/>
-                        <a:latin typeface="等线" panose="02010600030101010101" pitchFamily="2" charset="-122"/>
-                        <a:ea typeface="等线" panose="02010600030101010101" pitchFamily="2" charset="-122"/>
-                        <a:cs typeface="Times New Roman" panose="02020603050405020304" pitchFamily="18" charset="0"/>
+                        <a:latin typeface="宋体" panose="02010600030101010101" pitchFamily="2" charset="-122"/>
+                        <a:ea typeface="宋体" panose="02010600030101010101" pitchFamily="2" charset="-122"/>
                       </a:endParaRPr>
                     </a:p>
                   </a:txBody>
-                  <a:tcPr marL="53169" marR="53169" marT="0" marB="0" anchor="ctr"/>
+                  <a:tcPr marL="4898" marR="4898" marT="4898" marB="0" anchor="ctr"/>
                 </a:tc>
                 <a:tc rowSpan="2">
                   <a:txBody>
                     <a:bodyPr/>
                     <a:lstStyle/>
                     <a:p>
-                      <a:pPr algn="ctr">
-                        <a:spcAft>
-                          <a:spcPts val="0"/>
-                        </a:spcAft>
-                      </a:pPr>
+                      <a:pPr algn="ctr" fontAlgn="ctr"/>
                       <a:r>
-                        <a:rPr lang="zh-CN" sz="900" kern="0">
+                        <a:rPr lang="zh-CN" altLang="en-US" sz="700" u="none" strike="noStrike">
                           <a:effectLst/>
                         </a:rPr>
                         <a:t>初始界面</a:t>
                       </a:r>
-                      <a:endParaRPr lang="zh-CN" sz="800" kern="100">
+                      <a:endParaRPr lang="zh-CN" altLang="en-US" sz="700" b="0" i="0" u="none" strike="noStrike">
+                        <a:solidFill>
+                          <a:srgbClr val="000000"/>
+                        </a:solidFill>
                         <a:effectLst/>
-                        <a:latin typeface="等线" panose="02010600030101010101" pitchFamily="2" charset="-122"/>
-                        <a:ea typeface="等线" panose="02010600030101010101" pitchFamily="2" charset="-122"/>
-                        <a:cs typeface="Times New Roman" panose="02020603050405020304" pitchFamily="18" charset="0"/>
+                        <a:latin typeface="宋体" panose="02010600030101010101" pitchFamily="2" charset="-122"/>
+                        <a:ea typeface="宋体" panose="02010600030101010101" pitchFamily="2" charset="-122"/>
                       </a:endParaRPr>
                     </a:p>
                   </a:txBody>
-                  <a:tcPr marL="53169" marR="53169" marT="0" marB="0" anchor="ctr"/>
+                  <a:tcPr marL="4898" marR="4898" marT="4898" marB="0" anchor="ctr"/>
                 </a:tc>
                 <a:tc rowSpan="2">
                   <a:txBody>
                     <a:bodyPr/>
                     <a:lstStyle/>
                     <a:p>
-                      <a:pPr algn="ctr">
-                        <a:spcAft>
-                          <a:spcPts val="0"/>
-                        </a:spcAft>
-                      </a:pPr>
+                      <a:pPr algn="ctr" fontAlgn="ctr"/>
                       <a:r>
-                        <a:rPr lang="zh-CN" sz="900" kern="0">
+                        <a:rPr lang="zh-CN" altLang="en-US" sz="700" u="none" strike="noStrike">
                           <a:effectLst/>
                         </a:rPr>
                         <a:t>　</a:t>
                       </a:r>
-                      <a:endParaRPr lang="zh-CN" sz="800" kern="100">
+                      <a:endParaRPr lang="zh-CN" altLang="en-US" sz="700" b="0" i="0" u="none" strike="noStrike">
+                        <a:solidFill>
+                          <a:srgbClr val="000000"/>
+                        </a:solidFill>
                         <a:effectLst/>
-                        <a:latin typeface="等线" panose="02010600030101010101" pitchFamily="2" charset="-122"/>
-                        <a:ea typeface="等线" panose="02010600030101010101" pitchFamily="2" charset="-122"/>
-                        <a:cs typeface="Times New Roman" panose="02020603050405020304" pitchFamily="18" charset="0"/>
+                        <a:latin typeface="宋体" panose="02010600030101010101" pitchFamily="2" charset="-122"/>
+                        <a:ea typeface="宋体" panose="02010600030101010101" pitchFamily="2" charset="-122"/>
                       </a:endParaRPr>
                     </a:p>
                   </a:txBody>
-                  <a:tcPr marL="53169" marR="53169" marT="0" marB="0" anchor="ctr"/>
+                  <a:tcPr marL="4898" marR="4898" marT="4898" marB="0" anchor="ctr"/>
                 </a:tc>
                 <a:tc>
                   <a:txBody>
                     <a:bodyPr/>
                     <a:lstStyle/>
                     <a:p>
-                      <a:pPr algn="ctr">
-                        <a:spcAft>
-                          <a:spcPts val="0"/>
-                        </a:spcAft>
-                      </a:pPr>
+                      <a:pPr algn="ctr" fontAlgn="ctr"/>
                       <a:r>
-                        <a:rPr lang="zh-CN" sz="900" kern="0">
+                        <a:rPr lang="zh-CN" altLang="en-US" sz="700" u="none" strike="noStrike">
                           <a:effectLst/>
                         </a:rPr>
                         <a:t>主导航为</a:t>
                       </a:r>
                       <a:r>
-                        <a:rPr lang="en-US" sz="900" kern="0">
+                        <a:rPr lang="en-US" altLang="zh-CN" sz="700" u="none" strike="noStrike">
                           <a:effectLst/>
                         </a:rPr>
                         <a:t>BMI</a:t>
                       </a:r>
                       <a:r>
-                        <a:rPr lang="zh-CN" sz="900" kern="0">
+                        <a:rPr lang="zh-CN" altLang="en-US" sz="700" u="none" strike="noStrike">
                           <a:effectLst/>
                         </a:rPr>
                         <a:t>曲线功能块</a:t>
                       </a:r>
-                      <a:endParaRPr lang="zh-CN" sz="800" kern="100">
+                      <a:endParaRPr lang="zh-CN" altLang="en-US" sz="700" b="0" i="0" u="none" strike="noStrike">
+                        <a:solidFill>
+                          <a:srgbClr val="000000"/>
+                        </a:solidFill>
                         <a:effectLst/>
-                        <a:latin typeface="等线" panose="02010600030101010101" pitchFamily="2" charset="-122"/>
-                        <a:ea typeface="等线" panose="02010600030101010101" pitchFamily="2" charset="-122"/>
-                        <a:cs typeface="Times New Roman" panose="02020603050405020304" pitchFamily="18" charset="0"/>
+                        <a:latin typeface="宋体" panose="02010600030101010101" pitchFamily="2" charset="-122"/>
+                        <a:ea typeface="宋体" panose="02010600030101010101" pitchFamily="2" charset="-122"/>
                       </a:endParaRPr>
                     </a:p>
                   </a:txBody>
-                  <a:tcPr marL="53169" marR="53169" marT="0" marB="0" anchor="ctr"/>
+                  <a:tcPr marL="4898" marR="4898" marT="4898" marB="0" anchor="ctr"/>
+                </a:tc>
+                <a:tc>
+                  <a:txBody>
+                    <a:bodyPr/>
+                    <a:lstStyle/>
+                    <a:p>
+                      <a:pPr algn="ctr" fontAlgn="ctr"/>
+                      <a:r>
+                        <a:rPr lang="en-US" sz="700" u="none" strike="noStrike">
+                          <a:effectLst/>
+                        </a:rPr>
+                        <a:t>BMI</a:t>
+                      </a:r>
+                      <a:r>
+                        <a:rPr lang="zh-CN" altLang="en-US" sz="700" u="none" strike="noStrike">
+                          <a:effectLst/>
+                        </a:rPr>
+                        <a:t>周线的出现</a:t>
+                      </a:r>
+                      <a:endParaRPr lang="zh-CN" altLang="en-US" sz="700" b="0" i="0" u="none" strike="noStrike">
+                        <a:solidFill>
+                          <a:srgbClr val="000000"/>
+                        </a:solidFill>
+                        <a:effectLst/>
+                        <a:latin typeface="宋体" panose="02010600030101010101" pitchFamily="2" charset="-122"/>
+                        <a:ea typeface="宋体" panose="02010600030101010101" pitchFamily="2" charset="-122"/>
+                      </a:endParaRPr>
+                    </a:p>
+                  </a:txBody>
+                  <a:tcPr marL="4898" marR="4898" marT="4898" marB="0" anchor="ctr"/>
+                </a:tc>
+                <a:tc>
+                  <a:txBody>
+                    <a:bodyPr/>
+                    <a:lstStyle/>
+                    <a:p>
+                      <a:pPr algn="ctr" fontAlgn="b"/>
+                      <a:r>
+                        <a:rPr lang="zh-CN" altLang="en-US" sz="700" u="none" strike="noStrike">
+                          <a:effectLst/>
+                        </a:rPr>
+                        <a:t>　</a:t>
+                      </a:r>
+                      <a:endParaRPr lang="zh-CN" altLang="en-US" sz="700" b="0" i="0" u="none" strike="noStrike">
+                        <a:solidFill>
+                          <a:srgbClr val="000000"/>
+                        </a:solidFill>
+                        <a:effectLst/>
+                        <a:latin typeface="宋体" panose="02010600030101010101" pitchFamily="2" charset="-122"/>
+                        <a:ea typeface="宋体" panose="02010600030101010101" pitchFamily="2" charset="-122"/>
+                      </a:endParaRPr>
+                    </a:p>
+                  </a:txBody>
+                  <a:tcPr marL="4898" marR="4898" marT="4898" marB="0" anchor="b"/>
                 </a:tc>
                 <a:extLst>
                   <a:ext uri="{0D108BD9-81ED-4DB2-BD59-A6C34878D82A}">
-                    <a16:rowId xmlns:a16="http://schemas.microsoft.com/office/drawing/2014/main" val="1207201747"/>
+                    <a16:rowId xmlns:a16="http://schemas.microsoft.com/office/drawing/2014/main" val="3054093701"/>
                   </a:ext>
                 </a:extLst>
               </a:tr>
-              <a:tr h="228266">
+              <a:tr h="293043">
                 <a:tc vMerge="1">
                   <a:txBody>
                     <a:bodyPr/>
@@ -36339,34 +37553,80 @@
                     <a:bodyPr/>
                     <a:lstStyle/>
                     <a:p>
-                      <a:pPr algn="ctr">
-                        <a:spcAft>
-                          <a:spcPts val="0"/>
-                        </a:spcAft>
-                      </a:pPr>
+                      <a:pPr algn="ctr" fontAlgn="ctr"/>
                       <a:r>
-                        <a:rPr lang="zh-CN" sz="900" kern="0">
+                        <a:rPr lang="zh-CN" altLang="en-US" sz="700" u="none" strike="noStrike">
                           <a:effectLst/>
                         </a:rPr>
                         <a:t>下方可滑动转体脂率曲线</a:t>
                       </a:r>
-                      <a:endParaRPr lang="zh-CN" sz="800" kern="100">
+                      <a:endParaRPr lang="zh-CN" altLang="en-US" sz="700" b="0" i="0" u="none" strike="noStrike">
+                        <a:solidFill>
+                          <a:srgbClr val="000000"/>
+                        </a:solidFill>
                         <a:effectLst/>
-                        <a:latin typeface="等线" panose="02010600030101010101" pitchFamily="2" charset="-122"/>
-                        <a:ea typeface="等线" panose="02010600030101010101" pitchFamily="2" charset="-122"/>
-                        <a:cs typeface="Times New Roman" panose="02020603050405020304" pitchFamily="18" charset="0"/>
+                        <a:latin typeface="宋体" panose="02010600030101010101" pitchFamily="2" charset="-122"/>
+                        <a:ea typeface="宋体" panose="02010600030101010101" pitchFamily="2" charset="-122"/>
                       </a:endParaRPr>
                     </a:p>
                   </a:txBody>
-                  <a:tcPr marL="53169" marR="53169" marT="0" marB="0" anchor="ctr"/>
+                  <a:tcPr marL="4898" marR="4898" marT="4898" marB="0" anchor="ctr"/>
+                </a:tc>
+                <a:tc>
+                  <a:txBody>
+                    <a:bodyPr/>
+                    <a:lstStyle/>
+                    <a:p>
+                      <a:pPr algn="ctr" fontAlgn="ctr"/>
+                      <a:r>
+                        <a:rPr lang="zh-CN" altLang="en-US" sz="700" u="none" strike="noStrike">
+                          <a:effectLst/>
+                        </a:rPr>
+                        <a:t>右滑动，出现体脂率曲线</a:t>
+                      </a:r>
+                      <a:endParaRPr lang="zh-CN" altLang="en-US" sz="700" b="0" i="0" u="none" strike="noStrike">
+                        <a:solidFill>
+                          <a:srgbClr val="000000"/>
+                        </a:solidFill>
+                        <a:effectLst/>
+                        <a:latin typeface="宋体" panose="02010600030101010101" pitchFamily="2" charset="-122"/>
+                        <a:ea typeface="宋体" panose="02010600030101010101" pitchFamily="2" charset="-122"/>
+                      </a:endParaRPr>
+                    </a:p>
+                  </a:txBody>
+                  <a:tcPr marL="4898" marR="4898" marT="4898" marB="0" anchor="ctr"/>
+                </a:tc>
+                <a:tc>
+                  <a:txBody>
+                    <a:bodyPr/>
+                    <a:lstStyle/>
+                    <a:p>
+                      <a:pPr algn="ctr" fontAlgn="b"/>
+                      <a:r>
+                        <a:rPr lang="zh-CN" altLang="en-US" sz="700" u="none" strike="noStrike">
+                          <a:effectLst/>
+                        </a:rPr>
+                        <a:t>　</a:t>
+                      </a:r>
+                      <a:endParaRPr lang="zh-CN" altLang="en-US" sz="700" b="0" i="0" u="none" strike="noStrike">
+                        <a:solidFill>
+                          <a:srgbClr val="000000"/>
+                        </a:solidFill>
+                        <a:effectLst/>
+                        <a:latin typeface="宋体" panose="02010600030101010101" pitchFamily="2" charset="-122"/>
+                        <a:ea typeface="宋体" panose="02010600030101010101" pitchFamily="2" charset="-122"/>
+                      </a:endParaRPr>
+                    </a:p>
+                  </a:txBody>
+                  <a:tcPr marL="4898" marR="4898" marT="4898" marB="0" anchor="b"/>
                 </a:tc>
                 <a:extLst>
                   <a:ext uri="{0D108BD9-81ED-4DB2-BD59-A6C34878D82A}">
-                    <a16:rowId xmlns:a16="http://schemas.microsoft.com/office/drawing/2014/main" val="2451414657"/>
+                    <a16:rowId xmlns:a16="http://schemas.microsoft.com/office/drawing/2014/main" val="3332214554"/>
                   </a:ext>
                 </a:extLst>
               </a:tr>
-              <a:tr h="228266">
+              <a:tr h="156291">
                 <a:tc vMerge="1">
                   <a:txBody>
                     <a:bodyPr/>
@@ -36382,86 +37642,128 @@
                     <a:bodyPr/>
                     <a:lstStyle/>
                     <a:p>
-                      <a:pPr algn="ctr">
-                        <a:spcAft>
-                          <a:spcPts val="0"/>
-                        </a:spcAft>
-                      </a:pPr>
+                      <a:pPr algn="ctr" fontAlgn="ctr"/>
                       <a:r>
-                        <a:rPr lang="zh-CN" sz="900" kern="0">
+                        <a:rPr lang="zh-CN" altLang="en-US" sz="700" u="none" strike="noStrike">
                           <a:effectLst/>
                         </a:rPr>
                         <a:t>选择功能</a:t>
                       </a:r>
-                      <a:endParaRPr lang="zh-CN" sz="800" kern="100">
+                      <a:endParaRPr lang="zh-CN" altLang="en-US" sz="700" b="0" i="0" u="none" strike="noStrike">
+                        <a:solidFill>
+                          <a:srgbClr val="000000"/>
+                        </a:solidFill>
                         <a:effectLst/>
-                        <a:latin typeface="等线" panose="02010600030101010101" pitchFamily="2" charset="-122"/>
-                        <a:ea typeface="等线" panose="02010600030101010101" pitchFamily="2" charset="-122"/>
-                        <a:cs typeface="Times New Roman" panose="02020603050405020304" pitchFamily="18" charset="0"/>
+                        <a:latin typeface="宋体" panose="02010600030101010101" pitchFamily="2" charset="-122"/>
+                        <a:ea typeface="宋体" panose="02010600030101010101" pitchFamily="2" charset="-122"/>
                       </a:endParaRPr>
                     </a:p>
                   </a:txBody>
-                  <a:tcPr marL="53169" marR="53169" marT="0" marB="0" anchor="ctr"/>
+                  <a:tcPr marL="4898" marR="4898" marT="4898" marB="0" anchor="ctr"/>
                 </a:tc>
                 <a:tc>
                   <a:txBody>
                     <a:bodyPr/>
                     <a:lstStyle/>
                     <a:p>
-                      <a:pPr algn="ctr">
-                        <a:spcAft>
-                          <a:spcPts val="0"/>
-                        </a:spcAft>
-                      </a:pPr>
+                      <a:pPr algn="ctr" fontAlgn="ctr"/>
                       <a:r>
-                        <a:rPr lang="zh-CN" sz="900" kern="0">
+                        <a:rPr lang="zh-CN" altLang="en-US" sz="700" u="none" strike="noStrike">
                           <a:effectLst/>
                         </a:rPr>
                         <a:t>点击分享</a:t>
                       </a:r>
-                      <a:endParaRPr lang="zh-CN" sz="800" kern="100">
+                      <a:endParaRPr lang="zh-CN" altLang="en-US" sz="700" b="0" i="0" u="none" strike="noStrike">
+                        <a:solidFill>
+                          <a:srgbClr val="000000"/>
+                        </a:solidFill>
                         <a:effectLst/>
-                        <a:latin typeface="等线" panose="02010600030101010101" pitchFamily="2" charset="-122"/>
-                        <a:ea typeface="等线" panose="02010600030101010101" pitchFamily="2" charset="-122"/>
-                        <a:cs typeface="Times New Roman" panose="02020603050405020304" pitchFamily="18" charset="0"/>
+                        <a:latin typeface="宋体" panose="02010600030101010101" pitchFamily="2" charset="-122"/>
+                        <a:ea typeface="宋体" panose="02010600030101010101" pitchFamily="2" charset="-122"/>
                       </a:endParaRPr>
                     </a:p>
                   </a:txBody>
-                  <a:tcPr marL="53169" marR="53169" marT="0" marB="0" anchor="ctr"/>
+                  <a:tcPr marL="4898" marR="4898" marT="4898" marB="0" anchor="ctr"/>
                 </a:tc>
                 <a:tc>
                   <a:txBody>
                     <a:bodyPr/>
                     <a:lstStyle/>
                     <a:p>
-                      <a:pPr algn="ctr">
-                        <a:spcAft>
-                          <a:spcPts val="0"/>
-                        </a:spcAft>
-                      </a:pPr>
+                      <a:pPr algn="ctr" fontAlgn="ctr"/>
                       <a:r>
-                        <a:rPr lang="zh-CN" sz="900" kern="0">
+                        <a:rPr lang="zh-CN" altLang="en-US" sz="700" u="none" strike="noStrike">
                           <a:effectLst/>
                         </a:rPr>
                         <a:t>是否生成分享朋友圈</a:t>
                       </a:r>
-                      <a:endParaRPr lang="zh-CN" sz="800" kern="100">
+                      <a:endParaRPr lang="zh-CN" altLang="en-US" sz="700" b="0" i="0" u="none" strike="noStrike">
+                        <a:solidFill>
+                          <a:srgbClr val="000000"/>
+                        </a:solidFill>
                         <a:effectLst/>
-                        <a:latin typeface="等线" panose="02010600030101010101" pitchFamily="2" charset="-122"/>
-                        <a:ea typeface="等线" panose="02010600030101010101" pitchFamily="2" charset="-122"/>
-                        <a:cs typeface="Times New Roman" panose="02020603050405020304" pitchFamily="18" charset="0"/>
+                        <a:latin typeface="宋体" panose="02010600030101010101" pitchFamily="2" charset="-122"/>
+                        <a:ea typeface="宋体" panose="02010600030101010101" pitchFamily="2" charset="-122"/>
                       </a:endParaRPr>
                     </a:p>
                   </a:txBody>
-                  <a:tcPr marL="53169" marR="53169" marT="0" marB="0" anchor="ctr"/>
+                  <a:tcPr marL="4898" marR="4898" marT="4898" marB="0" anchor="ctr"/>
+                </a:tc>
+                <a:tc>
+                  <a:txBody>
+                    <a:bodyPr/>
+                    <a:lstStyle/>
+                    <a:p>
+                      <a:pPr algn="ctr" fontAlgn="ctr"/>
+                      <a:r>
+                        <a:rPr lang="zh-CN" altLang="en-US" sz="700" u="none" strike="noStrike">
+                          <a:effectLst/>
+                        </a:rPr>
+                        <a:t>转发界面出现</a:t>
+                      </a:r>
+                      <a:endParaRPr lang="zh-CN" altLang="en-US" sz="700" b="0" i="0" u="none" strike="noStrike">
+                        <a:solidFill>
+                          <a:srgbClr val="000000"/>
+                        </a:solidFill>
+                        <a:effectLst/>
+                        <a:latin typeface="宋体" panose="02010600030101010101" pitchFamily="2" charset="-122"/>
+                        <a:ea typeface="宋体" panose="02010600030101010101" pitchFamily="2" charset="-122"/>
+                      </a:endParaRPr>
+                    </a:p>
+                  </a:txBody>
+                  <a:tcPr marL="4898" marR="4898" marT="4898" marB="0" anchor="ctr"/>
+                </a:tc>
+                <a:tc>
+                  <a:txBody>
+                    <a:bodyPr/>
+                    <a:lstStyle/>
+                    <a:p>
+                      <a:pPr algn="ctr" fontAlgn="b"/>
+                      <a:r>
+                        <a:rPr lang="zh-CN" altLang="en-US" sz="700" u="none" strike="noStrike">
+                          <a:effectLst/>
+                        </a:rPr>
+                        <a:t>　</a:t>
+                      </a:r>
+                      <a:endParaRPr lang="zh-CN" altLang="en-US" sz="700" b="0" i="0" u="none" strike="noStrike">
+                        <a:solidFill>
+                          <a:srgbClr val="000000"/>
+                        </a:solidFill>
+                        <a:effectLst/>
+                        <a:latin typeface="宋体" panose="02010600030101010101" pitchFamily="2" charset="-122"/>
+                        <a:ea typeface="宋体" panose="02010600030101010101" pitchFamily="2" charset="-122"/>
+                      </a:endParaRPr>
+                    </a:p>
+                  </a:txBody>
+                  <a:tcPr marL="4898" marR="4898" marT="4898" marB="0" anchor="b"/>
                 </a:tc>
                 <a:extLst>
                   <a:ext uri="{0D108BD9-81ED-4DB2-BD59-A6C34878D82A}">
-                    <a16:rowId xmlns:a16="http://schemas.microsoft.com/office/drawing/2014/main" val="3546470357"/>
+                    <a16:rowId xmlns:a16="http://schemas.microsoft.com/office/drawing/2014/main" val="1252847548"/>
                   </a:ext>
                 </a:extLst>
               </a:tr>
-              <a:tr h="228266">
+              <a:tr h="156291">
                 <a:tc vMerge="1">
                   <a:txBody>
                     <a:bodyPr/>
@@ -36487,60 +37789,104 @@
                     <a:bodyPr/>
                     <a:lstStyle/>
                     <a:p>
-                      <a:pPr algn="ctr">
-                        <a:spcAft>
-                          <a:spcPts val="0"/>
-                        </a:spcAft>
-                      </a:pPr>
+                      <a:pPr algn="ctr" fontAlgn="ctr"/>
                       <a:r>
-                        <a:rPr lang="zh-CN" sz="900" kern="0">
+                        <a:rPr lang="zh-CN" altLang="en-US" sz="700" u="none" strike="noStrike">
                           <a:effectLst/>
                         </a:rPr>
                         <a:t>点击各个体重录入</a:t>
                       </a:r>
-                      <a:endParaRPr lang="zh-CN" sz="800" kern="100">
+                      <a:endParaRPr lang="zh-CN" altLang="en-US" sz="700" b="0" i="0" u="none" strike="noStrike">
+                        <a:solidFill>
+                          <a:srgbClr val="000000"/>
+                        </a:solidFill>
                         <a:effectLst/>
-                        <a:latin typeface="等线" panose="02010600030101010101" pitchFamily="2" charset="-122"/>
-                        <a:ea typeface="等线" panose="02010600030101010101" pitchFamily="2" charset="-122"/>
-                        <a:cs typeface="Times New Roman" panose="02020603050405020304" pitchFamily="18" charset="0"/>
+                        <a:latin typeface="宋体" panose="02010600030101010101" pitchFamily="2" charset="-122"/>
+                        <a:ea typeface="宋体" panose="02010600030101010101" pitchFamily="2" charset="-122"/>
                       </a:endParaRPr>
                     </a:p>
                   </a:txBody>
-                  <a:tcPr marL="53169" marR="53169" marT="0" marB="0" anchor="ctr"/>
+                  <a:tcPr marL="4898" marR="4898" marT="4898" marB="0" anchor="ctr"/>
                 </a:tc>
                 <a:tc>
                   <a:txBody>
                     <a:bodyPr/>
                     <a:lstStyle/>
                     <a:p>
-                      <a:pPr algn="ctr">
-                        <a:spcAft>
-                          <a:spcPts val="0"/>
-                        </a:spcAft>
-                      </a:pPr>
+                      <a:pPr algn="ctr" fontAlgn="ctr"/>
                       <a:r>
-                        <a:rPr lang="zh-CN" sz="900" kern="0">
+                        <a:rPr lang="zh-CN" altLang="en-US" sz="700" u="none" strike="noStrike">
                           <a:effectLst/>
                         </a:rPr>
                         <a:t>跳转功能</a:t>
                       </a:r>
-                      <a:endParaRPr lang="zh-CN" sz="800" kern="100">
+                      <a:endParaRPr lang="zh-CN" altLang="en-US" sz="700" b="0" i="0" u="none" strike="noStrike">
+                        <a:solidFill>
+                          <a:srgbClr val="000000"/>
+                        </a:solidFill>
                         <a:effectLst/>
-                        <a:latin typeface="等线" panose="02010600030101010101" pitchFamily="2" charset="-122"/>
-                        <a:ea typeface="等线" panose="02010600030101010101" pitchFamily="2" charset="-122"/>
-                        <a:cs typeface="Times New Roman" panose="02020603050405020304" pitchFamily="18" charset="0"/>
+                        <a:latin typeface="宋体" panose="02010600030101010101" pitchFamily="2" charset="-122"/>
+                        <a:ea typeface="宋体" panose="02010600030101010101" pitchFamily="2" charset="-122"/>
                       </a:endParaRPr>
                     </a:p>
                   </a:txBody>
-                  <a:tcPr marL="53169" marR="53169" marT="0" marB="0" anchor="ctr"/>
+                  <a:tcPr marL="4898" marR="4898" marT="4898" marB="0" anchor="ctr"/>
+                </a:tc>
+                <a:tc>
+                  <a:txBody>
+                    <a:bodyPr/>
+                    <a:lstStyle/>
+                    <a:p>
+                      <a:pPr algn="ctr" fontAlgn="ctr"/>
+                      <a:r>
+                        <a:rPr lang="zh-CN" altLang="en-US" sz="700" u="none" strike="noStrike">
+                          <a:effectLst/>
+                        </a:rPr>
+                        <a:t>跳转至体重记录界面</a:t>
+                      </a:r>
+                      <a:endParaRPr lang="zh-CN" altLang="en-US" sz="700" b="0" i="0" u="none" strike="noStrike">
+                        <a:solidFill>
+                          <a:srgbClr val="000000"/>
+                        </a:solidFill>
+                        <a:effectLst/>
+                        <a:latin typeface="宋体" panose="02010600030101010101" pitchFamily="2" charset="-122"/>
+                        <a:ea typeface="宋体" panose="02010600030101010101" pitchFamily="2" charset="-122"/>
+                      </a:endParaRPr>
+                    </a:p>
+                  </a:txBody>
+                  <a:tcPr marL="4898" marR="4898" marT="4898" marB="0" anchor="ctr"/>
+                </a:tc>
+                <a:tc>
+                  <a:txBody>
+                    <a:bodyPr/>
+                    <a:lstStyle/>
+                    <a:p>
+                      <a:pPr algn="ctr" fontAlgn="b"/>
+                      <a:r>
+                        <a:rPr lang="zh-CN" altLang="en-US" sz="700" u="none" strike="noStrike">
+                          <a:effectLst/>
+                        </a:rPr>
+                        <a:t>　</a:t>
+                      </a:r>
+                      <a:endParaRPr lang="zh-CN" altLang="en-US" sz="700" b="0" i="0" u="none" strike="noStrike">
+                        <a:solidFill>
+                          <a:srgbClr val="000000"/>
+                        </a:solidFill>
+                        <a:effectLst/>
+                        <a:latin typeface="宋体" panose="02010600030101010101" pitchFamily="2" charset="-122"/>
+                        <a:ea typeface="宋体" panose="02010600030101010101" pitchFamily="2" charset="-122"/>
+                      </a:endParaRPr>
+                    </a:p>
+                  </a:txBody>
+                  <a:tcPr marL="4898" marR="4898" marT="4898" marB="0" anchor="b"/>
                 </a:tc>
                 <a:extLst>
                   <a:ext uri="{0D108BD9-81ED-4DB2-BD59-A6C34878D82A}">
-                    <a16:rowId xmlns:a16="http://schemas.microsoft.com/office/drawing/2014/main" val="3872241287"/>
+                    <a16:rowId xmlns:a16="http://schemas.microsoft.com/office/drawing/2014/main" val="2510964773"/>
                   </a:ext>
                 </a:extLst>
               </a:tr>
-              <a:tr h="228266">
+              <a:tr h="156291">
                 <a:tc vMerge="1">
                   <a:txBody>
                     <a:bodyPr/>
@@ -36566,60 +37912,104 @@
                     <a:bodyPr/>
                     <a:lstStyle/>
                     <a:p>
-                      <a:pPr algn="ctr">
-                        <a:spcAft>
-                          <a:spcPts val="0"/>
-                        </a:spcAft>
-                      </a:pPr>
+                      <a:pPr algn="ctr" fontAlgn="ctr"/>
                       <a:r>
-                        <a:rPr lang="zh-CN" sz="900" kern="0">
+                        <a:rPr lang="zh-CN" altLang="en-US" sz="700" u="none" strike="noStrike">
                           <a:effectLst/>
                         </a:rPr>
                         <a:t>点击每日提醒设置</a:t>
                       </a:r>
-                      <a:endParaRPr lang="zh-CN" sz="800" kern="100">
+                      <a:endParaRPr lang="zh-CN" altLang="en-US" sz="700" b="0" i="0" u="none" strike="noStrike">
+                        <a:solidFill>
+                          <a:srgbClr val="000000"/>
+                        </a:solidFill>
                         <a:effectLst/>
-                        <a:latin typeface="等线" panose="02010600030101010101" pitchFamily="2" charset="-122"/>
-                        <a:ea typeface="等线" panose="02010600030101010101" pitchFamily="2" charset="-122"/>
-                        <a:cs typeface="Times New Roman" panose="02020603050405020304" pitchFamily="18" charset="0"/>
+                        <a:latin typeface="宋体" panose="02010600030101010101" pitchFamily="2" charset="-122"/>
+                        <a:ea typeface="宋体" panose="02010600030101010101" pitchFamily="2" charset="-122"/>
                       </a:endParaRPr>
                     </a:p>
                   </a:txBody>
-                  <a:tcPr marL="53169" marR="53169" marT="0" marB="0" anchor="ctr"/>
+                  <a:tcPr marL="4898" marR="4898" marT="4898" marB="0" anchor="ctr"/>
                 </a:tc>
                 <a:tc>
                   <a:txBody>
                     <a:bodyPr/>
                     <a:lstStyle/>
                     <a:p>
-                      <a:pPr algn="ctr">
-                        <a:spcAft>
-                          <a:spcPts val="0"/>
-                        </a:spcAft>
-                      </a:pPr>
+                      <a:pPr algn="ctr" fontAlgn="ctr"/>
                       <a:r>
-                        <a:rPr lang="zh-CN" sz="900" kern="0">
+                        <a:rPr lang="zh-CN" altLang="en-US" sz="700" u="none" strike="noStrike">
                           <a:effectLst/>
                         </a:rPr>
                         <a:t>同步手机时间提醒</a:t>
                       </a:r>
-                      <a:endParaRPr lang="zh-CN" sz="800" kern="100">
+                      <a:endParaRPr lang="zh-CN" altLang="en-US" sz="700" b="0" i="0" u="none" strike="noStrike">
+                        <a:solidFill>
+                          <a:srgbClr val="000000"/>
+                        </a:solidFill>
                         <a:effectLst/>
-                        <a:latin typeface="等线" panose="02010600030101010101" pitchFamily="2" charset="-122"/>
-                        <a:ea typeface="等线" panose="02010600030101010101" pitchFamily="2" charset="-122"/>
-                        <a:cs typeface="Times New Roman" panose="02020603050405020304" pitchFamily="18" charset="0"/>
+                        <a:latin typeface="宋体" panose="02010600030101010101" pitchFamily="2" charset="-122"/>
+                        <a:ea typeface="宋体" panose="02010600030101010101" pitchFamily="2" charset="-122"/>
                       </a:endParaRPr>
                     </a:p>
                   </a:txBody>
-                  <a:tcPr marL="53169" marR="53169" marT="0" marB="0" anchor="ctr"/>
+                  <a:tcPr marL="4898" marR="4898" marT="4898" marB="0" anchor="ctr"/>
+                </a:tc>
+                <a:tc>
+                  <a:txBody>
+                    <a:bodyPr/>
+                    <a:lstStyle/>
+                    <a:p>
+                      <a:pPr algn="ctr" fontAlgn="ctr"/>
+                      <a:r>
+                        <a:rPr lang="zh-CN" altLang="en-US" sz="700" u="none" strike="noStrike">
+                          <a:effectLst/>
+                        </a:rPr>
+                        <a:t>预定时间点提醒</a:t>
+                      </a:r>
+                      <a:endParaRPr lang="zh-CN" altLang="en-US" sz="700" b="0" i="0" u="none" strike="noStrike">
+                        <a:solidFill>
+                          <a:srgbClr val="000000"/>
+                        </a:solidFill>
+                        <a:effectLst/>
+                        <a:latin typeface="宋体" panose="02010600030101010101" pitchFamily="2" charset="-122"/>
+                        <a:ea typeface="宋体" panose="02010600030101010101" pitchFamily="2" charset="-122"/>
+                      </a:endParaRPr>
+                    </a:p>
+                  </a:txBody>
+                  <a:tcPr marL="4898" marR="4898" marT="4898" marB="0" anchor="ctr"/>
+                </a:tc>
+                <a:tc>
+                  <a:txBody>
+                    <a:bodyPr/>
+                    <a:lstStyle/>
+                    <a:p>
+                      <a:pPr algn="ctr" fontAlgn="b"/>
+                      <a:r>
+                        <a:rPr lang="zh-CN" altLang="en-US" sz="700" u="none" strike="noStrike">
+                          <a:effectLst/>
+                        </a:rPr>
+                        <a:t>　</a:t>
+                      </a:r>
+                      <a:endParaRPr lang="zh-CN" altLang="en-US" sz="700" b="0" i="0" u="none" strike="noStrike">
+                        <a:solidFill>
+                          <a:srgbClr val="000000"/>
+                        </a:solidFill>
+                        <a:effectLst/>
+                        <a:latin typeface="宋体" panose="02010600030101010101" pitchFamily="2" charset="-122"/>
+                        <a:ea typeface="宋体" panose="02010600030101010101" pitchFamily="2" charset="-122"/>
+                      </a:endParaRPr>
+                    </a:p>
+                  </a:txBody>
+                  <a:tcPr marL="4898" marR="4898" marT="4898" marB="0" anchor="b"/>
                 </a:tc>
                 <a:extLst>
                   <a:ext uri="{0D108BD9-81ED-4DB2-BD59-A6C34878D82A}">
-                    <a16:rowId xmlns:a16="http://schemas.microsoft.com/office/drawing/2014/main" val="693227160"/>
+                    <a16:rowId xmlns:a16="http://schemas.microsoft.com/office/drawing/2014/main" val="2753820449"/>
                   </a:ext>
                 </a:extLst>
               </a:tr>
-              <a:tr h="228266">
+              <a:tr h="156291">
                 <a:tc vMerge="1">
                   <a:txBody>
                     <a:bodyPr/>
@@ -36635,86 +38025,128 @@
                     <a:bodyPr/>
                     <a:lstStyle/>
                     <a:p>
-                      <a:pPr algn="ctr">
-                        <a:spcAft>
-                          <a:spcPts val="0"/>
-                        </a:spcAft>
-                      </a:pPr>
+                      <a:pPr algn="ctr" fontAlgn="ctr"/>
                       <a:r>
-                        <a:rPr lang="zh-CN" sz="900" kern="0">
+                        <a:rPr lang="zh-CN" altLang="en-US" sz="700" u="none" strike="noStrike">
                           <a:effectLst/>
                         </a:rPr>
                         <a:t>推荐功能</a:t>
                       </a:r>
-                      <a:endParaRPr lang="zh-CN" sz="800" kern="100">
+                      <a:endParaRPr lang="zh-CN" altLang="en-US" sz="700" b="0" i="0" u="none" strike="noStrike">
+                        <a:solidFill>
+                          <a:srgbClr val="000000"/>
+                        </a:solidFill>
                         <a:effectLst/>
-                        <a:latin typeface="等线" panose="02010600030101010101" pitchFamily="2" charset="-122"/>
-                        <a:ea typeface="等线" panose="02010600030101010101" pitchFamily="2" charset="-122"/>
-                        <a:cs typeface="Times New Roman" panose="02020603050405020304" pitchFamily="18" charset="0"/>
+                        <a:latin typeface="宋体" panose="02010600030101010101" pitchFamily="2" charset="-122"/>
+                        <a:ea typeface="宋体" panose="02010600030101010101" pitchFamily="2" charset="-122"/>
                       </a:endParaRPr>
                     </a:p>
                   </a:txBody>
-                  <a:tcPr marL="53169" marR="53169" marT="0" marB="0" anchor="ctr"/>
+                  <a:tcPr marL="4898" marR="4898" marT="4898" marB="0" anchor="ctr"/>
                 </a:tc>
                 <a:tc>
                   <a:txBody>
                     <a:bodyPr/>
                     <a:lstStyle/>
                     <a:p>
-                      <a:pPr algn="ctr">
-                        <a:spcAft>
-                          <a:spcPts val="0"/>
-                        </a:spcAft>
-                      </a:pPr>
+                      <a:pPr algn="ctr" fontAlgn="ctr"/>
                       <a:r>
-                        <a:rPr lang="zh-CN" sz="900" kern="0">
+                        <a:rPr lang="zh-CN" altLang="en-US" sz="700" u="none" strike="noStrike">
                           <a:effectLst/>
                         </a:rPr>
                         <a:t>运动推荐</a:t>
                       </a:r>
-                      <a:endParaRPr lang="zh-CN" sz="800" kern="100">
+                      <a:endParaRPr lang="zh-CN" altLang="en-US" sz="700" b="0" i="0" u="none" strike="noStrike">
+                        <a:solidFill>
+                          <a:srgbClr val="000000"/>
+                        </a:solidFill>
                         <a:effectLst/>
-                        <a:latin typeface="等线" panose="02010600030101010101" pitchFamily="2" charset="-122"/>
-                        <a:ea typeface="等线" panose="02010600030101010101" pitchFamily="2" charset="-122"/>
-                        <a:cs typeface="Times New Roman" panose="02020603050405020304" pitchFamily="18" charset="0"/>
+                        <a:latin typeface="宋体" panose="02010600030101010101" pitchFamily="2" charset="-122"/>
+                        <a:ea typeface="宋体" panose="02010600030101010101" pitchFamily="2" charset="-122"/>
                       </a:endParaRPr>
                     </a:p>
                   </a:txBody>
-                  <a:tcPr marL="53169" marR="53169" marT="0" marB="0" anchor="ctr"/>
+                  <a:tcPr marL="4898" marR="4898" marT="4898" marB="0" anchor="ctr"/>
                 </a:tc>
                 <a:tc>
                   <a:txBody>
                     <a:bodyPr/>
                     <a:lstStyle/>
                     <a:p>
-                      <a:pPr algn="ctr">
-                        <a:spcAft>
-                          <a:spcPts val="0"/>
-                        </a:spcAft>
-                      </a:pPr>
+                      <a:pPr algn="ctr" fontAlgn="ctr"/>
                       <a:r>
-                        <a:rPr lang="zh-CN" sz="900" kern="0">
+                        <a:rPr lang="zh-CN" altLang="en-US" sz="700" u="none" strike="noStrike">
                           <a:effectLst/>
                         </a:rPr>
                         <a:t>滑动结果显示</a:t>
                       </a:r>
-                      <a:endParaRPr lang="zh-CN" sz="800" kern="100">
+                      <a:endParaRPr lang="zh-CN" altLang="en-US" sz="700" b="0" i="0" u="none" strike="noStrike">
+                        <a:solidFill>
+                          <a:srgbClr val="000000"/>
+                        </a:solidFill>
                         <a:effectLst/>
-                        <a:latin typeface="等线" panose="02010600030101010101" pitchFamily="2" charset="-122"/>
-                        <a:ea typeface="等线" panose="02010600030101010101" pitchFamily="2" charset="-122"/>
-                        <a:cs typeface="Times New Roman" panose="02020603050405020304" pitchFamily="18" charset="0"/>
+                        <a:latin typeface="宋体" panose="02010600030101010101" pitchFamily="2" charset="-122"/>
+                        <a:ea typeface="宋体" panose="02010600030101010101" pitchFamily="2" charset="-122"/>
                       </a:endParaRPr>
                     </a:p>
                   </a:txBody>
-                  <a:tcPr marL="53169" marR="53169" marT="0" marB="0" anchor="ctr"/>
+                  <a:tcPr marL="4898" marR="4898" marT="4898" marB="0" anchor="ctr"/>
+                </a:tc>
+                <a:tc>
+                  <a:txBody>
+                    <a:bodyPr/>
+                    <a:lstStyle/>
+                    <a:p>
+                      <a:pPr algn="ctr" fontAlgn="ctr"/>
+                      <a:r>
+                        <a:rPr lang="zh-CN" altLang="en-US" sz="700" u="none" strike="noStrike">
+                          <a:effectLst/>
+                        </a:rPr>
+                        <a:t>出现推荐运动项目图片</a:t>
+                      </a:r>
+                      <a:endParaRPr lang="zh-CN" altLang="en-US" sz="700" b="0" i="0" u="none" strike="noStrike">
+                        <a:solidFill>
+                          <a:srgbClr val="000000"/>
+                        </a:solidFill>
+                        <a:effectLst/>
+                        <a:latin typeface="宋体" panose="02010600030101010101" pitchFamily="2" charset="-122"/>
+                        <a:ea typeface="宋体" panose="02010600030101010101" pitchFamily="2" charset="-122"/>
+                      </a:endParaRPr>
+                    </a:p>
+                  </a:txBody>
+                  <a:tcPr marL="4898" marR="4898" marT="4898" marB="0" anchor="ctr"/>
+                </a:tc>
+                <a:tc>
+                  <a:txBody>
+                    <a:bodyPr/>
+                    <a:lstStyle/>
+                    <a:p>
+                      <a:pPr algn="ctr" fontAlgn="b"/>
+                      <a:r>
+                        <a:rPr lang="zh-CN" altLang="en-US" sz="700" u="none" strike="noStrike">
+                          <a:effectLst/>
+                        </a:rPr>
+                        <a:t>　</a:t>
+                      </a:r>
+                      <a:endParaRPr lang="zh-CN" altLang="en-US" sz="700" b="0" i="0" u="none" strike="noStrike">
+                        <a:solidFill>
+                          <a:srgbClr val="000000"/>
+                        </a:solidFill>
+                        <a:effectLst/>
+                        <a:latin typeface="宋体" panose="02010600030101010101" pitchFamily="2" charset="-122"/>
+                        <a:ea typeface="宋体" panose="02010600030101010101" pitchFamily="2" charset="-122"/>
+                      </a:endParaRPr>
+                    </a:p>
+                  </a:txBody>
+                  <a:tcPr marL="4898" marR="4898" marT="4898" marB="0" anchor="b"/>
                 </a:tc>
                 <a:extLst>
                   <a:ext uri="{0D108BD9-81ED-4DB2-BD59-A6C34878D82A}">
-                    <a16:rowId xmlns:a16="http://schemas.microsoft.com/office/drawing/2014/main" val="2874236523"/>
+                    <a16:rowId xmlns:a16="http://schemas.microsoft.com/office/drawing/2014/main" val="3829085422"/>
                   </a:ext>
                 </a:extLst>
               </a:tr>
-              <a:tr h="228266">
+              <a:tr h="156291">
                 <a:tc vMerge="1">
                   <a:txBody>
                     <a:bodyPr/>
@@ -36740,171 +38172,255 @@
                     <a:bodyPr/>
                     <a:lstStyle/>
                     <a:p>
-                      <a:pPr algn="ctr">
-                        <a:spcAft>
-                          <a:spcPts val="0"/>
-                        </a:spcAft>
-                      </a:pPr>
+                      <a:pPr algn="ctr" fontAlgn="ctr"/>
                       <a:r>
-                        <a:rPr lang="zh-CN" sz="900" kern="0">
+                        <a:rPr lang="zh-CN" altLang="en-US" sz="700" u="none" strike="noStrike">
                           <a:effectLst/>
                         </a:rPr>
                         <a:t>个人饮食推荐</a:t>
                       </a:r>
-                      <a:endParaRPr lang="zh-CN" sz="800" kern="100">
+                      <a:endParaRPr lang="zh-CN" altLang="en-US" sz="700" b="0" i="0" u="none" strike="noStrike">
+                        <a:solidFill>
+                          <a:srgbClr val="000000"/>
+                        </a:solidFill>
                         <a:effectLst/>
-                        <a:latin typeface="等线" panose="02010600030101010101" pitchFamily="2" charset="-122"/>
-                        <a:ea typeface="等线" panose="02010600030101010101" pitchFamily="2" charset="-122"/>
-                        <a:cs typeface="Times New Roman" panose="02020603050405020304" pitchFamily="18" charset="0"/>
+                        <a:latin typeface="宋体" panose="02010600030101010101" pitchFamily="2" charset="-122"/>
+                        <a:ea typeface="宋体" panose="02010600030101010101" pitchFamily="2" charset="-122"/>
                       </a:endParaRPr>
                     </a:p>
                   </a:txBody>
-                  <a:tcPr marL="53169" marR="53169" marT="0" marB="0" anchor="ctr"/>
+                  <a:tcPr marL="4898" marR="4898" marT="4898" marB="0" anchor="ctr"/>
                 </a:tc>
                 <a:tc>
                   <a:txBody>
                     <a:bodyPr/>
                     <a:lstStyle/>
                     <a:p>
-                      <a:pPr algn="ctr">
-                        <a:spcAft>
-                          <a:spcPts val="0"/>
-                        </a:spcAft>
-                      </a:pPr>
+                      <a:pPr algn="ctr" fontAlgn="ctr"/>
                       <a:r>
-                        <a:rPr lang="zh-CN" sz="900" kern="0">
+                        <a:rPr lang="zh-CN" altLang="en-US" sz="700" u="none" strike="noStrike">
                           <a:effectLst/>
                         </a:rPr>
                         <a:t>滑动结果显示</a:t>
                       </a:r>
-                      <a:endParaRPr lang="zh-CN" sz="800" kern="100">
+                      <a:endParaRPr lang="zh-CN" altLang="en-US" sz="700" b="0" i="0" u="none" strike="noStrike">
+                        <a:solidFill>
+                          <a:srgbClr val="000000"/>
+                        </a:solidFill>
                         <a:effectLst/>
-                        <a:latin typeface="等线" panose="02010600030101010101" pitchFamily="2" charset="-122"/>
-                        <a:ea typeface="等线" panose="02010600030101010101" pitchFamily="2" charset="-122"/>
-                        <a:cs typeface="Times New Roman" panose="02020603050405020304" pitchFamily="18" charset="0"/>
+                        <a:latin typeface="宋体" panose="02010600030101010101" pitchFamily="2" charset="-122"/>
+                        <a:ea typeface="宋体" panose="02010600030101010101" pitchFamily="2" charset="-122"/>
                       </a:endParaRPr>
                     </a:p>
                   </a:txBody>
-                  <a:tcPr marL="53169" marR="53169" marT="0" marB="0" anchor="ctr"/>
+                  <a:tcPr marL="4898" marR="4898" marT="4898" marB="0" anchor="ctr"/>
+                </a:tc>
+                <a:tc>
+                  <a:txBody>
+                    <a:bodyPr/>
+                    <a:lstStyle/>
+                    <a:p>
+                      <a:pPr algn="ctr" fontAlgn="ctr"/>
+                      <a:r>
+                        <a:rPr lang="zh-CN" altLang="en-US" sz="700" u="none" strike="noStrike">
+                          <a:effectLst/>
+                        </a:rPr>
+                        <a:t>出现推荐饮食及理由</a:t>
+                      </a:r>
+                      <a:endParaRPr lang="zh-CN" altLang="en-US" sz="700" b="0" i="0" u="none" strike="noStrike">
+                        <a:solidFill>
+                          <a:srgbClr val="000000"/>
+                        </a:solidFill>
+                        <a:effectLst/>
+                        <a:latin typeface="宋体" panose="02010600030101010101" pitchFamily="2" charset="-122"/>
+                        <a:ea typeface="宋体" panose="02010600030101010101" pitchFamily="2" charset="-122"/>
+                      </a:endParaRPr>
+                    </a:p>
+                  </a:txBody>
+                  <a:tcPr marL="4898" marR="4898" marT="4898" marB="0" anchor="ctr"/>
+                </a:tc>
+                <a:tc>
+                  <a:txBody>
+                    <a:bodyPr/>
+                    <a:lstStyle/>
+                    <a:p>
+                      <a:pPr algn="ctr" fontAlgn="b"/>
+                      <a:r>
+                        <a:rPr lang="zh-CN" altLang="en-US" sz="700" u="none" strike="noStrike">
+                          <a:effectLst/>
+                        </a:rPr>
+                        <a:t>　</a:t>
+                      </a:r>
+                      <a:endParaRPr lang="zh-CN" altLang="en-US" sz="700" b="0" i="0" u="none" strike="noStrike">
+                        <a:solidFill>
+                          <a:srgbClr val="000000"/>
+                        </a:solidFill>
+                        <a:effectLst/>
+                        <a:latin typeface="宋体" panose="02010600030101010101" pitchFamily="2" charset="-122"/>
+                        <a:ea typeface="宋体" panose="02010600030101010101" pitchFamily="2" charset="-122"/>
+                      </a:endParaRPr>
+                    </a:p>
+                  </a:txBody>
+                  <a:tcPr marL="4898" marR="4898" marT="4898" marB="0" anchor="b"/>
                 </a:tc>
                 <a:extLst>
                   <a:ext uri="{0D108BD9-81ED-4DB2-BD59-A6C34878D82A}">
-                    <a16:rowId xmlns:a16="http://schemas.microsoft.com/office/drawing/2014/main" val="1279873285"/>
+                    <a16:rowId xmlns:a16="http://schemas.microsoft.com/office/drawing/2014/main" val="1114954036"/>
                   </a:ext>
                 </a:extLst>
               </a:tr>
-              <a:tr h="228266">
+              <a:tr h="293043">
                 <a:tc rowSpan="2">
                   <a:txBody>
                     <a:bodyPr/>
                     <a:lstStyle/>
                     <a:p>
-                      <a:pPr algn="ctr">
-                        <a:spcAft>
-                          <a:spcPts val="0"/>
-                        </a:spcAft>
-                      </a:pPr>
+                      <a:pPr algn="ctr" fontAlgn="ctr"/>
                       <a:r>
-                        <a:rPr lang="zh-CN" sz="900" kern="0">
+                        <a:rPr lang="zh-CN" altLang="en-US" sz="700" u="none" strike="noStrike">
                           <a:effectLst/>
                         </a:rPr>
                         <a:t>教练个人中心</a:t>
                       </a:r>
-                      <a:endParaRPr lang="zh-CN" sz="800" kern="100">
+                      <a:endParaRPr lang="zh-CN" altLang="en-US" sz="700" b="0" i="0" u="none" strike="noStrike">
+                        <a:solidFill>
+                          <a:srgbClr val="000000"/>
+                        </a:solidFill>
                         <a:effectLst/>
-                        <a:latin typeface="等线" panose="02010600030101010101" pitchFamily="2" charset="-122"/>
-                        <a:ea typeface="等线" panose="02010600030101010101" pitchFamily="2" charset="-122"/>
-                        <a:cs typeface="Times New Roman" panose="02020603050405020304" pitchFamily="18" charset="0"/>
+                        <a:latin typeface="宋体" panose="02010600030101010101" pitchFamily="2" charset="-122"/>
+                        <a:ea typeface="宋体" panose="02010600030101010101" pitchFamily="2" charset="-122"/>
                       </a:endParaRPr>
                     </a:p>
                   </a:txBody>
-                  <a:tcPr marL="53169" marR="53169" marT="0" marB="0" anchor="ctr"/>
+                  <a:tcPr marL="4898" marR="4898" marT="4898" marB="0" anchor="ctr"/>
                 </a:tc>
                 <a:tc rowSpan="2">
                   <a:txBody>
                     <a:bodyPr/>
                     <a:lstStyle/>
                     <a:p>
-                      <a:pPr algn="ctr">
-                        <a:spcAft>
-                          <a:spcPts val="0"/>
-                        </a:spcAft>
-                      </a:pPr>
+                      <a:pPr algn="ctr" fontAlgn="ctr"/>
                       <a:r>
-                        <a:rPr lang="zh-CN" sz="900" kern="0">
+                        <a:rPr lang="zh-CN" altLang="en-US" sz="700" u="none" strike="noStrike">
                           <a:effectLst/>
                         </a:rPr>
                         <a:t>初始界面</a:t>
                       </a:r>
-                      <a:endParaRPr lang="zh-CN" sz="800" kern="100">
+                      <a:endParaRPr lang="zh-CN" altLang="en-US" sz="700" b="0" i="0" u="none" strike="noStrike">
+                        <a:solidFill>
+                          <a:srgbClr val="000000"/>
+                        </a:solidFill>
                         <a:effectLst/>
-                        <a:latin typeface="等线" panose="02010600030101010101" pitchFamily="2" charset="-122"/>
-                        <a:ea typeface="等线" panose="02010600030101010101" pitchFamily="2" charset="-122"/>
-                        <a:cs typeface="Times New Roman" panose="02020603050405020304" pitchFamily="18" charset="0"/>
+                        <a:latin typeface="宋体" panose="02010600030101010101" pitchFamily="2" charset="-122"/>
+                        <a:ea typeface="宋体" panose="02010600030101010101" pitchFamily="2" charset="-122"/>
                       </a:endParaRPr>
                     </a:p>
                   </a:txBody>
-                  <a:tcPr marL="53169" marR="53169" marT="0" marB="0" anchor="ctr"/>
+                  <a:tcPr marL="4898" marR="4898" marT="4898" marB="0" anchor="ctr"/>
                 </a:tc>
                 <a:tc rowSpan="2">
                   <a:txBody>
                     <a:bodyPr/>
                     <a:lstStyle/>
                     <a:p>
-                      <a:pPr algn="ctr">
-                        <a:spcAft>
-                          <a:spcPts val="0"/>
-                        </a:spcAft>
-                      </a:pPr>
+                      <a:pPr algn="ctr" fontAlgn="ctr"/>
                       <a:r>
-                        <a:rPr lang="zh-CN" sz="900" kern="0">
+                        <a:rPr lang="zh-CN" altLang="en-US" sz="700" u="none" strike="noStrike">
                           <a:effectLst/>
                         </a:rPr>
                         <a:t>　</a:t>
                       </a:r>
-                      <a:endParaRPr lang="zh-CN" sz="800" kern="100">
+                      <a:endParaRPr lang="zh-CN" altLang="en-US" sz="700" b="0" i="0" u="none" strike="noStrike">
+                        <a:solidFill>
+                          <a:srgbClr val="000000"/>
+                        </a:solidFill>
                         <a:effectLst/>
-                        <a:latin typeface="等线" panose="02010600030101010101" pitchFamily="2" charset="-122"/>
-                        <a:ea typeface="等线" panose="02010600030101010101" pitchFamily="2" charset="-122"/>
-                        <a:cs typeface="Times New Roman" panose="02020603050405020304" pitchFamily="18" charset="0"/>
+                        <a:latin typeface="宋体" panose="02010600030101010101" pitchFamily="2" charset="-122"/>
+                        <a:ea typeface="宋体" panose="02010600030101010101" pitchFamily="2" charset="-122"/>
                       </a:endParaRPr>
                     </a:p>
                   </a:txBody>
-                  <a:tcPr marL="53169" marR="53169" marT="0" marB="0" anchor="ctr"/>
+                  <a:tcPr marL="4898" marR="4898" marT="4898" marB="0" anchor="ctr"/>
                 </a:tc>
                 <a:tc>
                   <a:txBody>
                     <a:bodyPr/>
                     <a:lstStyle/>
                     <a:p>
-                      <a:pPr algn="ctr">
-                        <a:spcAft>
-                          <a:spcPts val="0"/>
-                        </a:spcAft>
-                      </a:pPr>
+                      <a:pPr algn="ctr" fontAlgn="ctr"/>
                       <a:r>
-                        <a:rPr lang="zh-CN" sz="900" kern="0">
+                        <a:rPr lang="zh-CN" altLang="en-US" sz="700" u="none" strike="noStrike">
                           <a:effectLst/>
                         </a:rPr>
                         <a:t>主导航为所绑定的学员档案</a:t>
                       </a:r>
-                      <a:endParaRPr lang="zh-CN" sz="800" kern="100">
+                      <a:endParaRPr lang="zh-CN" altLang="en-US" sz="700" b="0" i="0" u="none" strike="noStrike">
+                        <a:solidFill>
+                          <a:srgbClr val="000000"/>
+                        </a:solidFill>
                         <a:effectLst/>
-                        <a:latin typeface="等线" panose="02010600030101010101" pitchFamily="2" charset="-122"/>
-                        <a:ea typeface="等线" panose="02010600030101010101" pitchFamily="2" charset="-122"/>
-                        <a:cs typeface="Times New Roman" panose="02020603050405020304" pitchFamily="18" charset="0"/>
+                        <a:latin typeface="宋体" panose="02010600030101010101" pitchFamily="2" charset="-122"/>
+                        <a:ea typeface="宋体" panose="02010600030101010101" pitchFamily="2" charset="-122"/>
                       </a:endParaRPr>
                     </a:p>
                   </a:txBody>
-                  <a:tcPr marL="53169" marR="53169" marT="0" marB="0" anchor="ctr"/>
+                  <a:tcPr marL="4898" marR="4898" marT="4898" marB="0" anchor="ctr"/>
+                </a:tc>
+                <a:tc>
+                  <a:txBody>
+                    <a:bodyPr/>
+                    <a:lstStyle/>
+                    <a:p>
+                      <a:pPr algn="ctr" fontAlgn="ctr"/>
+                      <a:r>
+                        <a:rPr lang="zh-CN" altLang="en-US" sz="700" u="none" strike="noStrike">
+                          <a:effectLst/>
+                        </a:rPr>
+                        <a:t>各个学员的体测资料出现</a:t>
+                      </a:r>
+                      <a:endParaRPr lang="zh-CN" altLang="en-US" sz="700" b="0" i="0" u="none" strike="noStrike">
+                        <a:solidFill>
+                          <a:srgbClr val="000000"/>
+                        </a:solidFill>
+                        <a:effectLst/>
+                        <a:latin typeface="宋体" panose="02010600030101010101" pitchFamily="2" charset="-122"/>
+                        <a:ea typeface="宋体" panose="02010600030101010101" pitchFamily="2" charset="-122"/>
+                      </a:endParaRPr>
+                    </a:p>
+                  </a:txBody>
+                  <a:tcPr marL="4898" marR="4898" marT="4898" marB="0" anchor="ctr"/>
+                </a:tc>
+                <a:tc>
+                  <a:txBody>
+                    <a:bodyPr/>
+                    <a:lstStyle/>
+                    <a:p>
+                      <a:pPr algn="ctr" fontAlgn="b"/>
+                      <a:r>
+                        <a:rPr lang="zh-CN" altLang="en-US" sz="700" u="none" strike="noStrike">
+                          <a:effectLst/>
+                        </a:rPr>
+                        <a:t>　</a:t>
+                      </a:r>
+                      <a:endParaRPr lang="zh-CN" altLang="en-US" sz="700" b="0" i="0" u="none" strike="noStrike">
+                        <a:solidFill>
+                          <a:srgbClr val="000000"/>
+                        </a:solidFill>
+                        <a:effectLst/>
+                        <a:latin typeface="宋体" panose="02010600030101010101" pitchFamily="2" charset="-122"/>
+                        <a:ea typeface="宋体" panose="02010600030101010101" pitchFamily="2" charset="-122"/>
+                      </a:endParaRPr>
+                    </a:p>
+                  </a:txBody>
+                  <a:tcPr marL="4898" marR="4898" marT="4898" marB="0" anchor="b"/>
                 </a:tc>
                 <a:extLst>
                   <a:ext uri="{0D108BD9-81ED-4DB2-BD59-A6C34878D82A}">
-                    <a16:rowId xmlns:a16="http://schemas.microsoft.com/office/drawing/2014/main" val="2968049078"/>
+                    <a16:rowId xmlns:a16="http://schemas.microsoft.com/office/drawing/2014/main" val="449285908"/>
                   </a:ext>
                 </a:extLst>
               </a:tr>
-              <a:tr h="228266">
+              <a:tr h="156291">
                 <a:tc vMerge="1">
                   <a:txBody>
                     <a:bodyPr/>
@@ -36940,30 +38456,76 @@
                     <a:bodyPr/>
                     <a:lstStyle/>
                     <a:p>
-                      <a:pPr algn="ctr">
-                        <a:spcAft>
-                          <a:spcPts val="0"/>
-                        </a:spcAft>
-                      </a:pPr>
+                      <a:pPr algn="ctr" fontAlgn="ctr"/>
                       <a:r>
-                        <a:rPr lang="zh-CN" sz="900" kern="0" dirty="0">
+                        <a:rPr lang="zh-CN" altLang="en-US" sz="700" u="none" strike="noStrike">
                           <a:effectLst/>
                         </a:rPr>
                         <a:t>下方可记录学员体测信息</a:t>
                       </a:r>
-                      <a:endParaRPr lang="zh-CN" sz="800" kern="100" dirty="0">
+                      <a:endParaRPr lang="zh-CN" altLang="en-US" sz="700" b="0" i="0" u="none" strike="noStrike">
+                        <a:solidFill>
+                          <a:srgbClr val="000000"/>
+                        </a:solidFill>
                         <a:effectLst/>
-                        <a:latin typeface="等线" panose="02010600030101010101" pitchFamily="2" charset="-122"/>
-                        <a:ea typeface="等线" panose="02010600030101010101" pitchFamily="2" charset="-122"/>
-                        <a:cs typeface="Times New Roman" panose="02020603050405020304" pitchFamily="18" charset="0"/>
+                        <a:latin typeface="宋体" panose="02010600030101010101" pitchFamily="2" charset="-122"/>
+                        <a:ea typeface="宋体" panose="02010600030101010101" pitchFamily="2" charset="-122"/>
                       </a:endParaRPr>
                     </a:p>
                   </a:txBody>
-                  <a:tcPr marL="53169" marR="53169" marT="0" marB="0" anchor="ctr"/>
+                  <a:tcPr marL="4898" marR="4898" marT="4898" marB="0" anchor="ctr"/>
+                </a:tc>
+                <a:tc>
+                  <a:txBody>
+                    <a:bodyPr/>
+                    <a:lstStyle/>
+                    <a:p>
+                      <a:pPr algn="ctr" fontAlgn="ctr"/>
+                      <a:r>
+                        <a:rPr lang="zh-CN" altLang="en-US" sz="700" u="none" strike="noStrike">
+                          <a:effectLst/>
+                        </a:rPr>
+                        <a:t>可修改学员体测信息</a:t>
+                      </a:r>
+                      <a:endParaRPr lang="zh-CN" altLang="en-US" sz="700" b="0" i="0" u="none" strike="noStrike">
+                        <a:solidFill>
+                          <a:srgbClr val="000000"/>
+                        </a:solidFill>
+                        <a:effectLst/>
+                        <a:latin typeface="宋体" panose="02010600030101010101" pitchFamily="2" charset="-122"/>
+                        <a:ea typeface="宋体" panose="02010600030101010101" pitchFamily="2" charset="-122"/>
+                      </a:endParaRPr>
+                    </a:p>
+                  </a:txBody>
+                  <a:tcPr marL="4898" marR="4898" marT="4898" marB="0" anchor="ctr"/>
+                </a:tc>
+                <a:tc>
+                  <a:txBody>
+                    <a:bodyPr/>
+                    <a:lstStyle/>
+                    <a:p>
+                      <a:pPr algn="ctr" fontAlgn="b"/>
+                      <a:r>
+                        <a:rPr lang="zh-CN" altLang="en-US" sz="700" u="none" strike="noStrike" dirty="0">
+                          <a:effectLst/>
+                        </a:rPr>
+                        <a:t>　</a:t>
+                      </a:r>
+                      <a:endParaRPr lang="zh-CN" altLang="en-US" sz="700" b="0" i="0" u="none" strike="noStrike" dirty="0">
+                        <a:solidFill>
+                          <a:srgbClr val="000000"/>
+                        </a:solidFill>
+                        <a:effectLst/>
+                        <a:latin typeface="宋体" panose="02010600030101010101" pitchFamily="2" charset="-122"/>
+                        <a:ea typeface="宋体" panose="02010600030101010101" pitchFamily="2" charset="-122"/>
+                      </a:endParaRPr>
+                    </a:p>
+                  </a:txBody>
+                  <a:tcPr marL="4898" marR="4898" marT="4898" marB="0" anchor="b"/>
                 </a:tc>
                 <a:extLst>
                   <a:ext uri="{0D108BD9-81ED-4DB2-BD59-A6C34878D82A}">
-                    <a16:rowId xmlns:a16="http://schemas.microsoft.com/office/drawing/2014/main" val="1297537982"/>
+                    <a16:rowId xmlns:a16="http://schemas.microsoft.com/office/drawing/2014/main" val="3927595129"/>
                   </a:ext>
                 </a:extLst>
               </a:tr>
@@ -36974,7 +38536,7 @@
     </p:spTree>
     <p:extLst>
       <p:ext uri="{BB962C8B-B14F-4D97-AF65-F5344CB8AC3E}">
-        <p14:creationId xmlns:p14="http://schemas.microsoft.com/office/powerpoint/2010/main" val="91596128"/>
+        <p14:creationId xmlns:p14="http://schemas.microsoft.com/office/powerpoint/2010/main" val="3114152858"/>
       </p:ext>
     </p:extLst>
   </p:cSld>
